--- a/hw02.pptx
+++ b/hw02.pptx
@@ -4,8 +4,27 @@
   <p:sldMasterIdLst>
     <p:sldMasterId id="2147483648" r:id="rId1"/>
   </p:sldMasterIdLst>
+  <p:notesMasterIdLst>
+    <p:notesMasterId r:id="rId19"/>
+  </p:notesMasterIdLst>
   <p:sldIdLst>
     <p:sldId id="256" r:id="rId2"/>
+    <p:sldId id="257" r:id="rId3"/>
+    <p:sldId id="258" r:id="rId4"/>
+    <p:sldId id="264" r:id="rId5"/>
+    <p:sldId id="259" r:id="rId6"/>
+    <p:sldId id="260" r:id="rId7"/>
+    <p:sldId id="261" r:id="rId8"/>
+    <p:sldId id="262" r:id="rId9"/>
+    <p:sldId id="263" r:id="rId10"/>
+    <p:sldId id="265" r:id="rId11"/>
+    <p:sldId id="266" r:id="rId12"/>
+    <p:sldId id="267" r:id="rId13"/>
+    <p:sldId id="268" r:id="rId14"/>
+    <p:sldId id="269" r:id="rId15"/>
+    <p:sldId id="270" r:id="rId16"/>
+    <p:sldId id="271" r:id="rId17"/>
+    <p:sldId id="272" r:id="rId18"/>
   </p:sldIdLst>
   <p:sldSz cx="12192000" cy="6858000"/>
   <p:notesSz cx="6858000" cy="9144000"/>
@@ -104,7 +123,2241 @@
       </a:defRPr>
     </a:lvl9pPr>
   </p:defaultTextStyle>
+  <p:extLst>
+    <p:ext uri="{EFAFB233-063F-42B5-8137-9DF3F51BA10A}">
+      <p15:sldGuideLst xmlns:p15="http://schemas.microsoft.com/office/powerpoint/2012/main"/>
+    </p:ext>
+  </p:extLst>
 </p:presentation>
+</file>
+
+<file path=ppt/commentAuthors.xml><?xml version="1.0" encoding="utf-8"?>
+<p:cmAuthorLst xmlns:a="http://schemas.openxmlformats.org/drawingml/2006/main" xmlns:r="http://schemas.openxmlformats.org/officeDocument/2006/relationships" xmlns:p="http://schemas.openxmlformats.org/presentationml/2006/main">
+  <p:cmAuthor id="1" name="C O" initials="CO" lastIdx="1" clrIdx="0">
+    <p:extLst>
+      <p:ext uri="{19B8F6BF-5375-455C-9EA6-DF929625EA0E}">
+        <p15:presenceInfo xmlns:p15="http://schemas.microsoft.com/office/powerpoint/2012/main" userId="a22a10cdab3908c3" providerId="Windows Live"/>
+      </p:ext>
+    </p:extLst>
+  </p:cmAuthor>
+</p:cmAuthorLst>
+</file>
+
+<file path=ppt/comments/comment1.xml><?xml version="1.0" encoding="utf-8"?>
+<p:cmLst xmlns:a="http://schemas.openxmlformats.org/drawingml/2006/main" xmlns:r="http://schemas.openxmlformats.org/officeDocument/2006/relationships" xmlns:p="http://schemas.openxmlformats.org/presentationml/2006/main">
+  <p:cm authorId="1" dt="2024-10-23T00:54:15.817" idx="1">
+    <p:pos x="10" y="10"/>
+    <p:text>日本動漫風格的高中生男學生，藍黑色頭髮、M字瀏海，紅眼睛，穿著白色襯衫，給人狡猾的感覺，在家裡，仰望著過世父親的遺像，堅定的眼神</p:text>
+    <p:extLst>
+      <p:ext uri="{C676402C-5697-4E1C-873F-D02D1690AC5C}">
+        <p15:threadingInfo xmlns:p15="http://schemas.microsoft.com/office/powerpoint/2012/main" timeZoneBias="-480"/>
+      </p:ext>
+    </p:extLst>
+  </p:cm>
+</p:cmLst>
+</file>
+
+<file path=ppt/notesMasters/notesMaster1.xml><?xml version="1.0" encoding="utf-8"?>
+<p:notesMaster xmlns:a="http://schemas.openxmlformats.org/drawingml/2006/main" xmlns:r="http://schemas.openxmlformats.org/officeDocument/2006/relationships" xmlns:p="http://schemas.openxmlformats.org/presentationml/2006/main">
+  <p:cSld>
+    <p:bg>
+      <p:bgRef idx="1001">
+        <a:schemeClr val="bg1"/>
+      </p:bgRef>
+    </p:bg>
+    <p:spTree>
+      <p:nvGrpSpPr>
+        <p:cNvPr id="1" name=""/>
+        <p:cNvGrpSpPr/>
+        <p:nvPr/>
+      </p:nvGrpSpPr>
+      <p:grpSpPr>
+        <a:xfrm>
+          <a:off x="0" y="0"/>
+          <a:ext cx="0" cy="0"/>
+          <a:chOff x="0" y="0"/>
+          <a:chExt cx="0" cy="0"/>
+        </a:xfrm>
+      </p:grpSpPr>
+      <p:sp>
+        <p:nvSpPr>
+          <p:cNvPr id="2" name="頁首版面配置區 1"/>
+          <p:cNvSpPr>
+            <a:spLocks noGrp="1"/>
+          </p:cNvSpPr>
+          <p:nvPr>
+            <p:ph type="hdr" sz="quarter"/>
+          </p:nvPr>
+        </p:nvSpPr>
+        <p:spPr>
+          <a:xfrm>
+            <a:off x="0" y="0"/>
+            <a:ext cx="2971800" cy="458788"/>
+          </a:xfrm>
+          <a:prstGeom prst="rect">
+            <a:avLst/>
+          </a:prstGeom>
+        </p:spPr>
+        <p:txBody>
+          <a:bodyPr vert="horz" lIns="91440" tIns="45720" rIns="91440" bIns="45720" rtlCol="0"/>
+          <a:lstStyle>
+            <a:lvl1pPr algn="l">
+              <a:defRPr sz="1200"/>
+            </a:lvl1pPr>
+          </a:lstStyle>
+          <a:p>
+            <a:endParaRPr lang="zh-TW" altLang="en-US"/>
+          </a:p>
+        </p:txBody>
+      </p:sp>
+      <p:sp>
+        <p:nvSpPr>
+          <p:cNvPr id="3" name="日期版面配置區 2"/>
+          <p:cNvSpPr>
+            <a:spLocks noGrp="1"/>
+          </p:cNvSpPr>
+          <p:nvPr>
+            <p:ph type="dt" idx="1"/>
+          </p:nvPr>
+        </p:nvSpPr>
+        <p:spPr>
+          <a:xfrm>
+            <a:off x="3884613" y="0"/>
+            <a:ext cx="2971800" cy="458788"/>
+          </a:xfrm>
+          <a:prstGeom prst="rect">
+            <a:avLst/>
+          </a:prstGeom>
+        </p:spPr>
+        <p:txBody>
+          <a:bodyPr vert="horz" lIns="91440" tIns="45720" rIns="91440" bIns="45720" rtlCol="0"/>
+          <a:lstStyle>
+            <a:lvl1pPr algn="r">
+              <a:defRPr sz="1200"/>
+            </a:lvl1pPr>
+          </a:lstStyle>
+          <a:p>
+            <a:fld id="{2F75F72C-85C7-47AB-894A-32D145B4379D}" type="datetimeFigureOut">
+              <a:rPr lang="zh-TW" altLang="en-US" smtClean="0"/>
+              <a:t>2024/10/23</a:t>
+            </a:fld>
+            <a:endParaRPr lang="zh-TW" altLang="en-US"/>
+          </a:p>
+        </p:txBody>
+      </p:sp>
+      <p:sp>
+        <p:nvSpPr>
+          <p:cNvPr id="4" name="投影片影像版面配置區 3"/>
+          <p:cNvSpPr>
+            <a:spLocks noGrp="1" noRot="1" noChangeAspect="1"/>
+          </p:cNvSpPr>
+          <p:nvPr>
+            <p:ph type="sldImg" idx="2"/>
+          </p:nvPr>
+        </p:nvSpPr>
+        <p:spPr>
+          <a:xfrm>
+            <a:off x="685800" y="1143000"/>
+            <a:ext cx="5486400" cy="3086100"/>
+          </a:xfrm>
+          <a:prstGeom prst="rect">
+            <a:avLst/>
+          </a:prstGeom>
+          <a:noFill/>
+          <a:ln w="12700">
+            <a:solidFill>
+              <a:prstClr val="black"/>
+            </a:solidFill>
+          </a:ln>
+        </p:spPr>
+        <p:txBody>
+          <a:bodyPr vert="horz" lIns="91440" tIns="45720" rIns="91440" bIns="45720" rtlCol="0" anchor="ctr"/>
+          <a:lstStyle/>
+          <a:p>
+            <a:endParaRPr lang="zh-TW" altLang="en-US"/>
+          </a:p>
+        </p:txBody>
+      </p:sp>
+      <p:sp>
+        <p:nvSpPr>
+          <p:cNvPr id="5" name="備忘稿版面配置區 4"/>
+          <p:cNvSpPr>
+            <a:spLocks noGrp="1"/>
+          </p:cNvSpPr>
+          <p:nvPr>
+            <p:ph type="body" sz="quarter" idx="3"/>
+          </p:nvPr>
+        </p:nvSpPr>
+        <p:spPr>
+          <a:xfrm>
+            <a:off x="685800" y="4400550"/>
+            <a:ext cx="5486400" cy="3600450"/>
+          </a:xfrm>
+          <a:prstGeom prst="rect">
+            <a:avLst/>
+          </a:prstGeom>
+        </p:spPr>
+        <p:txBody>
+          <a:bodyPr vert="horz" lIns="91440" tIns="45720" rIns="91440" bIns="45720" rtlCol="0"/>
+          <a:lstStyle/>
+          <a:p>
+            <a:pPr lvl="0"/>
+            <a:r>
+              <a:rPr lang="zh-TW" altLang="en-US"/>
+              <a:t>按一下以編輯母片文字樣式</a:t>
+            </a:r>
+          </a:p>
+          <a:p>
+            <a:pPr lvl="1"/>
+            <a:r>
+              <a:rPr lang="zh-TW" altLang="en-US"/>
+              <a:t>第二層</a:t>
+            </a:r>
+          </a:p>
+          <a:p>
+            <a:pPr lvl="2"/>
+            <a:r>
+              <a:rPr lang="zh-TW" altLang="en-US"/>
+              <a:t>第三層</a:t>
+            </a:r>
+          </a:p>
+          <a:p>
+            <a:pPr lvl="3"/>
+            <a:r>
+              <a:rPr lang="zh-TW" altLang="en-US"/>
+              <a:t>第四層</a:t>
+            </a:r>
+          </a:p>
+          <a:p>
+            <a:pPr lvl="4"/>
+            <a:r>
+              <a:rPr lang="zh-TW" altLang="en-US"/>
+              <a:t>第五層</a:t>
+            </a:r>
+          </a:p>
+        </p:txBody>
+      </p:sp>
+      <p:sp>
+        <p:nvSpPr>
+          <p:cNvPr id="6" name="頁尾版面配置區 5"/>
+          <p:cNvSpPr>
+            <a:spLocks noGrp="1"/>
+          </p:cNvSpPr>
+          <p:nvPr>
+            <p:ph type="ftr" sz="quarter" idx="4"/>
+          </p:nvPr>
+        </p:nvSpPr>
+        <p:spPr>
+          <a:xfrm>
+            <a:off x="0" y="8685213"/>
+            <a:ext cx="2971800" cy="458787"/>
+          </a:xfrm>
+          <a:prstGeom prst="rect">
+            <a:avLst/>
+          </a:prstGeom>
+        </p:spPr>
+        <p:txBody>
+          <a:bodyPr vert="horz" lIns="91440" tIns="45720" rIns="91440" bIns="45720" rtlCol="0" anchor="b"/>
+          <a:lstStyle>
+            <a:lvl1pPr algn="l">
+              <a:defRPr sz="1200"/>
+            </a:lvl1pPr>
+          </a:lstStyle>
+          <a:p>
+            <a:endParaRPr lang="zh-TW" altLang="en-US"/>
+          </a:p>
+        </p:txBody>
+      </p:sp>
+      <p:sp>
+        <p:nvSpPr>
+          <p:cNvPr id="7" name="投影片編號版面配置區 6"/>
+          <p:cNvSpPr>
+            <a:spLocks noGrp="1"/>
+          </p:cNvSpPr>
+          <p:nvPr>
+            <p:ph type="sldNum" sz="quarter" idx="5"/>
+          </p:nvPr>
+        </p:nvSpPr>
+        <p:spPr>
+          <a:xfrm>
+            <a:off x="3884613" y="8685213"/>
+            <a:ext cx="2971800" cy="458787"/>
+          </a:xfrm>
+          <a:prstGeom prst="rect">
+            <a:avLst/>
+          </a:prstGeom>
+        </p:spPr>
+        <p:txBody>
+          <a:bodyPr vert="horz" lIns="91440" tIns="45720" rIns="91440" bIns="45720" rtlCol="0" anchor="b"/>
+          <a:lstStyle>
+            <a:lvl1pPr algn="r">
+              <a:defRPr sz="1200"/>
+            </a:lvl1pPr>
+          </a:lstStyle>
+          <a:p>
+            <a:fld id="{F71A0CF4-8D28-491E-891A-36F866747B81}" type="slidenum">
+              <a:rPr lang="zh-TW" altLang="en-US" smtClean="0"/>
+              <a:t>‹#›</a:t>
+            </a:fld>
+            <a:endParaRPr lang="zh-TW" altLang="en-US"/>
+          </a:p>
+        </p:txBody>
+      </p:sp>
+    </p:spTree>
+    <p:extLst>
+      <p:ext uri="{BB962C8B-B14F-4D97-AF65-F5344CB8AC3E}">
+        <p14:creationId xmlns:p14="http://schemas.microsoft.com/office/powerpoint/2010/main" val="3969307842"/>
+      </p:ext>
+    </p:extLst>
+  </p:cSld>
+  <p:clrMap bg1="lt1" tx1="dk1" bg2="lt2" tx2="dk2" accent1="accent1" accent2="accent2" accent3="accent3" accent4="accent4" accent5="accent5" accent6="accent6" hlink="hlink" folHlink="folHlink"/>
+  <p:notesStyle>
+    <a:lvl1pPr marL="0" algn="l" defTabSz="914400" rtl="0" eaLnBrk="1" latinLnBrk="0" hangingPunct="1">
+      <a:defRPr sz="1200" kern="1200">
+        <a:solidFill>
+          <a:schemeClr val="tx1"/>
+        </a:solidFill>
+        <a:latin typeface="+mn-lt"/>
+        <a:ea typeface="+mn-ea"/>
+        <a:cs typeface="+mn-cs"/>
+      </a:defRPr>
+    </a:lvl1pPr>
+    <a:lvl2pPr marL="457200" algn="l" defTabSz="914400" rtl="0" eaLnBrk="1" latinLnBrk="0" hangingPunct="1">
+      <a:defRPr sz="1200" kern="1200">
+        <a:solidFill>
+          <a:schemeClr val="tx1"/>
+        </a:solidFill>
+        <a:latin typeface="+mn-lt"/>
+        <a:ea typeface="+mn-ea"/>
+        <a:cs typeface="+mn-cs"/>
+      </a:defRPr>
+    </a:lvl2pPr>
+    <a:lvl3pPr marL="914400" algn="l" defTabSz="914400" rtl="0" eaLnBrk="1" latinLnBrk="0" hangingPunct="1">
+      <a:defRPr sz="1200" kern="1200">
+        <a:solidFill>
+          <a:schemeClr val="tx1"/>
+        </a:solidFill>
+        <a:latin typeface="+mn-lt"/>
+        <a:ea typeface="+mn-ea"/>
+        <a:cs typeface="+mn-cs"/>
+      </a:defRPr>
+    </a:lvl3pPr>
+    <a:lvl4pPr marL="1371600" algn="l" defTabSz="914400" rtl="0" eaLnBrk="1" latinLnBrk="0" hangingPunct="1">
+      <a:defRPr sz="1200" kern="1200">
+        <a:solidFill>
+          <a:schemeClr val="tx1"/>
+        </a:solidFill>
+        <a:latin typeface="+mn-lt"/>
+        <a:ea typeface="+mn-ea"/>
+        <a:cs typeface="+mn-cs"/>
+      </a:defRPr>
+    </a:lvl4pPr>
+    <a:lvl5pPr marL="1828800" algn="l" defTabSz="914400" rtl="0" eaLnBrk="1" latinLnBrk="0" hangingPunct="1">
+      <a:defRPr sz="1200" kern="1200">
+        <a:solidFill>
+          <a:schemeClr val="tx1"/>
+        </a:solidFill>
+        <a:latin typeface="+mn-lt"/>
+        <a:ea typeface="+mn-ea"/>
+        <a:cs typeface="+mn-cs"/>
+      </a:defRPr>
+    </a:lvl5pPr>
+    <a:lvl6pPr marL="2286000" algn="l" defTabSz="914400" rtl="0" eaLnBrk="1" latinLnBrk="0" hangingPunct="1">
+      <a:defRPr sz="1200" kern="1200">
+        <a:solidFill>
+          <a:schemeClr val="tx1"/>
+        </a:solidFill>
+        <a:latin typeface="+mn-lt"/>
+        <a:ea typeface="+mn-ea"/>
+        <a:cs typeface="+mn-cs"/>
+      </a:defRPr>
+    </a:lvl6pPr>
+    <a:lvl7pPr marL="2743200" algn="l" defTabSz="914400" rtl="0" eaLnBrk="1" latinLnBrk="0" hangingPunct="1">
+      <a:defRPr sz="1200" kern="1200">
+        <a:solidFill>
+          <a:schemeClr val="tx1"/>
+        </a:solidFill>
+        <a:latin typeface="+mn-lt"/>
+        <a:ea typeface="+mn-ea"/>
+        <a:cs typeface="+mn-cs"/>
+      </a:defRPr>
+    </a:lvl7pPr>
+    <a:lvl8pPr marL="3200400" algn="l" defTabSz="914400" rtl="0" eaLnBrk="1" latinLnBrk="0" hangingPunct="1">
+      <a:defRPr sz="1200" kern="1200">
+        <a:solidFill>
+          <a:schemeClr val="tx1"/>
+        </a:solidFill>
+        <a:latin typeface="+mn-lt"/>
+        <a:ea typeface="+mn-ea"/>
+        <a:cs typeface="+mn-cs"/>
+      </a:defRPr>
+    </a:lvl8pPr>
+    <a:lvl9pPr marL="3657600" algn="l" defTabSz="914400" rtl="0" eaLnBrk="1" latinLnBrk="0" hangingPunct="1">
+      <a:defRPr sz="1200" kern="1200">
+        <a:solidFill>
+          <a:schemeClr val="tx1"/>
+        </a:solidFill>
+        <a:latin typeface="+mn-lt"/>
+        <a:ea typeface="+mn-ea"/>
+        <a:cs typeface="+mn-cs"/>
+      </a:defRPr>
+    </a:lvl9pPr>
+  </p:notesStyle>
+</p:notesMaster>
+</file>
+
+<file path=ppt/notesSlides/notesSlide1.xml><?xml version="1.0" encoding="utf-8"?>
+<p:notes xmlns:a="http://schemas.openxmlformats.org/drawingml/2006/main" xmlns:r="http://schemas.openxmlformats.org/officeDocument/2006/relationships" xmlns:p="http://schemas.openxmlformats.org/presentationml/2006/main">
+  <p:cSld>
+    <p:spTree>
+      <p:nvGrpSpPr>
+        <p:cNvPr id="1" name=""/>
+        <p:cNvGrpSpPr/>
+        <p:nvPr/>
+      </p:nvGrpSpPr>
+      <p:grpSpPr>
+        <a:xfrm>
+          <a:off x="0" y="0"/>
+          <a:ext cx="0" cy="0"/>
+          <a:chOff x="0" y="0"/>
+          <a:chExt cx="0" cy="0"/>
+        </a:xfrm>
+      </p:grpSpPr>
+      <p:sp>
+        <p:nvSpPr>
+          <p:cNvPr id="2" name="投影片影像版面配置區 1"/>
+          <p:cNvSpPr>
+            <a:spLocks noGrp="1" noRot="1" noChangeAspect="1"/>
+          </p:cNvSpPr>
+          <p:nvPr>
+            <p:ph type="sldImg"/>
+          </p:nvPr>
+        </p:nvSpPr>
+        <p:spPr/>
+      </p:sp>
+      <p:sp>
+        <p:nvSpPr>
+          <p:cNvPr id="3" name="備忘稿版面配置區 2"/>
+          <p:cNvSpPr>
+            <a:spLocks noGrp="1"/>
+          </p:cNvSpPr>
+          <p:nvPr>
+            <p:ph type="body" idx="1"/>
+          </p:nvPr>
+        </p:nvSpPr>
+        <p:spPr/>
+        <p:txBody>
+          <a:bodyPr/>
+          <a:lstStyle/>
+          <a:p>
+            <a:r>
+              <a:rPr lang="zh-TW" altLang="en-US" b="0" i="0" dirty="0">
+                <a:solidFill>
+                  <a:srgbClr val="111111"/>
+                </a:solidFill>
+                <a:effectLst/>
+                <a:latin typeface="-apple-system"/>
+              </a:rPr>
+              <a:t>日本動漫風格的高中生男學生，藍黑色頭髮、</a:t>
+            </a:r>
+            <a:r>
+              <a:rPr lang="en-US" altLang="zh-TW" b="0" i="0" dirty="0">
+                <a:solidFill>
+                  <a:srgbClr val="111111"/>
+                </a:solidFill>
+                <a:effectLst/>
+                <a:latin typeface="-apple-system"/>
+              </a:rPr>
+              <a:t>M</a:t>
+            </a:r>
+            <a:r>
+              <a:rPr lang="zh-TW" altLang="en-US" b="0" i="0" dirty="0">
+                <a:solidFill>
+                  <a:srgbClr val="111111"/>
+                </a:solidFill>
+                <a:effectLst/>
+                <a:latin typeface="-apple-system"/>
+              </a:rPr>
+              <a:t>字瀏海，紅眼睛，穿著白色襯衫，給人狡猾的感覺，在家裡，仰望著過世父親的遺像，堅定的眼神</a:t>
+            </a:r>
+            <a:endParaRPr lang="en-US" altLang="zh-TW" b="0" i="0" dirty="0">
+              <a:solidFill>
+                <a:srgbClr val="111111"/>
+              </a:solidFill>
+              <a:effectLst/>
+              <a:latin typeface="-apple-system"/>
+            </a:endParaRPr>
+          </a:p>
+          <a:p>
+            <a:endParaRPr lang="zh-TW" altLang="en-US" dirty="0"/>
+          </a:p>
+        </p:txBody>
+      </p:sp>
+      <p:sp>
+        <p:nvSpPr>
+          <p:cNvPr id="4" name="投影片編號版面配置區 3"/>
+          <p:cNvSpPr>
+            <a:spLocks noGrp="1"/>
+          </p:cNvSpPr>
+          <p:nvPr>
+            <p:ph type="sldNum" sz="quarter" idx="5"/>
+          </p:nvPr>
+        </p:nvSpPr>
+        <p:spPr/>
+        <p:txBody>
+          <a:bodyPr/>
+          <a:lstStyle/>
+          <a:p>
+            <a:fld id="{F71A0CF4-8D28-491E-891A-36F866747B81}" type="slidenum">
+              <a:rPr lang="zh-TW" altLang="en-US" smtClean="0"/>
+              <a:t>2</a:t>
+            </a:fld>
+            <a:endParaRPr lang="zh-TW" altLang="en-US"/>
+          </a:p>
+        </p:txBody>
+      </p:sp>
+    </p:spTree>
+    <p:extLst>
+      <p:ext uri="{BB962C8B-B14F-4D97-AF65-F5344CB8AC3E}">
+        <p14:creationId xmlns:p14="http://schemas.microsoft.com/office/powerpoint/2010/main" val="1518566939"/>
+      </p:ext>
+    </p:extLst>
+  </p:cSld>
+  <p:clrMapOvr>
+    <a:masterClrMapping/>
+  </p:clrMapOvr>
+</p:notes>
+</file>
+
+<file path=ppt/notesSlides/notesSlide10.xml><?xml version="1.0" encoding="utf-8"?>
+<p:notes xmlns:a="http://schemas.openxmlformats.org/drawingml/2006/main" xmlns:r="http://schemas.openxmlformats.org/officeDocument/2006/relationships" xmlns:p="http://schemas.openxmlformats.org/presentationml/2006/main">
+  <p:cSld>
+    <p:spTree>
+      <p:nvGrpSpPr>
+        <p:cNvPr id="1" name=""/>
+        <p:cNvGrpSpPr/>
+        <p:nvPr/>
+      </p:nvGrpSpPr>
+      <p:grpSpPr>
+        <a:xfrm>
+          <a:off x="0" y="0"/>
+          <a:ext cx="0" cy="0"/>
+          <a:chOff x="0" y="0"/>
+          <a:chExt cx="0" cy="0"/>
+        </a:xfrm>
+      </p:grpSpPr>
+      <p:sp>
+        <p:nvSpPr>
+          <p:cNvPr id="2" name="投影片影像版面配置區 1"/>
+          <p:cNvSpPr>
+            <a:spLocks noGrp="1" noRot="1" noChangeAspect="1"/>
+          </p:cNvSpPr>
+          <p:nvPr>
+            <p:ph type="sldImg"/>
+          </p:nvPr>
+        </p:nvSpPr>
+        <p:spPr/>
+      </p:sp>
+      <p:sp>
+        <p:nvSpPr>
+          <p:cNvPr id="3" name="備忘稿版面配置區 2"/>
+          <p:cNvSpPr>
+            <a:spLocks noGrp="1"/>
+          </p:cNvSpPr>
+          <p:nvPr>
+            <p:ph type="body" idx="1"/>
+          </p:nvPr>
+        </p:nvSpPr>
+        <p:spPr/>
+        <p:txBody>
+          <a:bodyPr/>
+          <a:lstStyle/>
+          <a:p>
+            <a:r>
+              <a:rPr lang="zh-TW" altLang="en-US" b="0" i="0" dirty="0">
+                <a:solidFill>
+                  <a:srgbClr val="111111"/>
+                </a:solidFill>
+                <a:effectLst/>
+                <a:latin typeface="-apple-system"/>
+              </a:rPr>
+              <a:t>日本動漫風格的高中生男學生，藍黑色頭髮、</a:t>
+            </a:r>
+            <a:r>
+              <a:rPr lang="en-US" altLang="zh-TW" b="0" i="0" dirty="0">
+                <a:solidFill>
+                  <a:srgbClr val="111111"/>
+                </a:solidFill>
+                <a:effectLst/>
+                <a:latin typeface="-apple-system"/>
+              </a:rPr>
+              <a:t>M</a:t>
+            </a:r>
+            <a:r>
+              <a:rPr lang="zh-TW" altLang="en-US" b="0" i="0" dirty="0">
+                <a:solidFill>
+                  <a:srgbClr val="111111"/>
+                </a:solidFill>
+                <a:effectLst/>
+                <a:latin typeface="-apple-system"/>
+              </a:rPr>
+              <a:t>字瀏海，紅眼睛，穿著白色襯衫，給人狡猾的感覺，籃球比賽中，不小心扭傷了腳踝</a:t>
+            </a:r>
+            <a:endParaRPr lang="en-US" altLang="zh-TW" b="0" i="0" dirty="0">
+              <a:solidFill>
+                <a:srgbClr val="111111"/>
+              </a:solidFill>
+              <a:effectLst/>
+              <a:latin typeface="-apple-system"/>
+            </a:endParaRPr>
+          </a:p>
+          <a:p>
+            <a:endParaRPr lang="zh-TW" altLang="en-US" dirty="0"/>
+          </a:p>
+        </p:txBody>
+      </p:sp>
+      <p:sp>
+        <p:nvSpPr>
+          <p:cNvPr id="4" name="投影片編號版面配置區 3"/>
+          <p:cNvSpPr>
+            <a:spLocks noGrp="1"/>
+          </p:cNvSpPr>
+          <p:nvPr>
+            <p:ph type="sldNum" sz="quarter" idx="5"/>
+          </p:nvPr>
+        </p:nvSpPr>
+        <p:spPr/>
+        <p:txBody>
+          <a:bodyPr/>
+          <a:lstStyle/>
+          <a:p>
+            <a:fld id="{F71A0CF4-8D28-491E-891A-36F866747B81}" type="slidenum">
+              <a:rPr lang="zh-TW" altLang="en-US" smtClean="0"/>
+              <a:t>11</a:t>
+            </a:fld>
+            <a:endParaRPr lang="zh-TW" altLang="en-US"/>
+          </a:p>
+        </p:txBody>
+      </p:sp>
+    </p:spTree>
+    <p:extLst>
+      <p:ext uri="{BB962C8B-B14F-4D97-AF65-F5344CB8AC3E}">
+        <p14:creationId xmlns:p14="http://schemas.microsoft.com/office/powerpoint/2010/main" val="2779913753"/>
+      </p:ext>
+    </p:extLst>
+  </p:cSld>
+  <p:clrMapOvr>
+    <a:masterClrMapping/>
+  </p:clrMapOvr>
+</p:notes>
+</file>
+
+<file path=ppt/notesSlides/notesSlide11.xml><?xml version="1.0" encoding="utf-8"?>
+<p:notes xmlns:a="http://schemas.openxmlformats.org/drawingml/2006/main" xmlns:r="http://schemas.openxmlformats.org/officeDocument/2006/relationships" xmlns:p="http://schemas.openxmlformats.org/presentationml/2006/main">
+  <p:cSld>
+    <p:spTree>
+      <p:nvGrpSpPr>
+        <p:cNvPr id="1" name=""/>
+        <p:cNvGrpSpPr/>
+        <p:nvPr/>
+      </p:nvGrpSpPr>
+      <p:grpSpPr>
+        <a:xfrm>
+          <a:off x="0" y="0"/>
+          <a:ext cx="0" cy="0"/>
+          <a:chOff x="0" y="0"/>
+          <a:chExt cx="0" cy="0"/>
+        </a:xfrm>
+      </p:grpSpPr>
+      <p:sp>
+        <p:nvSpPr>
+          <p:cNvPr id="2" name="投影片影像版面配置區 1"/>
+          <p:cNvSpPr>
+            <a:spLocks noGrp="1" noRot="1" noChangeAspect="1"/>
+          </p:cNvSpPr>
+          <p:nvPr>
+            <p:ph type="sldImg"/>
+          </p:nvPr>
+        </p:nvSpPr>
+        <p:spPr/>
+      </p:sp>
+      <p:sp>
+        <p:nvSpPr>
+          <p:cNvPr id="3" name="備忘稿版面配置區 2"/>
+          <p:cNvSpPr>
+            <a:spLocks noGrp="1"/>
+          </p:cNvSpPr>
+          <p:nvPr>
+            <p:ph type="body" idx="1"/>
+          </p:nvPr>
+        </p:nvSpPr>
+        <p:spPr/>
+        <p:txBody>
+          <a:bodyPr/>
+          <a:lstStyle/>
+          <a:p>
+            <a:r>
+              <a:rPr lang="zh-TW" altLang="en-US" b="0" i="0" dirty="0">
+                <a:solidFill>
+                  <a:srgbClr val="111111"/>
+                </a:solidFill>
+                <a:effectLst/>
+                <a:latin typeface="-apple-system"/>
+              </a:rPr>
+              <a:t>日本動漫風格的高中生男學生，藍黑色頭髮、</a:t>
+            </a:r>
+            <a:r>
+              <a:rPr lang="en-US" altLang="zh-TW" b="0" i="0" dirty="0">
+                <a:solidFill>
+                  <a:srgbClr val="111111"/>
+                </a:solidFill>
+                <a:effectLst/>
+                <a:latin typeface="-apple-system"/>
+              </a:rPr>
+              <a:t>M</a:t>
+            </a:r>
+            <a:r>
+              <a:rPr lang="zh-TW" altLang="en-US" b="0" i="0" dirty="0">
+                <a:solidFill>
+                  <a:srgbClr val="111111"/>
+                </a:solidFill>
+                <a:effectLst/>
+                <a:latin typeface="-apple-system"/>
+              </a:rPr>
+              <a:t>字瀏海，紅眼睛，穿著白色襯衫，給人狡猾的感覺，籃球比賽中，不服輸的眼神，流汗</a:t>
+            </a:r>
+            <a:endParaRPr lang="zh-TW" altLang="en-US" dirty="0"/>
+          </a:p>
+        </p:txBody>
+      </p:sp>
+      <p:sp>
+        <p:nvSpPr>
+          <p:cNvPr id="4" name="投影片編號版面配置區 3"/>
+          <p:cNvSpPr>
+            <a:spLocks noGrp="1"/>
+          </p:cNvSpPr>
+          <p:nvPr>
+            <p:ph type="sldNum" sz="quarter" idx="5"/>
+          </p:nvPr>
+        </p:nvSpPr>
+        <p:spPr/>
+        <p:txBody>
+          <a:bodyPr/>
+          <a:lstStyle/>
+          <a:p>
+            <a:fld id="{F71A0CF4-8D28-491E-891A-36F866747B81}" type="slidenum">
+              <a:rPr lang="zh-TW" altLang="en-US" smtClean="0"/>
+              <a:t>12</a:t>
+            </a:fld>
+            <a:endParaRPr lang="zh-TW" altLang="en-US"/>
+          </a:p>
+        </p:txBody>
+      </p:sp>
+    </p:spTree>
+    <p:extLst>
+      <p:ext uri="{BB962C8B-B14F-4D97-AF65-F5344CB8AC3E}">
+        <p14:creationId xmlns:p14="http://schemas.microsoft.com/office/powerpoint/2010/main" val="3991995652"/>
+      </p:ext>
+    </p:extLst>
+  </p:cSld>
+  <p:clrMapOvr>
+    <a:masterClrMapping/>
+  </p:clrMapOvr>
+</p:notes>
+</file>
+
+<file path=ppt/notesSlides/notesSlide12.xml><?xml version="1.0" encoding="utf-8"?>
+<p:notes xmlns:a="http://schemas.openxmlformats.org/drawingml/2006/main" xmlns:r="http://schemas.openxmlformats.org/officeDocument/2006/relationships" xmlns:p="http://schemas.openxmlformats.org/presentationml/2006/main">
+  <p:cSld>
+    <p:spTree>
+      <p:nvGrpSpPr>
+        <p:cNvPr id="1" name=""/>
+        <p:cNvGrpSpPr/>
+        <p:nvPr/>
+      </p:nvGrpSpPr>
+      <p:grpSpPr>
+        <a:xfrm>
+          <a:off x="0" y="0"/>
+          <a:ext cx="0" cy="0"/>
+          <a:chOff x="0" y="0"/>
+          <a:chExt cx="0" cy="0"/>
+        </a:xfrm>
+      </p:grpSpPr>
+      <p:sp>
+        <p:nvSpPr>
+          <p:cNvPr id="2" name="投影片影像版面配置區 1"/>
+          <p:cNvSpPr>
+            <a:spLocks noGrp="1" noRot="1" noChangeAspect="1"/>
+          </p:cNvSpPr>
+          <p:nvPr>
+            <p:ph type="sldImg"/>
+          </p:nvPr>
+        </p:nvSpPr>
+        <p:spPr/>
+      </p:sp>
+      <p:sp>
+        <p:nvSpPr>
+          <p:cNvPr id="3" name="備忘稿版面配置區 2"/>
+          <p:cNvSpPr>
+            <a:spLocks noGrp="1"/>
+          </p:cNvSpPr>
+          <p:nvPr>
+            <p:ph type="body" idx="1"/>
+          </p:nvPr>
+        </p:nvSpPr>
+        <p:spPr/>
+        <p:txBody>
+          <a:bodyPr/>
+          <a:lstStyle/>
+          <a:p>
+            <a:r>
+              <a:rPr lang="zh-TW" altLang="en-US" dirty="0">
+                <a:effectLst/>
+              </a:rPr>
+              <a:t>日本動漫風格的籃球記分板，顯示</a:t>
+            </a:r>
+            <a:r>
+              <a:rPr lang="en-US" altLang="zh-TW" dirty="0">
+                <a:effectLst/>
+              </a:rPr>
+              <a:t>63</a:t>
+            </a:r>
+            <a:r>
+              <a:rPr lang="zh-TW" altLang="en-US" dirty="0">
+                <a:effectLst/>
+              </a:rPr>
+              <a:t>比</a:t>
+            </a:r>
+            <a:r>
+              <a:rPr lang="en-US" altLang="zh-TW" dirty="0">
+                <a:effectLst/>
+              </a:rPr>
+              <a:t>74</a:t>
+            </a:r>
+            <a:r>
+              <a:rPr lang="zh-TW" altLang="en-US" dirty="0">
+                <a:effectLst/>
+              </a:rPr>
+              <a:t>，在籃球館，正常的那種</a:t>
+            </a:r>
+          </a:p>
+          <a:p>
+            <a:br>
+              <a:rPr lang="zh-TW" altLang="en-US" dirty="0">
+                <a:effectLst/>
+              </a:rPr>
+            </a:br>
+            <a:endParaRPr lang="zh-TW" altLang="en-US" dirty="0"/>
+          </a:p>
+        </p:txBody>
+      </p:sp>
+      <p:sp>
+        <p:nvSpPr>
+          <p:cNvPr id="4" name="投影片編號版面配置區 3"/>
+          <p:cNvSpPr>
+            <a:spLocks noGrp="1"/>
+          </p:cNvSpPr>
+          <p:nvPr>
+            <p:ph type="sldNum" sz="quarter" idx="5"/>
+          </p:nvPr>
+        </p:nvSpPr>
+        <p:spPr/>
+        <p:txBody>
+          <a:bodyPr/>
+          <a:lstStyle/>
+          <a:p>
+            <a:fld id="{F71A0CF4-8D28-491E-891A-36F866747B81}" type="slidenum">
+              <a:rPr lang="zh-TW" altLang="en-US" smtClean="0"/>
+              <a:t>13</a:t>
+            </a:fld>
+            <a:endParaRPr lang="zh-TW" altLang="en-US"/>
+          </a:p>
+        </p:txBody>
+      </p:sp>
+    </p:spTree>
+    <p:extLst>
+      <p:ext uri="{BB962C8B-B14F-4D97-AF65-F5344CB8AC3E}">
+        <p14:creationId xmlns:p14="http://schemas.microsoft.com/office/powerpoint/2010/main" val="4089544180"/>
+      </p:ext>
+    </p:extLst>
+  </p:cSld>
+  <p:clrMapOvr>
+    <a:masterClrMapping/>
+  </p:clrMapOvr>
+</p:notes>
+</file>
+
+<file path=ppt/notesSlides/notesSlide13.xml><?xml version="1.0" encoding="utf-8"?>
+<p:notes xmlns:a="http://schemas.openxmlformats.org/drawingml/2006/main" xmlns:r="http://schemas.openxmlformats.org/officeDocument/2006/relationships" xmlns:p="http://schemas.openxmlformats.org/presentationml/2006/main">
+  <p:cSld>
+    <p:spTree>
+      <p:nvGrpSpPr>
+        <p:cNvPr id="1" name=""/>
+        <p:cNvGrpSpPr/>
+        <p:nvPr/>
+      </p:nvGrpSpPr>
+      <p:grpSpPr>
+        <a:xfrm>
+          <a:off x="0" y="0"/>
+          <a:ext cx="0" cy="0"/>
+          <a:chOff x="0" y="0"/>
+          <a:chExt cx="0" cy="0"/>
+        </a:xfrm>
+      </p:grpSpPr>
+      <p:sp>
+        <p:nvSpPr>
+          <p:cNvPr id="2" name="投影片影像版面配置區 1"/>
+          <p:cNvSpPr>
+            <a:spLocks noGrp="1" noRot="1" noChangeAspect="1"/>
+          </p:cNvSpPr>
+          <p:nvPr>
+            <p:ph type="sldImg"/>
+          </p:nvPr>
+        </p:nvSpPr>
+        <p:spPr/>
+      </p:sp>
+      <p:sp>
+        <p:nvSpPr>
+          <p:cNvPr id="3" name="備忘稿版面配置區 2"/>
+          <p:cNvSpPr>
+            <a:spLocks noGrp="1"/>
+          </p:cNvSpPr>
+          <p:nvPr>
+            <p:ph type="body" idx="1"/>
+          </p:nvPr>
+        </p:nvSpPr>
+        <p:spPr/>
+        <p:txBody>
+          <a:bodyPr/>
+          <a:lstStyle/>
+          <a:p>
+            <a:r>
+              <a:rPr lang="zh-TW" altLang="en-US" dirty="0">
+                <a:effectLst/>
+              </a:rPr>
+              <a:t>日本動漫風格的籃球記分板，顯示</a:t>
+            </a:r>
+            <a:r>
+              <a:rPr lang="en-US" altLang="zh-TW" dirty="0">
+                <a:effectLst/>
+              </a:rPr>
+              <a:t>68</a:t>
+            </a:r>
+            <a:r>
+              <a:rPr lang="zh-TW" altLang="en-US" dirty="0">
+                <a:effectLst/>
+              </a:rPr>
+              <a:t>比</a:t>
+            </a:r>
+            <a:r>
+              <a:rPr lang="en-US" altLang="zh-TW" dirty="0">
+                <a:effectLst/>
+              </a:rPr>
+              <a:t>83</a:t>
+            </a:r>
+            <a:r>
+              <a:rPr lang="zh-TW" altLang="en-US" dirty="0">
+                <a:effectLst/>
+              </a:rPr>
+              <a:t>，在籃球館，正常的那種</a:t>
+            </a:r>
+          </a:p>
+          <a:p>
+            <a:br>
+              <a:rPr lang="zh-TW" altLang="en-US" dirty="0">
+                <a:effectLst/>
+              </a:rPr>
+            </a:br>
+            <a:endParaRPr lang="zh-TW" altLang="en-US" dirty="0"/>
+          </a:p>
+        </p:txBody>
+      </p:sp>
+      <p:sp>
+        <p:nvSpPr>
+          <p:cNvPr id="4" name="投影片編號版面配置區 3"/>
+          <p:cNvSpPr>
+            <a:spLocks noGrp="1"/>
+          </p:cNvSpPr>
+          <p:nvPr>
+            <p:ph type="sldNum" sz="quarter" idx="5"/>
+          </p:nvPr>
+        </p:nvSpPr>
+        <p:spPr/>
+        <p:txBody>
+          <a:bodyPr/>
+          <a:lstStyle/>
+          <a:p>
+            <a:fld id="{F71A0CF4-8D28-491E-891A-36F866747B81}" type="slidenum">
+              <a:rPr lang="zh-TW" altLang="en-US" smtClean="0"/>
+              <a:t>14</a:t>
+            </a:fld>
+            <a:endParaRPr lang="zh-TW" altLang="en-US"/>
+          </a:p>
+        </p:txBody>
+      </p:sp>
+    </p:spTree>
+    <p:extLst>
+      <p:ext uri="{BB962C8B-B14F-4D97-AF65-F5344CB8AC3E}">
+        <p14:creationId xmlns:p14="http://schemas.microsoft.com/office/powerpoint/2010/main" val="3143314706"/>
+      </p:ext>
+    </p:extLst>
+  </p:cSld>
+  <p:clrMapOvr>
+    <a:masterClrMapping/>
+  </p:clrMapOvr>
+</p:notes>
+</file>
+
+<file path=ppt/notesSlides/notesSlide14.xml><?xml version="1.0" encoding="utf-8"?>
+<p:notes xmlns:a="http://schemas.openxmlformats.org/drawingml/2006/main" xmlns:r="http://schemas.openxmlformats.org/officeDocument/2006/relationships" xmlns:p="http://schemas.openxmlformats.org/presentationml/2006/main">
+  <p:cSld>
+    <p:spTree>
+      <p:nvGrpSpPr>
+        <p:cNvPr id="1" name=""/>
+        <p:cNvGrpSpPr/>
+        <p:nvPr/>
+      </p:nvGrpSpPr>
+      <p:grpSpPr>
+        <a:xfrm>
+          <a:off x="0" y="0"/>
+          <a:ext cx="0" cy="0"/>
+          <a:chOff x="0" y="0"/>
+          <a:chExt cx="0" cy="0"/>
+        </a:xfrm>
+      </p:grpSpPr>
+      <p:sp>
+        <p:nvSpPr>
+          <p:cNvPr id="2" name="投影片影像版面配置區 1"/>
+          <p:cNvSpPr>
+            <a:spLocks noGrp="1" noRot="1" noChangeAspect="1"/>
+          </p:cNvSpPr>
+          <p:nvPr>
+            <p:ph type="sldImg"/>
+          </p:nvPr>
+        </p:nvSpPr>
+        <p:spPr/>
+      </p:sp>
+      <p:sp>
+        <p:nvSpPr>
+          <p:cNvPr id="3" name="備忘稿版面配置區 2"/>
+          <p:cNvSpPr>
+            <a:spLocks noGrp="1"/>
+          </p:cNvSpPr>
+          <p:nvPr>
+            <p:ph type="body" idx="1"/>
+          </p:nvPr>
+        </p:nvSpPr>
+        <p:spPr/>
+        <p:txBody>
+          <a:bodyPr/>
+          <a:lstStyle/>
+          <a:p>
+            <a:r>
+              <a:rPr lang="zh-TW" altLang="en-US" b="0" i="0" dirty="0">
+                <a:solidFill>
+                  <a:srgbClr val="111111"/>
+                </a:solidFill>
+                <a:effectLst/>
+                <a:latin typeface="-apple-system"/>
+              </a:rPr>
+              <a:t>日本動漫風格的高中生男學生，藍黑色頭髮、</a:t>
+            </a:r>
+            <a:r>
+              <a:rPr lang="en-US" altLang="zh-TW" b="0" i="0" dirty="0">
+                <a:solidFill>
+                  <a:srgbClr val="111111"/>
+                </a:solidFill>
+                <a:effectLst/>
+                <a:latin typeface="-apple-system"/>
+              </a:rPr>
+              <a:t>M</a:t>
+            </a:r>
+            <a:r>
+              <a:rPr lang="zh-TW" altLang="en-US" b="0" i="0" dirty="0">
+                <a:solidFill>
+                  <a:srgbClr val="111111"/>
+                </a:solidFill>
+                <a:effectLst/>
+                <a:latin typeface="-apple-system"/>
+              </a:rPr>
+              <a:t>字瀏海，紅眼睛，在籃球館，比賽，傳球給隊友</a:t>
+            </a:r>
+            <a:endParaRPr lang="zh-TW" altLang="en-US" dirty="0"/>
+          </a:p>
+        </p:txBody>
+      </p:sp>
+      <p:sp>
+        <p:nvSpPr>
+          <p:cNvPr id="4" name="投影片編號版面配置區 3"/>
+          <p:cNvSpPr>
+            <a:spLocks noGrp="1"/>
+          </p:cNvSpPr>
+          <p:nvPr>
+            <p:ph type="sldNum" sz="quarter" idx="5"/>
+          </p:nvPr>
+        </p:nvSpPr>
+        <p:spPr/>
+        <p:txBody>
+          <a:bodyPr/>
+          <a:lstStyle/>
+          <a:p>
+            <a:fld id="{F71A0CF4-8D28-491E-891A-36F866747B81}" type="slidenum">
+              <a:rPr lang="zh-TW" altLang="en-US" smtClean="0"/>
+              <a:t>15</a:t>
+            </a:fld>
+            <a:endParaRPr lang="zh-TW" altLang="en-US"/>
+          </a:p>
+        </p:txBody>
+      </p:sp>
+    </p:spTree>
+    <p:extLst>
+      <p:ext uri="{BB962C8B-B14F-4D97-AF65-F5344CB8AC3E}">
+        <p14:creationId xmlns:p14="http://schemas.microsoft.com/office/powerpoint/2010/main" val="961267052"/>
+      </p:ext>
+    </p:extLst>
+  </p:cSld>
+  <p:clrMapOvr>
+    <a:masterClrMapping/>
+  </p:clrMapOvr>
+</p:notes>
+</file>
+
+<file path=ppt/notesSlides/notesSlide15.xml><?xml version="1.0" encoding="utf-8"?>
+<p:notes xmlns:a="http://schemas.openxmlformats.org/drawingml/2006/main" xmlns:r="http://schemas.openxmlformats.org/officeDocument/2006/relationships" xmlns:p="http://schemas.openxmlformats.org/presentationml/2006/main">
+  <p:cSld>
+    <p:spTree>
+      <p:nvGrpSpPr>
+        <p:cNvPr id="1" name=""/>
+        <p:cNvGrpSpPr/>
+        <p:nvPr/>
+      </p:nvGrpSpPr>
+      <p:grpSpPr>
+        <a:xfrm>
+          <a:off x="0" y="0"/>
+          <a:ext cx="0" cy="0"/>
+          <a:chOff x="0" y="0"/>
+          <a:chExt cx="0" cy="0"/>
+        </a:xfrm>
+      </p:grpSpPr>
+      <p:sp>
+        <p:nvSpPr>
+          <p:cNvPr id="2" name="投影片影像版面配置區 1"/>
+          <p:cNvSpPr>
+            <a:spLocks noGrp="1" noRot="1" noChangeAspect="1"/>
+          </p:cNvSpPr>
+          <p:nvPr>
+            <p:ph type="sldImg"/>
+          </p:nvPr>
+        </p:nvSpPr>
+        <p:spPr/>
+      </p:sp>
+      <p:sp>
+        <p:nvSpPr>
+          <p:cNvPr id="3" name="備忘稿版面配置區 2"/>
+          <p:cNvSpPr>
+            <a:spLocks noGrp="1"/>
+          </p:cNvSpPr>
+          <p:nvPr>
+            <p:ph type="body" idx="1"/>
+          </p:nvPr>
+        </p:nvSpPr>
+        <p:spPr/>
+        <p:txBody>
+          <a:bodyPr/>
+          <a:lstStyle/>
+          <a:p>
+            <a:r>
+              <a:rPr lang="zh-TW" altLang="en-US" b="0" i="0" dirty="0">
+                <a:solidFill>
+                  <a:srgbClr val="111111"/>
+                </a:solidFill>
+                <a:effectLst/>
+                <a:latin typeface="-apple-system"/>
+              </a:rPr>
+              <a:t>日本動漫風格的高中生男學生，在籃球館，比賽，接到隊友傳球並得分</a:t>
+            </a:r>
+            <a:endParaRPr lang="zh-TW" altLang="en-US" dirty="0"/>
+          </a:p>
+        </p:txBody>
+      </p:sp>
+      <p:sp>
+        <p:nvSpPr>
+          <p:cNvPr id="4" name="投影片編號版面配置區 3"/>
+          <p:cNvSpPr>
+            <a:spLocks noGrp="1"/>
+          </p:cNvSpPr>
+          <p:nvPr>
+            <p:ph type="sldNum" sz="quarter" idx="5"/>
+          </p:nvPr>
+        </p:nvSpPr>
+        <p:spPr/>
+        <p:txBody>
+          <a:bodyPr/>
+          <a:lstStyle/>
+          <a:p>
+            <a:fld id="{F71A0CF4-8D28-491E-891A-36F866747B81}" type="slidenum">
+              <a:rPr lang="zh-TW" altLang="en-US" smtClean="0"/>
+              <a:t>16</a:t>
+            </a:fld>
+            <a:endParaRPr lang="zh-TW" altLang="en-US"/>
+          </a:p>
+        </p:txBody>
+      </p:sp>
+    </p:spTree>
+    <p:extLst>
+      <p:ext uri="{BB962C8B-B14F-4D97-AF65-F5344CB8AC3E}">
+        <p14:creationId xmlns:p14="http://schemas.microsoft.com/office/powerpoint/2010/main" val="877468737"/>
+      </p:ext>
+    </p:extLst>
+  </p:cSld>
+  <p:clrMapOvr>
+    <a:masterClrMapping/>
+  </p:clrMapOvr>
+</p:notes>
+</file>
+
+<file path=ppt/notesSlides/notesSlide16.xml><?xml version="1.0" encoding="utf-8"?>
+<p:notes xmlns:a="http://schemas.openxmlformats.org/drawingml/2006/main" xmlns:r="http://schemas.openxmlformats.org/officeDocument/2006/relationships" xmlns:p="http://schemas.openxmlformats.org/presentationml/2006/main">
+  <p:cSld>
+    <p:spTree>
+      <p:nvGrpSpPr>
+        <p:cNvPr id="1" name=""/>
+        <p:cNvGrpSpPr/>
+        <p:nvPr/>
+      </p:nvGrpSpPr>
+      <p:grpSpPr>
+        <a:xfrm>
+          <a:off x="0" y="0"/>
+          <a:ext cx="0" cy="0"/>
+          <a:chOff x="0" y="0"/>
+          <a:chExt cx="0" cy="0"/>
+        </a:xfrm>
+      </p:grpSpPr>
+      <p:sp>
+        <p:nvSpPr>
+          <p:cNvPr id="2" name="投影片影像版面配置區 1"/>
+          <p:cNvSpPr>
+            <a:spLocks noGrp="1" noRot="1" noChangeAspect="1"/>
+          </p:cNvSpPr>
+          <p:nvPr>
+            <p:ph type="sldImg"/>
+          </p:nvPr>
+        </p:nvSpPr>
+        <p:spPr/>
+      </p:sp>
+      <p:sp>
+        <p:nvSpPr>
+          <p:cNvPr id="3" name="備忘稿版面配置區 2"/>
+          <p:cNvSpPr>
+            <a:spLocks noGrp="1"/>
+          </p:cNvSpPr>
+          <p:nvPr>
+            <p:ph type="body" idx="1"/>
+          </p:nvPr>
+        </p:nvSpPr>
+        <p:spPr/>
+        <p:txBody>
+          <a:bodyPr/>
+          <a:lstStyle/>
+          <a:p>
+            <a:pPr marL="0" marR="0" lvl="0" indent="0" algn="l" defTabSz="914400" rtl="0" eaLnBrk="1" fontAlgn="auto" latinLnBrk="0" hangingPunct="1">
+              <a:lnSpc>
+                <a:spcPct val="100000"/>
+              </a:lnSpc>
+              <a:spcBef>
+                <a:spcPts val="0"/>
+              </a:spcBef>
+              <a:spcAft>
+                <a:spcPts val="0"/>
+              </a:spcAft>
+              <a:buClrTx/>
+              <a:buSzTx/>
+              <a:buFontTx/>
+              <a:buNone/>
+              <a:tabLst/>
+              <a:defRPr/>
+            </a:pPr>
+            <a:r>
+              <a:rPr lang="zh-TW" altLang="en-US" dirty="0"/>
+              <a:t>日本動漫風格的高中生男學生，藍黑色</a:t>
+            </a:r>
+            <a:r>
+              <a:rPr lang="en-US" altLang="zh-TW" dirty="0"/>
+              <a:t>M</a:t>
+            </a:r>
+            <a:r>
+              <a:rPr lang="zh-TW" altLang="en-US" dirty="0"/>
+              <a:t>字瀏海，紅眼睛，穿著白色襯衫，給人狡猾的感覺，在籃球場上， 正臉，流汗，拿著獎盃，拿到冠軍後欣慰的大笑，被隊友圍起來</a:t>
+            </a:r>
+            <a:endParaRPr lang="en-US" altLang="zh-TW"/>
+          </a:p>
+          <a:p>
+            <a:endParaRPr lang="zh-TW" altLang="en-US"/>
+          </a:p>
+        </p:txBody>
+      </p:sp>
+      <p:sp>
+        <p:nvSpPr>
+          <p:cNvPr id="4" name="投影片編號版面配置區 3"/>
+          <p:cNvSpPr>
+            <a:spLocks noGrp="1"/>
+          </p:cNvSpPr>
+          <p:nvPr>
+            <p:ph type="sldNum" sz="quarter" idx="5"/>
+          </p:nvPr>
+        </p:nvSpPr>
+        <p:spPr/>
+        <p:txBody>
+          <a:bodyPr/>
+          <a:lstStyle/>
+          <a:p>
+            <a:fld id="{F71A0CF4-8D28-491E-891A-36F866747B81}" type="slidenum">
+              <a:rPr lang="zh-TW" altLang="en-US" smtClean="0"/>
+              <a:t>17</a:t>
+            </a:fld>
+            <a:endParaRPr lang="zh-TW" altLang="en-US"/>
+          </a:p>
+        </p:txBody>
+      </p:sp>
+    </p:spTree>
+    <p:extLst>
+      <p:ext uri="{BB962C8B-B14F-4D97-AF65-F5344CB8AC3E}">
+        <p14:creationId xmlns:p14="http://schemas.microsoft.com/office/powerpoint/2010/main" val="565399858"/>
+      </p:ext>
+    </p:extLst>
+  </p:cSld>
+  <p:clrMapOvr>
+    <a:masterClrMapping/>
+  </p:clrMapOvr>
+</p:notes>
+</file>
+
+<file path=ppt/notesSlides/notesSlide2.xml><?xml version="1.0" encoding="utf-8"?>
+<p:notes xmlns:a="http://schemas.openxmlformats.org/drawingml/2006/main" xmlns:r="http://schemas.openxmlformats.org/officeDocument/2006/relationships" xmlns:p="http://schemas.openxmlformats.org/presentationml/2006/main">
+  <p:cSld>
+    <p:spTree>
+      <p:nvGrpSpPr>
+        <p:cNvPr id="1" name=""/>
+        <p:cNvGrpSpPr/>
+        <p:nvPr/>
+      </p:nvGrpSpPr>
+      <p:grpSpPr>
+        <a:xfrm>
+          <a:off x="0" y="0"/>
+          <a:ext cx="0" cy="0"/>
+          <a:chOff x="0" y="0"/>
+          <a:chExt cx="0" cy="0"/>
+        </a:xfrm>
+      </p:grpSpPr>
+      <p:sp>
+        <p:nvSpPr>
+          <p:cNvPr id="2" name="投影片影像版面配置區 1"/>
+          <p:cNvSpPr>
+            <a:spLocks noGrp="1" noRot="1" noChangeAspect="1"/>
+          </p:cNvSpPr>
+          <p:nvPr>
+            <p:ph type="sldImg"/>
+          </p:nvPr>
+        </p:nvSpPr>
+        <p:spPr/>
+      </p:sp>
+      <p:sp>
+        <p:nvSpPr>
+          <p:cNvPr id="3" name="備忘稿版面配置區 2"/>
+          <p:cNvSpPr>
+            <a:spLocks noGrp="1"/>
+          </p:cNvSpPr>
+          <p:nvPr>
+            <p:ph type="body" idx="1"/>
+          </p:nvPr>
+        </p:nvSpPr>
+        <p:spPr/>
+        <p:txBody>
+          <a:bodyPr/>
+          <a:lstStyle/>
+          <a:p>
+            <a:r>
+              <a:rPr lang="zh-TW" altLang="en-US" b="0" i="0" dirty="0">
+                <a:solidFill>
+                  <a:srgbClr val="111111"/>
+                </a:solidFill>
+                <a:effectLst/>
+                <a:latin typeface="-apple-system"/>
+              </a:rPr>
+              <a:t>日本動漫風格的高中生男學生，身高高，體格健壯，打籃球時受傷倒下</a:t>
+            </a:r>
+            <a:endParaRPr lang="zh-TW" altLang="en-US" dirty="0"/>
+          </a:p>
+        </p:txBody>
+      </p:sp>
+      <p:sp>
+        <p:nvSpPr>
+          <p:cNvPr id="4" name="投影片編號版面配置區 3"/>
+          <p:cNvSpPr>
+            <a:spLocks noGrp="1"/>
+          </p:cNvSpPr>
+          <p:nvPr>
+            <p:ph type="sldNum" sz="quarter" idx="5"/>
+          </p:nvPr>
+        </p:nvSpPr>
+        <p:spPr/>
+        <p:txBody>
+          <a:bodyPr/>
+          <a:lstStyle/>
+          <a:p>
+            <a:fld id="{F71A0CF4-8D28-491E-891A-36F866747B81}" type="slidenum">
+              <a:rPr lang="zh-TW" altLang="en-US" smtClean="0"/>
+              <a:t>3</a:t>
+            </a:fld>
+            <a:endParaRPr lang="zh-TW" altLang="en-US"/>
+          </a:p>
+        </p:txBody>
+      </p:sp>
+    </p:spTree>
+    <p:extLst>
+      <p:ext uri="{BB962C8B-B14F-4D97-AF65-F5344CB8AC3E}">
+        <p14:creationId xmlns:p14="http://schemas.microsoft.com/office/powerpoint/2010/main" val="2100761339"/>
+      </p:ext>
+    </p:extLst>
+  </p:cSld>
+  <p:clrMapOvr>
+    <a:masterClrMapping/>
+  </p:clrMapOvr>
+</p:notes>
+</file>
+
+<file path=ppt/notesSlides/notesSlide3.xml><?xml version="1.0" encoding="utf-8"?>
+<p:notes xmlns:a="http://schemas.openxmlformats.org/drawingml/2006/main" xmlns:r="http://schemas.openxmlformats.org/officeDocument/2006/relationships" xmlns:p="http://schemas.openxmlformats.org/presentationml/2006/main">
+  <p:cSld>
+    <p:spTree>
+      <p:nvGrpSpPr>
+        <p:cNvPr id="1" name=""/>
+        <p:cNvGrpSpPr/>
+        <p:nvPr/>
+      </p:nvGrpSpPr>
+      <p:grpSpPr>
+        <a:xfrm>
+          <a:off x="0" y="0"/>
+          <a:ext cx="0" cy="0"/>
+          <a:chOff x="0" y="0"/>
+          <a:chExt cx="0" cy="0"/>
+        </a:xfrm>
+      </p:grpSpPr>
+      <p:sp>
+        <p:nvSpPr>
+          <p:cNvPr id="2" name="投影片影像版面配置區 1"/>
+          <p:cNvSpPr>
+            <a:spLocks noGrp="1" noRot="1" noChangeAspect="1"/>
+          </p:cNvSpPr>
+          <p:nvPr>
+            <p:ph type="sldImg"/>
+          </p:nvPr>
+        </p:nvSpPr>
+        <p:spPr/>
+      </p:sp>
+      <p:sp>
+        <p:nvSpPr>
+          <p:cNvPr id="3" name="備忘稿版面配置區 2"/>
+          <p:cNvSpPr>
+            <a:spLocks noGrp="1"/>
+          </p:cNvSpPr>
+          <p:nvPr>
+            <p:ph type="body" idx="1"/>
+          </p:nvPr>
+        </p:nvSpPr>
+        <p:spPr/>
+        <p:txBody>
+          <a:bodyPr/>
+          <a:lstStyle/>
+          <a:p>
+            <a:r>
+              <a:rPr lang="zh-TW" altLang="en-US" b="0" i="0" dirty="0">
+                <a:solidFill>
+                  <a:srgbClr val="111111"/>
+                </a:solidFill>
+                <a:effectLst/>
+                <a:latin typeface="-apple-system"/>
+              </a:rPr>
+              <a:t>日本動漫風格的高中生男學生，藍黑色頭髮、</a:t>
+            </a:r>
+            <a:r>
+              <a:rPr lang="en-US" altLang="zh-TW" b="0" i="0" dirty="0">
+                <a:solidFill>
+                  <a:srgbClr val="111111"/>
+                </a:solidFill>
+                <a:effectLst/>
+                <a:latin typeface="-apple-system"/>
+              </a:rPr>
+              <a:t>M</a:t>
+            </a:r>
+            <a:r>
+              <a:rPr lang="zh-TW" altLang="en-US" b="0" i="0" dirty="0">
+                <a:solidFill>
+                  <a:srgbClr val="111111"/>
+                </a:solidFill>
+                <a:effectLst/>
+                <a:latin typeface="-apple-system"/>
+              </a:rPr>
+              <a:t>字瀏海，紅眼睛，穿著白色襯衫，給人狡猾的感覺，在籃球場很錯愕地看著因受傷而倒下的隊友</a:t>
+            </a:r>
+            <a:endParaRPr lang="en-US" altLang="zh-TW" b="0" i="0" dirty="0">
+              <a:solidFill>
+                <a:srgbClr val="111111"/>
+              </a:solidFill>
+              <a:effectLst/>
+              <a:latin typeface="-apple-system"/>
+            </a:endParaRPr>
+          </a:p>
+          <a:p>
+            <a:endParaRPr lang="zh-TW" altLang="en-US" dirty="0"/>
+          </a:p>
+        </p:txBody>
+      </p:sp>
+      <p:sp>
+        <p:nvSpPr>
+          <p:cNvPr id="4" name="投影片編號版面配置區 3"/>
+          <p:cNvSpPr>
+            <a:spLocks noGrp="1"/>
+          </p:cNvSpPr>
+          <p:nvPr>
+            <p:ph type="sldNum" sz="quarter" idx="5"/>
+          </p:nvPr>
+        </p:nvSpPr>
+        <p:spPr/>
+        <p:txBody>
+          <a:bodyPr/>
+          <a:lstStyle/>
+          <a:p>
+            <a:fld id="{F71A0CF4-8D28-491E-891A-36F866747B81}" type="slidenum">
+              <a:rPr lang="zh-TW" altLang="en-US" smtClean="0"/>
+              <a:t>4</a:t>
+            </a:fld>
+            <a:endParaRPr lang="zh-TW" altLang="en-US"/>
+          </a:p>
+        </p:txBody>
+      </p:sp>
+    </p:spTree>
+    <p:extLst>
+      <p:ext uri="{BB962C8B-B14F-4D97-AF65-F5344CB8AC3E}">
+        <p14:creationId xmlns:p14="http://schemas.microsoft.com/office/powerpoint/2010/main" val="1746853394"/>
+      </p:ext>
+    </p:extLst>
+  </p:cSld>
+  <p:clrMapOvr>
+    <a:masterClrMapping/>
+  </p:clrMapOvr>
+</p:notes>
+</file>
+
+<file path=ppt/notesSlides/notesSlide4.xml><?xml version="1.0" encoding="utf-8"?>
+<p:notes xmlns:a="http://schemas.openxmlformats.org/drawingml/2006/main" xmlns:r="http://schemas.openxmlformats.org/officeDocument/2006/relationships" xmlns:p="http://schemas.openxmlformats.org/presentationml/2006/main">
+  <p:cSld>
+    <p:spTree>
+      <p:nvGrpSpPr>
+        <p:cNvPr id="1" name=""/>
+        <p:cNvGrpSpPr/>
+        <p:nvPr/>
+      </p:nvGrpSpPr>
+      <p:grpSpPr>
+        <a:xfrm>
+          <a:off x="0" y="0"/>
+          <a:ext cx="0" cy="0"/>
+          <a:chOff x="0" y="0"/>
+          <a:chExt cx="0" cy="0"/>
+        </a:xfrm>
+      </p:grpSpPr>
+      <p:sp>
+        <p:nvSpPr>
+          <p:cNvPr id="2" name="投影片影像版面配置區 1"/>
+          <p:cNvSpPr>
+            <a:spLocks noGrp="1" noRot="1" noChangeAspect="1"/>
+          </p:cNvSpPr>
+          <p:nvPr>
+            <p:ph type="sldImg"/>
+          </p:nvPr>
+        </p:nvSpPr>
+        <p:spPr/>
+      </p:sp>
+      <p:sp>
+        <p:nvSpPr>
+          <p:cNvPr id="3" name="備忘稿版面配置區 2"/>
+          <p:cNvSpPr>
+            <a:spLocks noGrp="1"/>
+          </p:cNvSpPr>
+          <p:nvPr>
+            <p:ph type="body" idx="1"/>
+          </p:nvPr>
+        </p:nvSpPr>
+        <p:spPr/>
+        <p:txBody>
+          <a:bodyPr/>
+          <a:lstStyle/>
+          <a:p>
+            <a:pPr marL="0" marR="0" lvl="0" indent="0" algn="l" defTabSz="914400" rtl="0" eaLnBrk="1" fontAlgn="auto" latinLnBrk="0" hangingPunct="1">
+              <a:lnSpc>
+                <a:spcPct val="100000"/>
+              </a:lnSpc>
+              <a:spcBef>
+                <a:spcPts val="0"/>
+              </a:spcBef>
+              <a:spcAft>
+                <a:spcPts val="0"/>
+              </a:spcAft>
+              <a:buClrTx/>
+              <a:buSzTx/>
+              <a:buFontTx/>
+              <a:buNone/>
+              <a:tabLst/>
+              <a:defRPr/>
+            </a:pPr>
+            <a:r>
+              <a:rPr lang="zh-TW" altLang="en-US" dirty="0"/>
+              <a:t>日本動漫風格的高中生男學生，藍黑色</a:t>
+            </a:r>
+            <a:r>
+              <a:rPr lang="en-US" altLang="zh-TW" dirty="0"/>
+              <a:t>M</a:t>
+            </a:r>
+            <a:r>
+              <a:rPr lang="zh-TW" altLang="en-US" dirty="0"/>
+              <a:t>字瀏海，紅眼睛，穿著白色襯衫，給人狡猾的感覺，在籃球場上， 正臉，流汗，由於很累所以撐著膝蓋，力不從心</a:t>
+            </a:r>
+            <a:endParaRPr lang="en-US" altLang="zh-TW" dirty="0"/>
+          </a:p>
+          <a:p>
+            <a:endParaRPr lang="zh-TW" altLang="en-US" dirty="0"/>
+          </a:p>
+        </p:txBody>
+      </p:sp>
+      <p:sp>
+        <p:nvSpPr>
+          <p:cNvPr id="4" name="投影片編號版面配置區 3"/>
+          <p:cNvSpPr>
+            <a:spLocks noGrp="1"/>
+          </p:cNvSpPr>
+          <p:nvPr>
+            <p:ph type="sldNum" sz="quarter" idx="5"/>
+          </p:nvPr>
+        </p:nvSpPr>
+        <p:spPr/>
+        <p:txBody>
+          <a:bodyPr/>
+          <a:lstStyle/>
+          <a:p>
+            <a:fld id="{F71A0CF4-8D28-491E-891A-36F866747B81}" type="slidenum">
+              <a:rPr lang="zh-TW" altLang="en-US" smtClean="0"/>
+              <a:t>5</a:t>
+            </a:fld>
+            <a:endParaRPr lang="zh-TW" altLang="en-US"/>
+          </a:p>
+        </p:txBody>
+      </p:sp>
+    </p:spTree>
+    <p:extLst>
+      <p:ext uri="{BB962C8B-B14F-4D97-AF65-F5344CB8AC3E}">
+        <p14:creationId xmlns:p14="http://schemas.microsoft.com/office/powerpoint/2010/main" val="62705677"/>
+      </p:ext>
+    </p:extLst>
+  </p:cSld>
+  <p:clrMapOvr>
+    <a:masterClrMapping/>
+  </p:clrMapOvr>
+</p:notes>
+</file>
+
+<file path=ppt/notesSlides/notesSlide5.xml><?xml version="1.0" encoding="utf-8"?>
+<p:notes xmlns:a="http://schemas.openxmlformats.org/drawingml/2006/main" xmlns:r="http://schemas.openxmlformats.org/officeDocument/2006/relationships" xmlns:p="http://schemas.openxmlformats.org/presentationml/2006/main">
+  <p:cSld>
+    <p:spTree>
+      <p:nvGrpSpPr>
+        <p:cNvPr id="1" name=""/>
+        <p:cNvGrpSpPr/>
+        <p:nvPr/>
+      </p:nvGrpSpPr>
+      <p:grpSpPr>
+        <a:xfrm>
+          <a:off x="0" y="0"/>
+          <a:ext cx="0" cy="0"/>
+          <a:chOff x="0" y="0"/>
+          <a:chExt cx="0" cy="0"/>
+        </a:xfrm>
+      </p:grpSpPr>
+      <p:sp>
+        <p:nvSpPr>
+          <p:cNvPr id="2" name="投影片影像版面配置區 1"/>
+          <p:cNvSpPr>
+            <a:spLocks noGrp="1" noRot="1" noChangeAspect="1"/>
+          </p:cNvSpPr>
+          <p:nvPr>
+            <p:ph type="sldImg"/>
+          </p:nvPr>
+        </p:nvSpPr>
+        <p:spPr/>
+      </p:sp>
+      <p:sp>
+        <p:nvSpPr>
+          <p:cNvPr id="3" name="備忘稿版面配置區 2"/>
+          <p:cNvSpPr>
+            <a:spLocks noGrp="1"/>
+          </p:cNvSpPr>
+          <p:nvPr>
+            <p:ph type="body" idx="1"/>
+          </p:nvPr>
+        </p:nvSpPr>
+        <p:spPr/>
+        <p:txBody>
+          <a:bodyPr/>
+          <a:lstStyle/>
+          <a:p>
+            <a:r>
+              <a:rPr lang="zh-TW" altLang="en-US" dirty="0">
+                <a:effectLst/>
+              </a:rPr>
+              <a:t>日本動漫風格的高中生男學生，藍黑色頭髮、</a:t>
+            </a:r>
+            <a:r>
+              <a:rPr lang="en-US" altLang="zh-TW" dirty="0">
+                <a:effectLst/>
+              </a:rPr>
+              <a:t>M</a:t>
+            </a:r>
+            <a:r>
+              <a:rPr lang="zh-TW" altLang="en-US" dirty="0">
+                <a:effectLst/>
+              </a:rPr>
+              <a:t>字瀏海，紅眼睛，穿著白色襯衫，給人狡猾的感覺，在教室裡讀書，密集的課業，顯得力不從心、心力交瘁</a:t>
+            </a:r>
+          </a:p>
+          <a:p>
+            <a:br>
+              <a:rPr lang="zh-TW" altLang="en-US" dirty="0">
+                <a:effectLst/>
+              </a:rPr>
+            </a:br>
+            <a:endParaRPr lang="zh-TW" altLang="en-US" dirty="0"/>
+          </a:p>
+        </p:txBody>
+      </p:sp>
+      <p:sp>
+        <p:nvSpPr>
+          <p:cNvPr id="4" name="投影片編號版面配置區 3"/>
+          <p:cNvSpPr>
+            <a:spLocks noGrp="1"/>
+          </p:cNvSpPr>
+          <p:nvPr>
+            <p:ph type="sldNum" sz="quarter" idx="5"/>
+          </p:nvPr>
+        </p:nvSpPr>
+        <p:spPr/>
+        <p:txBody>
+          <a:bodyPr/>
+          <a:lstStyle/>
+          <a:p>
+            <a:fld id="{F71A0CF4-8D28-491E-891A-36F866747B81}" type="slidenum">
+              <a:rPr lang="zh-TW" altLang="en-US" smtClean="0"/>
+              <a:t>6</a:t>
+            </a:fld>
+            <a:endParaRPr lang="zh-TW" altLang="en-US"/>
+          </a:p>
+        </p:txBody>
+      </p:sp>
+    </p:spTree>
+    <p:extLst>
+      <p:ext uri="{BB962C8B-B14F-4D97-AF65-F5344CB8AC3E}">
+        <p14:creationId xmlns:p14="http://schemas.microsoft.com/office/powerpoint/2010/main" val="2543453609"/>
+      </p:ext>
+    </p:extLst>
+  </p:cSld>
+  <p:clrMapOvr>
+    <a:masterClrMapping/>
+  </p:clrMapOvr>
+</p:notes>
+</file>
+
+<file path=ppt/notesSlides/notesSlide6.xml><?xml version="1.0" encoding="utf-8"?>
+<p:notes xmlns:a="http://schemas.openxmlformats.org/drawingml/2006/main" xmlns:r="http://schemas.openxmlformats.org/officeDocument/2006/relationships" xmlns:p="http://schemas.openxmlformats.org/presentationml/2006/main">
+  <p:cSld>
+    <p:spTree>
+      <p:nvGrpSpPr>
+        <p:cNvPr id="1" name=""/>
+        <p:cNvGrpSpPr/>
+        <p:nvPr/>
+      </p:nvGrpSpPr>
+      <p:grpSpPr>
+        <a:xfrm>
+          <a:off x="0" y="0"/>
+          <a:ext cx="0" cy="0"/>
+          <a:chOff x="0" y="0"/>
+          <a:chExt cx="0" cy="0"/>
+        </a:xfrm>
+      </p:grpSpPr>
+      <p:sp>
+        <p:nvSpPr>
+          <p:cNvPr id="2" name="投影片影像版面配置區 1"/>
+          <p:cNvSpPr>
+            <a:spLocks noGrp="1" noRot="1" noChangeAspect="1"/>
+          </p:cNvSpPr>
+          <p:nvPr>
+            <p:ph type="sldImg"/>
+          </p:nvPr>
+        </p:nvSpPr>
+        <p:spPr/>
+      </p:sp>
+      <p:sp>
+        <p:nvSpPr>
+          <p:cNvPr id="3" name="備忘稿版面配置區 2"/>
+          <p:cNvSpPr>
+            <a:spLocks noGrp="1"/>
+          </p:cNvSpPr>
+          <p:nvPr>
+            <p:ph type="body" idx="1"/>
+          </p:nvPr>
+        </p:nvSpPr>
+        <p:spPr/>
+        <p:txBody>
+          <a:bodyPr/>
+          <a:lstStyle/>
+          <a:p>
+            <a:pPr marL="0" marR="0" lvl="0" indent="0" algn="l" defTabSz="914400" rtl="0" eaLnBrk="1" fontAlgn="auto" latinLnBrk="0" hangingPunct="1">
+              <a:lnSpc>
+                <a:spcPct val="100000"/>
+              </a:lnSpc>
+              <a:spcBef>
+                <a:spcPts val="0"/>
+              </a:spcBef>
+              <a:spcAft>
+                <a:spcPts val="0"/>
+              </a:spcAft>
+              <a:buClrTx/>
+              <a:buSzTx/>
+              <a:buFontTx/>
+              <a:buNone/>
+              <a:tabLst/>
+              <a:defRPr/>
+            </a:pPr>
+            <a:r>
+              <a:rPr lang="zh-TW" altLang="en-US" dirty="0"/>
+              <a:t>日本動漫風格的高中生男學生，紅色眼睛，藍黑色</a:t>
+            </a:r>
+            <a:r>
+              <a:rPr lang="en-US" altLang="zh-TW" dirty="0"/>
+              <a:t>M</a:t>
+            </a:r>
+            <a:r>
+              <a:rPr lang="zh-TW" altLang="en-US" dirty="0"/>
+              <a:t>字瀏海，穿著白色襯衫，給人狡猾的感覺，在籃球場上，正臉，流汗，投籃，一個人</a:t>
+            </a:r>
+            <a:endParaRPr lang="en-US" altLang="zh-TW" dirty="0"/>
+          </a:p>
+          <a:p>
+            <a:endParaRPr lang="en-US" altLang="zh-TW" dirty="0"/>
+          </a:p>
+          <a:p>
+            <a:endParaRPr lang="zh-TW" altLang="en-US" dirty="0"/>
+          </a:p>
+        </p:txBody>
+      </p:sp>
+      <p:sp>
+        <p:nvSpPr>
+          <p:cNvPr id="4" name="投影片編號版面配置區 3"/>
+          <p:cNvSpPr>
+            <a:spLocks noGrp="1"/>
+          </p:cNvSpPr>
+          <p:nvPr>
+            <p:ph type="sldNum" sz="quarter" idx="5"/>
+          </p:nvPr>
+        </p:nvSpPr>
+        <p:spPr/>
+        <p:txBody>
+          <a:bodyPr/>
+          <a:lstStyle/>
+          <a:p>
+            <a:fld id="{F71A0CF4-8D28-491E-891A-36F866747B81}" type="slidenum">
+              <a:rPr lang="zh-TW" altLang="en-US" smtClean="0"/>
+              <a:t>7</a:t>
+            </a:fld>
+            <a:endParaRPr lang="zh-TW" altLang="en-US"/>
+          </a:p>
+        </p:txBody>
+      </p:sp>
+    </p:spTree>
+    <p:extLst>
+      <p:ext uri="{BB962C8B-B14F-4D97-AF65-F5344CB8AC3E}">
+        <p14:creationId xmlns:p14="http://schemas.microsoft.com/office/powerpoint/2010/main" val="613886861"/>
+      </p:ext>
+    </p:extLst>
+  </p:cSld>
+  <p:clrMapOvr>
+    <a:masterClrMapping/>
+  </p:clrMapOvr>
+</p:notes>
+</file>
+
+<file path=ppt/notesSlides/notesSlide7.xml><?xml version="1.0" encoding="utf-8"?>
+<p:notes xmlns:a="http://schemas.openxmlformats.org/drawingml/2006/main" xmlns:r="http://schemas.openxmlformats.org/officeDocument/2006/relationships" xmlns:p="http://schemas.openxmlformats.org/presentationml/2006/main">
+  <p:cSld>
+    <p:spTree>
+      <p:nvGrpSpPr>
+        <p:cNvPr id="1" name=""/>
+        <p:cNvGrpSpPr/>
+        <p:nvPr/>
+      </p:nvGrpSpPr>
+      <p:grpSpPr>
+        <a:xfrm>
+          <a:off x="0" y="0"/>
+          <a:ext cx="0" cy="0"/>
+          <a:chOff x="0" y="0"/>
+          <a:chExt cx="0" cy="0"/>
+        </a:xfrm>
+      </p:grpSpPr>
+      <p:sp>
+        <p:nvSpPr>
+          <p:cNvPr id="2" name="投影片影像版面配置區 1"/>
+          <p:cNvSpPr>
+            <a:spLocks noGrp="1" noRot="1" noChangeAspect="1"/>
+          </p:cNvSpPr>
+          <p:nvPr>
+            <p:ph type="sldImg"/>
+          </p:nvPr>
+        </p:nvSpPr>
+        <p:spPr/>
+      </p:sp>
+      <p:sp>
+        <p:nvSpPr>
+          <p:cNvPr id="3" name="備忘稿版面配置區 2"/>
+          <p:cNvSpPr>
+            <a:spLocks noGrp="1"/>
+          </p:cNvSpPr>
+          <p:nvPr>
+            <p:ph type="body" idx="1"/>
+          </p:nvPr>
+        </p:nvSpPr>
+        <p:spPr/>
+        <p:txBody>
+          <a:bodyPr/>
+          <a:lstStyle/>
+          <a:p>
+            <a:r>
+              <a:rPr lang="zh-TW" altLang="en-US" b="0" i="0" dirty="0">
+                <a:solidFill>
+                  <a:srgbClr val="111111"/>
+                </a:solidFill>
+                <a:effectLst/>
+                <a:latin typeface="-apple-system"/>
+              </a:rPr>
+              <a:t>日本動漫風格的高中生男學生，藍黑色頭髮、</a:t>
+            </a:r>
+            <a:r>
+              <a:rPr lang="en-US" altLang="zh-TW" b="0" i="0" dirty="0">
+                <a:solidFill>
+                  <a:srgbClr val="111111"/>
+                </a:solidFill>
+                <a:effectLst/>
+                <a:latin typeface="-apple-system"/>
+              </a:rPr>
+              <a:t>M</a:t>
+            </a:r>
+            <a:r>
+              <a:rPr lang="zh-TW" altLang="en-US" b="0" i="0" dirty="0">
+                <a:solidFill>
+                  <a:srgbClr val="111111"/>
+                </a:solidFill>
+                <a:effectLst/>
+                <a:latin typeface="-apple-system"/>
+              </a:rPr>
+              <a:t>字瀏海，紅眼睛，穿著白色襯衫，給人狡猾的感覺，向學校的心理輔導老師尋求幫助，學習如何調適壓力並保持專注，要畫老師</a:t>
+            </a:r>
+            <a:endParaRPr lang="zh-TW" altLang="en-US" dirty="0"/>
+          </a:p>
+        </p:txBody>
+      </p:sp>
+      <p:sp>
+        <p:nvSpPr>
+          <p:cNvPr id="4" name="投影片編號版面配置區 3"/>
+          <p:cNvSpPr>
+            <a:spLocks noGrp="1"/>
+          </p:cNvSpPr>
+          <p:nvPr>
+            <p:ph type="sldNum" sz="quarter" idx="5"/>
+          </p:nvPr>
+        </p:nvSpPr>
+        <p:spPr/>
+        <p:txBody>
+          <a:bodyPr/>
+          <a:lstStyle/>
+          <a:p>
+            <a:fld id="{F71A0CF4-8D28-491E-891A-36F866747B81}" type="slidenum">
+              <a:rPr lang="zh-TW" altLang="en-US" smtClean="0"/>
+              <a:t>8</a:t>
+            </a:fld>
+            <a:endParaRPr lang="zh-TW" altLang="en-US"/>
+          </a:p>
+        </p:txBody>
+      </p:sp>
+    </p:spTree>
+    <p:extLst>
+      <p:ext uri="{BB962C8B-B14F-4D97-AF65-F5344CB8AC3E}">
+        <p14:creationId xmlns:p14="http://schemas.microsoft.com/office/powerpoint/2010/main" val="3508607493"/>
+      </p:ext>
+    </p:extLst>
+  </p:cSld>
+  <p:clrMapOvr>
+    <a:masterClrMapping/>
+  </p:clrMapOvr>
+</p:notes>
+</file>
+
+<file path=ppt/notesSlides/notesSlide8.xml><?xml version="1.0" encoding="utf-8"?>
+<p:notes xmlns:a="http://schemas.openxmlformats.org/drawingml/2006/main" xmlns:r="http://schemas.openxmlformats.org/officeDocument/2006/relationships" xmlns:p="http://schemas.openxmlformats.org/presentationml/2006/main">
+  <p:cSld>
+    <p:spTree>
+      <p:nvGrpSpPr>
+        <p:cNvPr id="1" name=""/>
+        <p:cNvGrpSpPr/>
+        <p:nvPr/>
+      </p:nvGrpSpPr>
+      <p:grpSpPr>
+        <a:xfrm>
+          <a:off x="0" y="0"/>
+          <a:ext cx="0" cy="0"/>
+          <a:chOff x="0" y="0"/>
+          <a:chExt cx="0" cy="0"/>
+        </a:xfrm>
+      </p:grpSpPr>
+      <p:sp>
+        <p:nvSpPr>
+          <p:cNvPr id="2" name="投影片影像版面配置區 1"/>
+          <p:cNvSpPr>
+            <a:spLocks noGrp="1" noRot="1" noChangeAspect="1"/>
+          </p:cNvSpPr>
+          <p:nvPr>
+            <p:ph type="sldImg"/>
+          </p:nvPr>
+        </p:nvSpPr>
+        <p:spPr/>
+      </p:sp>
+      <p:sp>
+        <p:nvSpPr>
+          <p:cNvPr id="3" name="備忘稿版面配置區 2"/>
+          <p:cNvSpPr>
+            <a:spLocks noGrp="1"/>
+          </p:cNvSpPr>
+          <p:nvPr>
+            <p:ph type="body" idx="1"/>
+          </p:nvPr>
+        </p:nvSpPr>
+        <p:spPr/>
+        <p:txBody>
+          <a:bodyPr/>
+          <a:lstStyle/>
+          <a:p>
+            <a:pPr marL="0" marR="0" lvl="0" indent="0" algn="l" defTabSz="914400" rtl="0" eaLnBrk="1" fontAlgn="auto" latinLnBrk="0" hangingPunct="1">
+              <a:lnSpc>
+                <a:spcPct val="100000"/>
+              </a:lnSpc>
+              <a:spcBef>
+                <a:spcPts val="0"/>
+              </a:spcBef>
+              <a:spcAft>
+                <a:spcPts val="0"/>
+              </a:spcAft>
+              <a:buClrTx/>
+              <a:buSzTx/>
+              <a:buFontTx/>
+              <a:buNone/>
+              <a:tabLst/>
+              <a:defRPr/>
+            </a:pPr>
+            <a:r>
+              <a:rPr lang="zh-TW" altLang="en-US" dirty="0"/>
+              <a:t>日本動漫風格的高中生男學生，藍黑色</a:t>
+            </a:r>
+            <a:r>
+              <a:rPr lang="en-US" altLang="zh-TW" dirty="0"/>
+              <a:t>M</a:t>
+            </a:r>
+            <a:r>
+              <a:rPr lang="zh-TW" altLang="en-US" dirty="0"/>
+              <a:t>字瀏海，紅眼睛，穿著白色襯衫，給人狡猾的感覺，在籃球場上， 正臉，流汗，微笑</a:t>
+            </a:r>
+            <a:endParaRPr lang="en-US" altLang="zh-TW" dirty="0"/>
+          </a:p>
+          <a:p>
+            <a:pPr marL="0" marR="0" lvl="0" indent="0" algn="l" defTabSz="914400" rtl="0" eaLnBrk="1" fontAlgn="auto" latinLnBrk="0" hangingPunct="1">
+              <a:lnSpc>
+                <a:spcPct val="100000"/>
+              </a:lnSpc>
+              <a:spcBef>
+                <a:spcPts val="0"/>
+              </a:spcBef>
+              <a:spcAft>
+                <a:spcPts val="0"/>
+              </a:spcAft>
+              <a:buClrTx/>
+              <a:buSzTx/>
+              <a:buFontTx/>
+              <a:buNone/>
+              <a:tabLst/>
+              <a:defRPr/>
+            </a:pPr>
+            <a:r>
+              <a:rPr lang="zh-TW" altLang="en-US" dirty="0"/>
+              <a:t>，畫到隊友</a:t>
+            </a:r>
+            <a:endParaRPr lang="en-US" altLang="zh-TW" dirty="0"/>
+          </a:p>
+          <a:p>
+            <a:endParaRPr lang="zh-TW" altLang="en-US" dirty="0"/>
+          </a:p>
+        </p:txBody>
+      </p:sp>
+      <p:sp>
+        <p:nvSpPr>
+          <p:cNvPr id="4" name="投影片編號版面配置區 3"/>
+          <p:cNvSpPr>
+            <a:spLocks noGrp="1"/>
+          </p:cNvSpPr>
+          <p:nvPr>
+            <p:ph type="sldNum" sz="quarter" idx="5"/>
+          </p:nvPr>
+        </p:nvSpPr>
+        <p:spPr/>
+        <p:txBody>
+          <a:bodyPr/>
+          <a:lstStyle/>
+          <a:p>
+            <a:fld id="{F71A0CF4-8D28-491E-891A-36F866747B81}" type="slidenum">
+              <a:rPr lang="zh-TW" altLang="en-US" smtClean="0"/>
+              <a:t>9</a:t>
+            </a:fld>
+            <a:endParaRPr lang="zh-TW" altLang="en-US"/>
+          </a:p>
+        </p:txBody>
+      </p:sp>
+    </p:spTree>
+    <p:extLst>
+      <p:ext uri="{BB962C8B-B14F-4D97-AF65-F5344CB8AC3E}">
+        <p14:creationId xmlns:p14="http://schemas.microsoft.com/office/powerpoint/2010/main" val="1592415510"/>
+      </p:ext>
+    </p:extLst>
+  </p:cSld>
+  <p:clrMapOvr>
+    <a:masterClrMapping/>
+  </p:clrMapOvr>
+</p:notes>
+</file>
+
+<file path=ppt/notesSlides/notesSlide9.xml><?xml version="1.0" encoding="utf-8"?>
+<p:notes xmlns:a="http://schemas.openxmlformats.org/drawingml/2006/main" xmlns:r="http://schemas.openxmlformats.org/officeDocument/2006/relationships" xmlns:p="http://schemas.openxmlformats.org/presentationml/2006/main">
+  <p:cSld>
+    <p:spTree>
+      <p:nvGrpSpPr>
+        <p:cNvPr id="1" name=""/>
+        <p:cNvGrpSpPr/>
+        <p:nvPr/>
+      </p:nvGrpSpPr>
+      <p:grpSpPr>
+        <a:xfrm>
+          <a:off x="0" y="0"/>
+          <a:ext cx="0" cy="0"/>
+          <a:chOff x="0" y="0"/>
+          <a:chExt cx="0" cy="0"/>
+        </a:xfrm>
+      </p:grpSpPr>
+      <p:sp>
+        <p:nvSpPr>
+          <p:cNvPr id="2" name="投影片影像版面配置區 1"/>
+          <p:cNvSpPr>
+            <a:spLocks noGrp="1" noRot="1" noChangeAspect="1"/>
+          </p:cNvSpPr>
+          <p:nvPr>
+            <p:ph type="sldImg"/>
+          </p:nvPr>
+        </p:nvSpPr>
+        <p:spPr/>
+      </p:sp>
+      <p:sp>
+        <p:nvSpPr>
+          <p:cNvPr id="3" name="備忘稿版面配置區 2"/>
+          <p:cNvSpPr>
+            <a:spLocks noGrp="1"/>
+          </p:cNvSpPr>
+          <p:nvPr>
+            <p:ph type="body" idx="1"/>
+          </p:nvPr>
+        </p:nvSpPr>
+        <p:spPr/>
+        <p:txBody>
+          <a:bodyPr/>
+          <a:lstStyle/>
+          <a:p>
+            <a:r>
+              <a:rPr lang="zh-TW" altLang="en-US" b="0" i="0" dirty="0">
+                <a:solidFill>
+                  <a:srgbClr val="111111"/>
+                </a:solidFill>
+                <a:effectLst/>
+                <a:latin typeface="-apple-system"/>
+              </a:rPr>
+              <a:t>日本動漫風格的高中生男學生，是去年的籃球比冠軍，在籃球場，感覺很</a:t>
+            </a:r>
+            <a:endParaRPr lang="en-US" altLang="zh-TW" b="0" i="0" dirty="0">
+              <a:solidFill>
+                <a:srgbClr val="111111"/>
+              </a:solidFill>
+              <a:effectLst/>
+              <a:latin typeface="-apple-system"/>
+            </a:endParaRPr>
+          </a:p>
+          <a:p>
+            <a:r>
+              <a:rPr lang="zh-TW" altLang="en-US" b="0" i="0" dirty="0">
+                <a:solidFill>
+                  <a:srgbClr val="111111"/>
+                </a:solidFill>
+                <a:effectLst/>
+                <a:latin typeface="-apple-system"/>
+              </a:rPr>
+              <a:t>強</a:t>
+            </a:r>
+            <a:endParaRPr lang="zh-TW" altLang="en-US" dirty="0"/>
+          </a:p>
+        </p:txBody>
+      </p:sp>
+      <p:sp>
+        <p:nvSpPr>
+          <p:cNvPr id="4" name="投影片編號版面配置區 3"/>
+          <p:cNvSpPr>
+            <a:spLocks noGrp="1"/>
+          </p:cNvSpPr>
+          <p:nvPr>
+            <p:ph type="sldNum" sz="quarter" idx="5"/>
+          </p:nvPr>
+        </p:nvSpPr>
+        <p:spPr/>
+        <p:txBody>
+          <a:bodyPr/>
+          <a:lstStyle/>
+          <a:p>
+            <a:fld id="{F71A0CF4-8D28-491E-891A-36F866747B81}" type="slidenum">
+              <a:rPr lang="zh-TW" altLang="en-US" smtClean="0"/>
+              <a:t>10</a:t>
+            </a:fld>
+            <a:endParaRPr lang="zh-TW" altLang="en-US"/>
+          </a:p>
+        </p:txBody>
+      </p:sp>
+    </p:spTree>
+    <p:extLst>
+      <p:ext uri="{BB962C8B-B14F-4D97-AF65-F5344CB8AC3E}">
+        <p14:creationId xmlns:p14="http://schemas.microsoft.com/office/powerpoint/2010/main" val="343820151"/>
+      </p:ext>
+    </p:extLst>
+  </p:cSld>
+  <p:clrMapOvr>
+    <a:masterClrMapping/>
+  </p:clrMapOvr>
+</p:notes>
 </file>
 
 <file path=ppt/slideLayouts/slideLayout1.xml><?xml version="1.0" encoding="utf-8"?>
@@ -129,7 +2382,7 @@
           <p:cNvPr id="2" name="標題 1">
             <a:extLst>
               <a:ext uri="{FF2B5EF4-FFF2-40B4-BE49-F238E27FC236}">
-                <a16:creationId xmlns:a16="http://schemas.microsoft.com/office/drawing/2014/main" id="{EB5CC918-B447-434E-B98E-5847BB49C259}"/>
+                <a16:creationId xmlns:a16="http://schemas.microsoft.com/office/drawing/2014/main" id="{5FFA473C-9508-475B-B574-5A6EC9EE2084}"/>
               </a:ext>
             </a:extLst>
           </p:cNvPr>
@@ -166,7 +2419,7 @@
           <p:cNvPr id="3" name="副標題 2">
             <a:extLst>
               <a:ext uri="{FF2B5EF4-FFF2-40B4-BE49-F238E27FC236}">
-                <a16:creationId xmlns:a16="http://schemas.microsoft.com/office/drawing/2014/main" id="{817FCC70-CC4E-4CB6-B2CF-9FDA5AC4D346}"/>
+                <a16:creationId xmlns:a16="http://schemas.microsoft.com/office/drawing/2014/main" id="{54350652-A85F-4E5E-8FE3-42220AB5C2B4}"/>
               </a:ext>
             </a:extLst>
           </p:cNvPr>
@@ -236,7 +2489,7 @@
           <p:cNvPr id="4" name="日期版面配置區 3">
             <a:extLst>
               <a:ext uri="{FF2B5EF4-FFF2-40B4-BE49-F238E27FC236}">
-                <a16:creationId xmlns:a16="http://schemas.microsoft.com/office/drawing/2014/main" id="{BD08F018-0004-4322-AD0F-E6E740964233}"/>
+                <a16:creationId xmlns:a16="http://schemas.microsoft.com/office/drawing/2014/main" id="{949194A2-2FB0-4DDA-A153-4AE4A384CFB5}"/>
               </a:ext>
             </a:extLst>
           </p:cNvPr>
@@ -252,9 +2505,9 @@
           <a:bodyPr/>
           <a:lstStyle/>
           <a:p>
-            <a:fld id="{C3C90D7E-32D6-4894-AE08-7BBB3E610FC9}" type="datetimeFigureOut">
+            <a:fld id="{E6613347-F464-4C48-B6AD-F8509BBBFE9F}" type="datetimeFigureOut">
               <a:rPr lang="zh-TW" altLang="en-US" smtClean="0"/>
-              <a:t>2024/9/16</a:t>
+              <a:t>2024/10/23</a:t>
             </a:fld>
             <a:endParaRPr lang="zh-TW" altLang="en-US"/>
           </a:p>
@@ -265,7 +2518,7 @@
           <p:cNvPr id="5" name="頁尾版面配置區 4">
             <a:extLst>
               <a:ext uri="{FF2B5EF4-FFF2-40B4-BE49-F238E27FC236}">
-                <a16:creationId xmlns:a16="http://schemas.microsoft.com/office/drawing/2014/main" id="{30427B34-CB13-41C7-B2F2-CED9BDC5B595}"/>
+                <a16:creationId xmlns:a16="http://schemas.microsoft.com/office/drawing/2014/main" id="{C7C70A79-7CB8-40E5-ADE6-8F9A36A45144}"/>
               </a:ext>
             </a:extLst>
           </p:cNvPr>
@@ -290,7 +2543,7 @@
           <p:cNvPr id="6" name="投影片編號版面配置區 5">
             <a:extLst>
               <a:ext uri="{FF2B5EF4-FFF2-40B4-BE49-F238E27FC236}">
-                <a16:creationId xmlns:a16="http://schemas.microsoft.com/office/drawing/2014/main" id="{76FA962E-5B03-439A-928C-87366876542D}"/>
+                <a16:creationId xmlns:a16="http://schemas.microsoft.com/office/drawing/2014/main" id="{402DDEEB-9DF6-47C6-AEE9-6898330D09E0}"/>
               </a:ext>
             </a:extLst>
           </p:cNvPr>
@@ -306,7 +2559,7 @@
           <a:bodyPr/>
           <a:lstStyle/>
           <a:p>
-            <a:fld id="{E31EC408-072F-4346-BD0A-D6AA5788A305}" type="slidenum">
+            <a:fld id="{43B9C800-74B6-4E84-898B-A87958C1E6D3}" type="slidenum">
               <a:rPr lang="zh-TW" altLang="en-US" smtClean="0"/>
               <a:t>‹#›</a:t>
             </a:fld>
@@ -317,7 +2570,7 @@
     </p:spTree>
     <p:extLst>
       <p:ext uri="{BB962C8B-B14F-4D97-AF65-F5344CB8AC3E}">
-        <p14:creationId xmlns:p14="http://schemas.microsoft.com/office/powerpoint/2010/main" val="2963035110"/>
+        <p14:creationId xmlns:p14="http://schemas.microsoft.com/office/powerpoint/2010/main" val="1163913829"/>
       </p:ext>
     </p:extLst>
   </p:cSld>
@@ -349,7 +2602,7 @@
           <p:cNvPr id="2" name="標題 1">
             <a:extLst>
               <a:ext uri="{FF2B5EF4-FFF2-40B4-BE49-F238E27FC236}">
-                <a16:creationId xmlns:a16="http://schemas.microsoft.com/office/drawing/2014/main" id="{A02F0018-7F8E-4206-A929-07CDC6B5F34A}"/>
+                <a16:creationId xmlns:a16="http://schemas.microsoft.com/office/drawing/2014/main" id="{CF9B5345-6772-4321-B42F-3885D855FABC}"/>
               </a:ext>
             </a:extLst>
           </p:cNvPr>
@@ -377,7 +2630,7 @@
           <p:cNvPr id="3" name="直排文字版面配置區 2">
             <a:extLst>
               <a:ext uri="{FF2B5EF4-FFF2-40B4-BE49-F238E27FC236}">
-                <a16:creationId xmlns:a16="http://schemas.microsoft.com/office/drawing/2014/main" id="{9B801E88-34C3-4545-A358-81F5614FED64}"/>
+                <a16:creationId xmlns:a16="http://schemas.microsoft.com/office/drawing/2014/main" id="{EBBA5508-77EA-410B-A303-34C2F43B4464}"/>
               </a:ext>
             </a:extLst>
           </p:cNvPr>
@@ -434,7 +2687,7 @@
           <p:cNvPr id="4" name="日期版面配置區 3">
             <a:extLst>
               <a:ext uri="{FF2B5EF4-FFF2-40B4-BE49-F238E27FC236}">
-                <a16:creationId xmlns:a16="http://schemas.microsoft.com/office/drawing/2014/main" id="{60AFD716-8B99-4230-B55F-C8B88ECBB171}"/>
+                <a16:creationId xmlns:a16="http://schemas.microsoft.com/office/drawing/2014/main" id="{4B8B31F3-E0C2-4059-82CC-2182B4B6580E}"/>
               </a:ext>
             </a:extLst>
           </p:cNvPr>
@@ -450,9 +2703,9 @@
           <a:bodyPr/>
           <a:lstStyle/>
           <a:p>
-            <a:fld id="{C3C90D7E-32D6-4894-AE08-7BBB3E610FC9}" type="datetimeFigureOut">
+            <a:fld id="{E6613347-F464-4C48-B6AD-F8509BBBFE9F}" type="datetimeFigureOut">
               <a:rPr lang="zh-TW" altLang="en-US" smtClean="0"/>
-              <a:t>2024/9/16</a:t>
+              <a:t>2024/10/23</a:t>
             </a:fld>
             <a:endParaRPr lang="zh-TW" altLang="en-US"/>
           </a:p>
@@ -463,7 +2716,7 @@
           <p:cNvPr id="5" name="頁尾版面配置區 4">
             <a:extLst>
               <a:ext uri="{FF2B5EF4-FFF2-40B4-BE49-F238E27FC236}">
-                <a16:creationId xmlns:a16="http://schemas.microsoft.com/office/drawing/2014/main" id="{EA374743-76D9-4BF8-A60C-2F50B2636A8A}"/>
+                <a16:creationId xmlns:a16="http://schemas.microsoft.com/office/drawing/2014/main" id="{7BBA4B01-A637-4CD6-AC4F-61176B066312}"/>
               </a:ext>
             </a:extLst>
           </p:cNvPr>
@@ -488,7 +2741,7 @@
           <p:cNvPr id="6" name="投影片編號版面配置區 5">
             <a:extLst>
               <a:ext uri="{FF2B5EF4-FFF2-40B4-BE49-F238E27FC236}">
-                <a16:creationId xmlns:a16="http://schemas.microsoft.com/office/drawing/2014/main" id="{00454594-6C11-4013-A666-A151E960EC9B}"/>
+                <a16:creationId xmlns:a16="http://schemas.microsoft.com/office/drawing/2014/main" id="{05C1CA96-9C28-400E-B944-D94E7C90B2B5}"/>
               </a:ext>
             </a:extLst>
           </p:cNvPr>
@@ -504,7 +2757,7 @@
           <a:bodyPr/>
           <a:lstStyle/>
           <a:p>
-            <a:fld id="{E31EC408-072F-4346-BD0A-D6AA5788A305}" type="slidenum">
+            <a:fld id="{43B9C800-74B6-4E84-898B-A87958C1E6D3}" type="slidenum">
               <a:rPr lang="zh-TW" altLang="en-US" smtClean="0"/>
               <a:t>‹#›</a:t>
             </a:fld>
@@ -515,7 +2768,7 @@
     </p:spTree>
     <p:extLst>
       <p:ext uri="{BB962C8B-B14F-4D97-AF65-F5344CB8AC3E}">
-        <p14:creationId xmlns:p14="http://schemas.microsoft.com/office/powerpoint/2010/main" val="188953001"/>
+        <p14:creationId xmlns:p14="http://schemas.microsoft.com/office/powerpoint/2010/main" val="564993218"/>
       </p:ext>
     </p:extLst>
   </p:cSld>
@@ -547,7 +2800,7 @@
           <p:cNvPr id="2" name="直排標題 1">
             <a:extLst>
               <a:ext uri="{FF2B5EF4-FFF2-40B4-BE49-F238E27FC236}">
-                <a16:creationId xmlns:a16="http://schemas.microsoft.com/office/drawing/2014/main" id="{70F760AC-E708-4605-85E2-7D0F424B3E29}"/>
+                <a16:creationId xmlns:a16="http://schemas.microsoft.com/office/drawing/2014/main" id="{0FC458ED-0B16-47A3-A7C8-7BD400DC3742}"/>
               </a:ext>
             </a:extLst>
           </p:cNvPr>
@@ -580,7 +2833,7 @@
           <p:cNvPr id="3" name="直排文字版面配置區 2">
             <a:extLst>
               <a:ext uri="{FF2B5EF4-FFF2-40B4-BE49-F238E27FC236}">
-                <a16:creationId xmlns:a16="http://schemas.microsoft.com/office/drawing/2014/main" id="{84BECF48-F3B6-4D47-82A8-C6AE92EDC2F0}"/>
+                <a16:creationId xmlns:a16="http://schemas.microsoft.com/office/drawing/2014/main" id="{F2EBC629-E275-40F8-9219-22FB89FFE13F}"/>
               </a:ext>
             </a:extLst>
           </p:cNvPr>
@@ -642,7 +2895,7 @@
           <p:cNvPr id="4" name="日期版面配置區 3">
             <a:extLst>
               <a:ext uri="{FF2B5EF4-FFF2-40B4-BE49-F238E27FC236}">
-                <a16:creationId xmlns:a16="http://schemas.microsoft.com/office/drawing/2014/main" id="{215DE52A-093E-4116-A2FE-F61BA999B89F}"/>
+                <a16:creationId xmlns:a16="http://schemas.microsoft.com/office/drawing/2014/main" id="{C7D9F656-4FC1-4AD5-A27F-EBD7F8E02ED6}"/>
               </a:ext>
             </a:extLst>
           </p:cNvPr>
@@ -658,9 +2911,9 @@
           <a:bodyPr/>
           <a:lstStyle/>
           <a:p>
-            <a:fld id="{C3C90D7E-32D6-4894-AE08-7BBB3E610FC9}" type="datetimeFigureOut">
+            <a:fld id="{E6613347-F464-4C48-B6AD-F8509BBBFE9F}" type="datetimeFigureOut">
               <a:rPr lang="zh-TW" altLang="en-US" smtClean="0"/>
-              <a:t>2024/9/16</a:t>
+              <a:t>2024/10/23</a:t>
             </a:fld>
             <a:endParaRPr lang="zh-TW" altLang="en-US"/>
           </a:p>
@@ -671,7 +2924,7 @@
           <p:cNvPr id="5" name="頁尾版面配置區 4">
             <a:extLst>
               <a:ext uri="{FF2B5EF4-FFF2-40B4-BE49-F238E27FC236}">
-                <a16:creationId xmlns:a16="http://schemas.microsoft.com/office/drawing/2014/main" id="{34553FE1-A5D9-4070-AA9C-378F491D4677}"/>
+                <a16:creationId xmlns:a16="http://schemas.microsoft.com/office/drawing/2014/main" id="{BE3EE919-BFA8-456F-9A12-079B1BB07C23}"/>
               </a:ext>
             </a:extLst>
           </p:cNvPr>
@@ -696,7 +2949,7 @@
           <p:cNvPr id="6" name="投影片編號版面配置區 5">
             <a:extLst>
               <a:ext uri="{FF2B5EF4-FFF2-40B4-BE49-F238E27FC236}">
-                <a16:creationId xmlns:a16="http://schemas.microsoft.com/office/drawing/2014/main" id="{928EFDDC-5B11-4543-8144-518625EDA57F}"/>
+                <a16:creationId xmlns:a16="http://schemas.microsoft.com/office/drawing/2014/main" id="{7A26D9EF-76B3-498B-96AE-DDB46190A5A5}"/>
               </a:ext>
             </a:extLst>
           </p:cNvPr>
@@ -712,7 +2965,7 @@
           <a:bodyPr/>
           <a:lstStyle/>
           <a:p>
-            <a:fld id="{E31EC408-072F-4346-BD0A-D6AA5788A305}" type="slidenum">
+            <a:fld id="{43B9C800-74B6-4E84-898B-A87958C1E6D3}" type="slidenum">
               <a:rPr lang="zh-TW" altLang="en-US" smtClean="0"/>
               <a:t>‹#›</a:t>
             </a:fld>
@@ -723,7 +2976,7 @@
     </p:spTree>
     <p:extLst>
       <p:ext uri="{BB962C8B-B14F-4D97-AF65-F5344CB8AC3E}">
-        <p14:creationId xmlns:p14="http://schemas.microsoft.com/office/powerpoint/2010/main" val="2483123943"/>
+        <p14:creationId xmlns:p14="http://schemas.microsoft.com/office/powerpoint/2010/main" val="3885070249"/>
       </p:ext>
     </p:extLst>
   </p:cSld>
@@ -755,7 +3008,7 @@
           <p:cNvPr id="2" name="標題 1">
             <a:extLst>
               <a:ext uri="{FF2B5EF4-FFF2-40B4-BE49-F238E27FC236}">
-                <a16:creationId xmlns:a16="http://schemas.microsoft.com/office/drawing/2014/main" id="{A1BFCF4C-FB58-444C-B754-A594851E4C7B}"/>
+                <a16:creationId xmlns:a16="http://schemas.microsoft.com/office/drawing/2014/main" id="{DA0E9A95-825B-4862-8D37-4AED2C828BD5}"/>
               </a:ext>
             </a:extLst>
           </p:cNvPr>
@@ -783,7 +3036,7 @@
           <p:cNvPr id="3" name="內容版面配置區 2">
             <a:extLst>
               <a:ext uri="{FF2B5EF4-FFF2-40B4-BE49-F238E27FC236}">
-                <a16:creationId xmlns:a16="http://schemas.microsoft.com/office/drawing/2014/main" id="{987C475D-648F-4511-A6FE-04B04F755F93}"/>
+                <a16:creationId xmlns:a16="http://schemas.microsoft.com/office/drawing/2014/main" id="{2DF026B2-8E21-4F50-8615-278EE4AB76E4}"/>
               </a:ext>
             </a:extLst>
           </p:cNvPr>
@@ -840,7 +3093,7 @@
           <p:cNvPr id="4" name="日期版面配置區 3">
             <a:extLst>
               <a:ext uri="{FF2B5EF4-FFF2-40B4-BE49-F238E27FC236}">
-                <a16:creationId xmlns:a16="http://schemas.microsoft.com/office/drawing/2014/main" id="{F511FCF8-D8F7-4914-920F-D63F2D97F713}"/>
+                <a16:creationId xmlns:a16="http://schemas.microsoft.com/office/drawing/2014/main" id="{16993C72-F333-4460-8801-51BCD1F61A08}"/>
               </a:ext>
             </a:extLst>
           </p:cNvPr>
@@ -856,9 +3109,9 @@
           <a:bodyPr/>
           <a:lstStyle/>
           <a:p>
-            <a:fld id="{C3C90D7E-32D6-4894-AE08-7BBB3E610FC9}" type="datetimeFigureOut">
+            <a:fld id="{E6613347-F464-4C48-B6AD-F8509BBBFE9F}" type="datetimeFigureOut">
               <a:rPr lang="zh-TW" altLang="en-US" smtClean="0"/>
-              <a:t>2024/9/16</a:t>
+              <a:t>2024/10/23</a:t>
             </a:fld>
             <a:endParaRPr lang="zh-TW" altLang="en-US"/>
           </a:p>
@@ -869,7 +3122,7 @@
           <p:cNvPr id="5" name="頁尾版面配置區 4">
             <a:extLst>
               <a:ext uri="{FF2B5EF4-FFF2-40B4-BE49-F238E27FC236}">
-                <a16:creationId xmlns:a16="http://schemas.microsoft.com/office/drawing/2014/main" id="{7E1D3E8F-338D-4B4D-B411-5282866FF95D}"/>
+                <a16:creationId xmlns:a16="http://schemas.microsoft.com/office/drawing/2014/main" id="{CAABDD05-6831-4DF1-867A-E463D9AE895B}"/>
               </a:ext>
             </a:extLst>
           </p:cNvPr>
@@ -894,7 +3147,7 @@
           <p:cNvPr id="6" name="投影片編號版面配置區 5">
             <a:extLst>
               <a:ext uri="{FF2B5EF4-FFF2-40B4-BE49-F238E27FC236}">
-                <a16:creationId xmlns:a16="http://schemas.microsoft.com/office/drawing/2014/main" id="{F7DF3AD5-06B6-42D8-AEDF-66CCE6582524}"/>
+                <a16:creationId xmlns:a16="http://schemas.microsoft.com/office/drawing/2014/main" id="{13B24AAA-7C0B-4B35-B664-5E6D6E0CFCE3}"/>
               </a:ext>
             </a:extLst>
           </p:cNvPr>
@@ -910,7 +3163,7 @@
           <a:bodyPr/>
           <a:lstStyle/>
           <a:p>
-            <a:fld id="{E31EC408-072F-4346-BD0A-D6AA5788A305}" type="slidenum">
+            <a:fld id="{43B9C800-74B6-4E84-898B-A87958C1E6D3}" type="slidenum">
               <a:rPr lang="zh-TW" altLang="en-US" smtClean="0"/>
               <a:t>‹#›</a:t>
             </a:fld>
@@ -921,7 +3174,7 @@
     </p:spTree>
     <p:extLst>
       <p:ext uri="{BB962C8B-B14F-4D97-AF65-F5344CB8AC3E}">
-        <p14:creationId xmlns:p14="http://schemas.microsoft.com/office/powerpoint/2010/main" val="4198509733"/>
+        <p14:creationId xmlns:p14="http://schemas.microsoft.com/office/powerpoint/2010/main" val="3252209380"/>
       </p:ext>
     </p:extLst>
   </p:cSld>
@@ -953,7 +3206,7 @@
           <p:cNvPr id="2" name="標題 1">
             <a:extLst>
               <a:ext uri="{FF2B5EF4-FFF2-40B4-BE49-F238E27FC236}">
-                <a16:creationId xmlns:a16="http://schemas.microsoft.com/office/drawing/2014/main" id="{5986B870-2B24-4658-9AEB-3C92E8E40B41}"/>
+                <a16:creationId xmlns:a16="http://schemas.microsoft.com/office/drawing/2014/main" id="{72F64CAA-99C3-43CD-931C-AB9360031E71}"/>
               </a:ext>
             </a:extLst>
           </p:cNvPr>
@@ -990,7 +3243,7 @@
           <p:cNvPr id="3" name="文字版面配置區 2">
             <a:extLst>
               <a:ext uri="{FF2B5EF4-FFF2-40B4-BE49-F238E27FC236}">
-                <a16:creationId xmlns:a16="http://schemas.microsoft.com/office/drawing/2014/main" id="{90235018-E757-4630-8511-F466B919268F}"/>
+                <a16:creationId xmlns:a16="http://schemas.microsoft.com/office/drawing/2014/main" id="{F83B9796-780C-4B06-996F-8C60C1A3F321}"/>
               </a:ext>
             </a:extLst>
           </p:cNvPr>
@@ -1115,7 +3368,7 @@
           <p:cNvPr id="4" name="日期版面配置區 3">
             <a:extLst>
               <a:ext uri="{FF2B5EF4-FFF2-40B4-BE49-F238E27FC236}">
-                <a16:creationId xmlns:a16="http://schemas.microsoft.com/office/drawing/2014/main" id="{37546C76-CF19-433D-9070-0A54A149F1B2}"/>
+                <a16:creationId xmlns:a16="http://schemas.microsoft.com/office/drawing/2014/main" id="{2384D44F-3787-4D45-BA03-0C7FDF41BEFA}"/>
               </a:ext>
             </a:extLst>
           </p:cNvPr>
@@ -1131,9 +3384,9 @@
           <a:bodyPr/>
           <a:lstStyle/>
           <a:p>
-            <a:fld id="{C3C90D7E-32D6-4894-AE08-7BBB3E610FC9}" type="datetimeFigureOut">
+            <a:fld id="{E6613347-F464-4C48-B6AD-F8509BBBFE9F}" type="datetimeFigureOut">
               <a:rPr lang="zh-TW" altLang="en-US" smtClean="0"/>
-              <a:t>2024/9/16</a:t>
+              <a:t>2024/10/23</a:t>
             </a:fld>
             <a:endParaRPr lang="zh-TW" altLang="en-US"/>
           </a:p>
@@ -1144,7 +3397,7 @@
           <p:cNvPr id="5" name="頁尾版面配置區 4">
             <a:extLst>
               <a:ext uri="{FF2B5EF4-FFF2-40B4-BE49-F238E27FC236}">
-                <a16:creationId xmlns:a16="http://schemas.microsoft.com/office/drawing/2014/main" id="{9C9DC25F-827C-4564-AD0E-7FD815D53AF7}"/>
+                <a16:creationId xmlns:a16="http://schemas.microsoft.com/office/drawing/2014/main" id="{AC831B9C-5734-438A-B59D-44C7C54BB926}"/>
               </a:ext>
             </a:extLst>
           </p:cNvPr>
@@ -1169,7 +3422,7 @@
           <p:cNvPr id="6" name="投影片編號版面配置區 5">
             <a:extLst>
               <a:ext uri="{FF2B5EF4-FFF2-40B4-BE49-F238E27FC236}">
-                <a16:creationId xmlns:a16="http://schemas.microsoft.com/office/drawing/2014/main" id="{8C0653A6-68AA-4213-8D62-EAF9243D6998}"/>
+                <a16:creationId xmlns:a16="http://schemas.microsoft.com/office/drawing/2014/main" id="{38F48C12-1ED6-481D-8616-1621AB9193FB}"/>
               </a:ext>
             </a:extLst>
           </p:cNvPr>
@@ -1185,7 +3438,7 @@
           <a:bodyPr/>
           <a:lstStyle/>
           <a:p>
-            <a:fld id="{E31EC408-072F-4346-BD0A-D6AA5788A305}" type="slidenum">
+            <a:fld id="{43B9C800-74B6-4E84-898B-A87958C1E6D3}" type="slidenum">
               <a:rPr lang="zh-TW" altLang="en-US" smtClean="0"/>
               <a:t>‹#›</a:t>
             </a:fld>
@@ -1196,7 +3449,7 @@
     </p:spTree>
     <p:extLst>
       <p:ext uri="{BB962C8B-B14F-4D97-AF65-F5344CB8AC3E}">
-        <p14:creationId xmlns:p14="http://schemas.microsoft.com/office/powerpoint/2010/main" val="3126775509"/>
+        <p14:creationId xmlns:p14="http://schemas.microsoft.com/office/powerpoint/2010/main" val="2168810363"/>
       </p:ext>
     </p:extLst>
   </p:cSld>
@@ -1228,7 +3481,7 @@
           <p:cNvPr id="2" name="標題 1">
             <a:extLst>
               <a:ext uri="{FF2B5EF4-FFF2-40B4-BE49-F238E27FC236}">
-                <a16:creationId xmlns:a16="http://schemas.microsoft.com/office/drawing/2014/main" id="{F8A74D77-9E6E-4FD1-97AD-0ADC1228B6AF}"/>
+                <a16:creationId xmlns:a16="http://schemas.microsoft.com/office/drawing/2014/main" id="{7EC62DAA-140C-4376-A8AB-22DD2BB2C9EF}"/>
               </a:ext>
             </a:extLst>
           </p:cNvPr>
@@ -1256,7 +3509,7 @@
           <p:cNvPr id="3" name="內容版面配置區 2">
             <a:extLst>
               <a:ext uri="{FF2B5EF4-FFF2-40B4-BE49-F238E27FC236}">
-                <a16:creationId xmlns:a16="http://schemas.microsoft.com/office/drawing/2014/main" id="{9FDE4E9B-689C-4373-B281-9636BE211982}"/>
+                <a16:creationId xmlns:a16="http://schemas.microsoft.com/office/drawing/2014/main" id="{5DC48336-1772-4D01-B775-7187DABC6964}"/>
               </a:ext>
             </a:extLst>
           </p:cNvPr>
@@ -1318,7 +3571,7 @@
           <p:cNvPr id="4" name="內容版面配置區 3">
             <a:extLst>
               <a:ext uri="{FF2B5EF4-FFF2-40B4-BE49-F238E27FC236}">
-                <a16:creationId xmlns:a16="http://schemas.microsoft.com/office/drawing/2014/main" id="{CD25EC10-0BDA-4ECA-AB8E-059AC3378E22}"/>
+                <a16:creationId xmlns:a16="http://schemas.microsoft.com/office/drawing/2014/main" id="{E03BBCE2-5DF8-4F3C-AE58-9E6DF07E523E}"/>
               </a:ext>
             </a:extLst>
           </p:cNvPr>
@@ -1380,7 +3633,7 @@
           <p:cNvPr id="5" name="日期版面配置區 4">
             <a:extLst>
               <a:ext uri="{FF2B5EF4-FFF2-40B4-BE49-F238E27FC236}">
-                <a16:creationId xmlns:a16="http://schemas.microsoft.com/office/drawing/2014/main" id="{63DAF127-0983-4C38-869C-C0A513FA9147}"/>
+                <a16:creationId xmlns:a16="http://schemas.microsoft.com/office/drawing/2014/main" id="{C55142FF-27B4-4B78-B8D4-09AF91F0AA50}"/>
               </a:ext>
             </a:extLst>
           </p:cNvPr>
@@ -1396,9 +3649,9 @@
           <a:bodyPr/>
           <a:lstStyle/>
           <a:p>
-            <a:fld id="{C3C90D7E-32D6-4894-AE08-7BBB3E610FC9}" type="datetimeFigureOut">
+            <a:fld id="{E6613347-F464-4C48-B6AD-F8509BBBFE9F}" type="datetimeFigureOut">
               <a:rPr lang="zh-TW" altLang="en-US" smtClean="0"/>
-              <a:t>2024/9/16</a:t>
+              <a:t>2024/10/23</a:t>
             </a:fld>
             <a:endParaRPr lang="zh-TW" altLang="en-US"/>
           </a:p>
@@ -1409,7 +3662,7 @@
           <p:cNvPr id="6" name="頁尾版面配置區 5">
             <a:extLst>
               <a:ext uri="{FF2B5EF4-FFF2-40B4-BE49-F238E27FC236}">
-                <a16:creationId xmlns:a16="http://schemas.microsoft.com/office/drawing/2014/main" id="{E014CBA6-CCE3-4CF4-8E13-D895EDBD8F25}"/>
+                <a16:creationId xmlns:a16="http://schemas.microsoft.com/office/drawing/2014/main" id="{557BE675-0DFA-479E-AA49-298F0A9C856B}"/>
               </a:ext>
             </a:extLst>
           </p:cNvPr>
@@ -1434,7 +3687,7 @@
           <p:cNvPr id="7" name="投影片編號版面配置區 6">
             <a:extLst>
               <a:ext uri="{FF2B5EF4-FFF2-40B4-BE49-F238E27FC236}">
-                <a16:creationId xmlns:a16="http://schemas.microsoft.com/office/drawing/2014/main" id="{5CEAA8E5-79B3-445E-B8C3-29BD56CE6D7A}"/>
+                <a16:creationId xmlns:a16="http://schemas.microsoft.com/office/drawing/2014/main" id="{02BDB657-74F0-4549-8EC3-07533AB0A820}"/>
               </a:ext>
             </a:extLst>
           </p:cNvPr>
@@ -1450,7 +3703,7 @@
           <a:bodyPr/>
           <a:lstStyle/>
           <a:p>
-            <a:fld id="{E31EC408-072F-4346-BD0A-D6AA5788A305}" type="slidenum">
+            <a:fld id="{43B9C800-74B6-4E84-898B-A87958C1E6D3}" type="slidenum">
               <a:rPr lang="zh-TW" altLang="en-US" smtClean="0"/>
               <a:t>‹#›</a:t>
             </a:fld>
@@ -1461,7 +3714,7 @@
     </p:spTree>
     <p:extLst>
       <p:ext uri="{BB962C8B-B14F-4D97-AF65-F5344CB8AC3E}">
-        <p14:creationId xmlns:p14="http://schemas.microsoft.com/office/powerpoint/2010/main" val="3858213488"/>
+        <p14:creationId xmlns:p14="http://schemas.microsoft.com/office/powerpoint/2010/main" val="2597557596"/>
       </p:ext>
     </p:extLst>
   </p:cSld>
@@ -1493,7 +3746,7 @@
           <p:cNvPr id="2" name="標題 1">
             <a:extLst>
               <a:ext uri="{FF2B5EF4-FFF2-40B4-BE49-F238E27FC236}">
-                <a16:creationId xmlns:a16="http://schemas.microsoft.com/office/drawing/2014/main" id="{A00F76B6-8DEC-4A74-A06A-BA0146321CD8}"/>
+                <a16:creationId xmlns:a16="http://schemas.microsoft.com/office/drawing/2014/main" id="{05406412-33E7-494C-9BD3-E07B45AB42F1}"/>
               </a:ext>
             </a:extLst>
           </p:cNvPr>
@@ -1526,7 +3779,7 @@
           <p:cNvPr id="3" name="文字版面配置區 2">
             <a:extLst>
               <a:ext uri="{FF2B5EF4-FFF2-40B4-BE49-F238E27FC236}">
-                <a16:creationId xmlns:a16="http://schemas.microsoft.com/office/drawing/2014/main" id="{EF00F5C5-99A7-4F16-855A-F170362659F7}"/>
+                <a16:creationId xmlns:a16="http://schemas.microsoft.com/office/drawing/2014/main" id="{ACA3C64C-0E3D-4612-A4D0-2246EDEF6E89}"/>
               </a:ext>
             </a:extLst>
           </p:cNvPr>
@@ -1597,7 +3850,7 @@
           <p:cNvPr id="4" name="內容版面配置區 3">
             <a:extLst>
               <a:ext uri="{FF2B5EF4-FFF2-40B4-BE49-F238E27FC236}">
-                <a16:creationId xmlns:a16="http://schemas.microsoft.com/office/drawing/2014/main" id="{6722BEB2-C9B4-4C14-8234-D17E84349984}"/>
+                <a16:creationId xmlns:a16="http://schemas.microsoft.com/office/drawing/2014/main" id="{73AF894D-2D72-48E0-82ED-9782D46CC536}"/>
               </a:ext>
             </a:extLst>
           </p:cNvPr>
@@ -1659,7 +3912,7 @@
           <p:cNvPr id="5" name="文字版面配置區 4">
             <a:extLst>
               <a:ext uri="{FF2B5EF4-FFF2-40B4-BE49-F238E27FC236}">
-                <a16:creationId xmlns:a16="http://schemas.microsoft.com/office/drawing/2014/main" id="{E4A41162-A0AC-4211-940F-4B92208F9B0E}"/>
+                <a16:creationId xmlns:a16="http://schemas.microsoft.com/office/drawing/2014/main" id="{E895269D-A4CB-4D6D-8E14-7BAC8523AB64}"/>
               </a:ext>
             </a:extLst>
           </p:cNvPr>
@@ -1730,7 +3983,7 @@
           <p:cNvPr id="6" name="內容版面配置區 5">
             <a:extLst>
               <a:ext uri="{FF2B5EF4-FFF2-40B4-BE49-F238E27FC236}">
-                <a16:creationId xmlns:a16="http://schemas.microsoft.com/office/drawing/2014/main" id="{E8EA159A-F9D7-4F58-A7C3-6E5B65E42266}"/>
+                <a16:creationId xmlns:a16="http://schemas.microsoft.com/office/drawing/2014/main" id="{2A9B8F7D-5A30-4EAF-9BA7-69B18C8E2FD5}"/>
               </a:ext>
             </a:extLst>
           </p:cNvPr>
@@ -1792,7 +4045,7 @@
           <p:cNvPr id="7" name="日期版面配置區 6">
             <a:extLst>
               <a:ext uri="{FF2B5EF4-FFF2-40B4-BE49-F238E27FC236}">
-                <a16:creationId xmlns:a16="http://schemas.microsoft.com/office/drawing/2014/main" id="{AE973E80-9141-48B7-A9D7-605A4541768F}"/>
+                <a16:creationId xmlns:a16="http://schemas.microsoft.com/office/drawing/2014/main" id="{978FCDCB-0CC0-4DF2-B28F-F2411E2AD007}"/>
               </a:ext>
             </a:extLst>
           </p:cNvPr>
@@ -1808,9 +4061,9 @@
           <a:bodyPr/>
           <a:lstStyle/>
           <a:p>
-            <a:fld id="{C3C90D7E-32D6-4894-AE08-7BBB3E610FC9}" type="datetimeFigureOut">
+            <a:fld id="{E6613347-F464-4C48-B6AD-F8509BBBFE9F}" type="datetimeFigureOut">
               <a:rPr lang="zh-TW" altLang="en-US" smtClean="0"/>
-              <a:t>2024/9/16</a:t>
+              <a:t>2024/10/23</a:t>
             </a:fld>
             <a:endParaRPr lang="zh-TW" altLang="en-US"/>
           </a:p>
@@ -1821,7 +4074,7 @@
           <p:cNvPr id="8" name="頁尾版面配置區 7">
             <a:extLst>
               <a:ext uri="{FF2B5EF4-FFF2-40B4-BE49-F238E27FC236}">
-                <a16:creationId xmlns:a16="http://schemas.microsoft.com/office/drawing/2014/main" id="{6520B07A-79F8-43E7-8013-632DD2AED223}"/>
+                <a16:creationId xmlns:a16="http://schemas.microsoft.com/office/drawing/2014/main" id="{220A8022-C4E0-4BB7-B2B2-D2D0B331092A}"/>
               </a:ext>
             </a:extLst>
           </p:cNvPr>
@@ -1846,7 +4099,7 @@
           <p:cNvPr id="9" name="投影片編號版面配置區 8">
             <a:extLst>
               <a:ext uri="{FF2B5EF4-FFF2-40B4-BE49-F238E27FC236}">
-                <a16:creationId xmlns:a16="http://schemas.microsoft.com/office/drawing/2014/main" id="{3B997D8F-4F1C-4DE6-A82C-3E0C38ACAE96}"/>
+                <a16:creationId xmlns:a16="http://schemas.microsoft.com/office/drawing/2014/main" id="{CEC605CA-3966-4916-9111-F8ACC5D8122B}"/>
               </a:ext>
             </a:extLst>
           </p:cNvPr>
@@ -1862,7 +4115,7 @@
           <a:bodyPr/>
           <a:lstStyle/>
           <a:p>
-            <a:fld id="{E31EC408-072F-4346-BD0A-D6AA5788A305}" type="slidenum">
+            <a:fld id="{43B9C800-74B6-4E84-898B-A87958C1E6D3}" type="slidenum">
               <a:rPr lang="zh-TW" altLang="en-US" smtClean="0"/>
               <a:t>‹#›</a:t>
             </a:fld>
@@ -1873,7 +4126,7 @@
     </p:spTree>
     <p:extLst>
       <p:ext uri="{BB962C8B-B14F-4D97-AF65-F5344CB8AC3E}">
-        <p14:creationId xmlns:p14="http://schemas.microsoft.com/office/powerpoint/2010/main" val="3379995638"/>
+        <p14:creationId xmlns:p14="http://schemas.microsoft.com/office/powerpoint/2010/main" val="1873540962"/>
       </p:ext>
     </p:extLst>
   </p:cSld>
@@ -1905,7 +4158,7 @@
           <p:cNvPr id="2" name="標題 1">
             <a:extLst>
               <a:ext uri="{FF2B5EF4-FFF2-40B4-BE49-F238E27FC236}">
-                <a16:creationId xmlns:a16="http://schemas.microsoft.com/office/drawing/2014/main" id="{6CE04611-FD10-429D-89AA-73C259B64293}"/>
+                <a16:creationId xmlns:a16="http://schemas.microsoft.com/office/drawing/2014/main" id="{261DDDA4-6965-45D6-BA3C-74C585292210}"/>
               </a:ext>
             </a:extLst>
           </p:cNvPr>
@@ -1933,7 +4186,7 @@
           <p:cNvPr id="3" name="日期版面配置區 2">
             <a:extLst>
               <a:ext uri="{FF2B5EF4-FFF2-40B4-BE49-F238E27FC236}">
-                <a16:creationId xmlns:a16="http://schemas.microsoft.com/office/drawing/2014/main" id="{2D9009F3-A280-4DA8-ACC4-187DE2172BCA}"/>
+                <a16:creationId xmlns:a16="http://schemas.microsoft.com/office/drawing/2014/main" id="{6FC71885-96D3-4DF1-94F2-C17F0C9E08C6}"/>
               </a:ext>
             </a:extLst>
           </p:cNvPr>
@@ -1949,9 +4202,9 @@
           <a:bodyPr/>
           <a:lstStyle/>
           <a:p>
-            <a:fld id="{C3C90D7E-32D6-4894-AE08-7BBB3E610FC9}" type="datetimeFigureOut">
+            <a:fld id="{E6613347-F464-4C48-B6AD-F8509BBBFE9F}" type="datetimeFigureOut">
               <a:rPr lang="zh-TW" altLang="en-US" smtClean="0"/>
-              <a:t>2024/9/16</a:t>
+              <a:t>2024/10/23</a:t>
             </a:fld>
             <a:endParaRPr lang="zh-TW" altLang="en-US"/>
           </a:p>
@@ -1962,7 +4215,7 @@
           <p:cNvPr id="4" name="頁尾版面配置區 3">
             <a:extLst>
               <a:ext uri="{FF2B5EF4-FFF2-40B4-BE49-F238E27FC236}">
-                <a16:creationId xmlns:a16="http://schemas.microsoft.com/office/drawing/2014/main" id="{F8FD791E-F627-4DDB-AD69-F7639FDD1767}"/>
+                <a16:creationId xmlns:a16="http://schemas.microsoft.com/office/drawing/2014/main" id="{84361082-0FFA-44EE-9255-CCEBFD2FF729}"/>
               </a:ext>
             </a:extLst>
           </p:cNvPr>
@@ -1987,7 +4240,7 @@
           <p:cNvPr id="5" name="投影片編號版面配置區 4">
             <a:extLst>
               <a:ext uri="{FF2B5EF4-FFF2-40B4-BE49-F238E27FC236}">
-                <a16:creationId xmlns:a16="http://schemas.microsoft.com/office/drawing/2014/main" id="{CE9C3C73-9A1B-4A20-B40C-BF8E0726E9AE}"/>
+                <a16:creationId xmlns:a16="http://schemas.microsoft.com/office/drawing/2014/main" id="{629273A2-2D21-4C0E-8D7E-5C6A4566FD8D}"/>
               </a:ext>
             </a:extLst>
           </p:cNvPr>
@@ -2003,7 +4256,7 @@
           <a:bodyPr/>
           <a:lstStyle/>
           <a:p>
-            <a:fld id="{E31EC408-072F-4346-BD0A-D6AA5788A305}" type="slidenum">
+            <a:fld id="{43B9C800-74B6-4E84-898B-A87958C1E6D3}" type="slidenum">
               <a:rPr lang="zh-TW" altLang="en-US" smtClean="0"/>
               <a:t>‹#›</a:t>
             </a:fld>
@@ -2014,7 +4267,7 @@
     </p:spTree>
     <p:extLst>
       <p:ext uri="{BB962C8B-B14F-4D97-AF65-F5344CB8AC3E}">
-        <p14:creationId xmlns:p14="http://schemas.microsoft.com/office/powerpoint/2010/main" val="3116621787"/>
+        <p14:creationId xmlns:p14="http://schemas.microsoft.com/office/powerpoint/2010/main" val="3329832036"/>
       </p:ext>
     </p:extLst>
   </p:cSld>
@@ -2046,7 +4299,7 @@
           <p:cNvPr id="2" name="日期版面配置區 1">
             <a:extLst>
               <a:ext uri="{FF2B5EF4-FFF2-40B4-BE49-F238E27FC236}">
-                <a16:creationId xmlns:a16="http://schemas.microsoft.com/office/drawing/2014/main" id="{1E1D8EED-F2A7-4221-9887-0DBB62EB3F80}"/>
+                <a16:creationId xmlns:a16="http://schemas.microsoft.com/office/drawing/2014/main" id="{29BA614A-0741-4934-9B9E-B6BB93C84E7B}"/>
               </a:ext>
             </a:extLst>
           </p:cNvPr>
@@ -2062,9 +4315,9 @@
           <a:bodyPr/>
           <a:lstStyle/>
           <a:p>
-            <a:fld id="{C3C90D7E-32D6-4894-AE08-7BBB3E610FC9}" type="datetimeFigureOut">
+            <a:fld id="{E6613347-F464-4C48-B6AD-F8509BBBFE9F}" type="datetimeFigureOut">
               <a:rPr lang="zh-TW" altLang="en-US" smtClean="0"/>
-              <a:t>2024/9/16</a:t>
+              <a:t>2024/10/23</a:t>
             </a:fld>
             <a:endParaRPr lang="zh-TW" altLang="en-US"/>
           </a:p>
@@ -2075,7 +4328,7 @@
           <p:cNvPr id="3" name="頁尾版面配置區 2">
             <a:extLst>
               <a:ext uri="{FF2B5EF4-FFF2-40B4-BE49-F238E27FC236}">
-                <a16:creationId xmlns:a16="http://schemas.microsoft.com/office/drawing/2014/main" id="{10593B39-DC86-45A7-85EF-B4DB9C28DC80}"/>
+                <a16:creationId xmlns:a16="http://schemas.microsoft.com/office/drawing/2014/main" id="{B5C288D3-A252-4003-8B82-8E21D5B39BD9}"/>
               </a:ext>
             </a:extLst>
           </p:cNvPr>
@@ -2100,7 +4353,7 @@
           <p:cNvPr id="4" name="投影片編號版面配置區 3">
             <a:extLst>
               <a:ext uri="{FF2B5EF4-FFF2-40B4-BE49-F238E27FC236}">
-                <a16:creationId xmlns:a16="http://schemas.microsoft.com/office/drawing/2014/main" id="{3D9056B2-6966-4CAF-94D1-2295A737E168}"/>
+                <a16:creationId xmlns:a16="http://schemas.microsoft.com/office/drawing/2014/main" id="{3655D31C-10E1-47B9-8AEB-E84267ACAE12}"/>
               </a:ext>
             </a:extLst>
           </p:cNvPr>
@@ -2116,7 +4369,7 @@
           <a:bodyPr/>
           <a:lstStyle/>
           <a:p>
-            <a:fld id="{E31EC408-072F-4346-BD0A-D6AA5788A305}" type="slidenum">
+            <a:fld id="{43B9C800-74B6-4E84-898B-A87958C1E6D3}" type="slidenum">
               <a:rPr lang="zh-TW" altLang="en-US" smtClean="0"/>
               <a:t>‹#›</a:t>
             </a:fld>
@@ -2127,7 +4380,7 @@
     </p:spTree>
     <p:extLst>
       <p:ext uri="{BB962C8B-B14F-4D97-AF65-F5344CB8AC3E}">
-        <p14:creationId xmlns:p14="http://schemas.microsoft.com/office/powerpoint/2010/main" val="3887241942"/>
+        <p14:creationId xmlns:p14="http://schemas.microsoft.com/office/powerpoint/2010/main" val="2319345507"/>
       </p:ext>
     </p:extLst>
   </p:cSld>
@@ -2159,7 +4412,7 @@
           <p:cNvPr id="2" name="標題 1">
             <a:extLst>
               <a:ext uri="{FF2B5EF4-FFF2-40B4-BE49-F238E27FC236}">
-                <a16:creationId xmlns:a16="http://schemas.microsoft.com/office/drawing/2014/main" id="{5C3076DF-D16B-4600-9550-96C6A8DD7F1A}"/>
+                <a16:creationId xmlns:a16="http://schemas.microsoft.com/office/drawing/2014/main" id="{FD083622-0039-4BFC-AA43-8346D6653AB9}"/>
               </a:ext>
             </a:extLst>
           </p:cNvPr>
@@ -2196,7 +4449,7 @@
           <p:cNvPr id="3" name="內容版面配置區 2">
             <a:extLst>
               <a:ext uri="{FF2B5EF4-FFF2-40B4-BE49-F238E27FC236}">
-                <a16:creationId xmlns:a16="http://schemas.microsoft.com/office/drawing/2014/main" id="{9CD3D667-FDE5-4F5D-9495-588EC18912CE}"/>
+                <a16:creationId xmlns:a16="http://schemas.microsoft.com/office/drawing/2014/main" id="{56CE97E1-EBFC-4BA6-B4A1-A78E0252485C}"/>
               </a:ext>
             </a:extLst>
           </p:cNvPr>
@@ -2286,7 +4539,7 @@
           <p:cNvPr id="4" name="文字版面配置區 3">
             <a:extLst>
               <a:ext uri="{FF2B5EF4-FFF2-40B4-BE49-F238E27FC236}">
-                <a16:creationId xmlns:a16="http://schemas.microsoft.com/office/drawing/2014/main" id="{22F511E7-BEEF-4F51-BA0E-52C1908D5608}"/>
+                <a16:creationId xmlns:a16="http://schemas.microsoft.com/office/drawing/2014/main" id="{AF49BE70-7528-4813-8F8E-2D691B9320C5}"/>
               </a:ext>
             </a:extLst>
           </p:cNvPr>
@@ -2357,7 +4610,7 @@
           <p:cNvPr id="5" name="日期版面配置區 4">
             <a:extLst>
               <a:ext uri="{FF2B5EF4-FFF2-40B4-BE49-F238E27FC236}">
-                <a16:creationId xmlns:a16="http://schemas.microsoft.com/office/drawing/2014/main" id="{88060697-A92E-4178-A790-FCBB90D70573}"/>
+                <a16:creationId xmlns:a16="http://schemas.microsoft.com/office/drawing/2014/main" id="{45BA8776-3B27-4780-834B-8F607CED8272}"/>
               </a:ext>
             </a:extLst>
           </p:cNvPr>
@@ -2373,9 +4626,9 @@
           <a:bodyPr/>
           <a:lstStyle/>
           <a:p>
-            <a:fld id="{C3C90D7E-32D6-4894-AE08-7BBB3E610FC9}" type="datetimeFigureOut">
+            <a:fld id="{E6613347-F464-4C48-B6AD-F8509BBBFE9F}" type="datetimeFigureOut">
               <a:rPr lang="zh-TW" altLang="en-US" smtClean="0"/>
-              <a:t>2024/9/16</a:t>
+              <a:t>2024/10/23</a:t>
             </a:fld>
             <a:endParaRPr lang="zh-TW" altLang="en-US"/>
           </a:p>
@@ -2386,7 +4639,7 @@
           <p:cNvPr id="6" name="頁尾版面配置區 5">
             <a:extLst>
               <a:ext uri="{FF2B5EF4-FFF2-40B4-BE49-F238E27FC236}">
-                <a16:creationId xmlns:a16="http://schemas.microsoft.com/office/drawing/2014/main" id="{2A8E3F57-A99A-4C4C-BF14-EE42AB99CE78}"/>
+                <a16:creationId xmlns:a16="http://schemas.microsoft.com/office/drawing/2014/main" id="{670B1B79-F5DB-45BC-A58D-A7D66B871951}"/>
               </a:ext>
             </a:extLst>
           </p:cNvPr>
@@ -2411,7 +4664,7 @@
           <p:cNvPr id="7" name="投影片編號版面配置區 6">
             <a:extLst>
               <a:ext uri="{FF2B5EF4-FFF2-40B4-BE49-F238E27FC236}">
-                <a16:creationId xmlns:a16="http://schemas.microsoft.com/office/drawing/2014/main" id="{39234440-6924-48D7-AC1A-200D5946BCA9}"/>
+                <a16:creationId xmlns:a16="http://schemas.microsoft.com/office/drawing/2014/main" id="{2B72B8AE-FA6D-4E3E-897B-89B52B232B96}"/>
               </a:ext>
             </a:extLst>
           </p:cNvPr>
@@ -2427,7 +4680,7 @@
           <a:bodyPr/>
           <a:lstStyle/>
           <a:p>
-            <a:fld id="{E31EC408-072F-4346-BD0A-D6AA5788A305}" type="slidenum">
+            <a:fld id="{43B9C800-74B6-4E84-898B-A87958C1E6D3}" type="slidenum">
               <a:rPr lang="zh-TW" altLang="en-US" smtClean="0"/>
               <a:t>‹#›</a:t>
             </a:fld>
@@ -2438,7 +4691,7 @@
     </p:spTree>
     <p:extLst>
       <p:ext uri="{BB962C8B-B14F-4D97-AF65-F5344CB8AC3E}">
-        <p14:creationId xmlns:p14="http://schemas.microsoft.com/office/powerpoint/2010/main" val="2036183199"/>
+        <p14:creationId xmlns:p14="http://schemas.microsoft.com/office/powerpoint/2010/main" val="3519175076"/>
       </p:ext>
     </p:extLst>
   </p:cSld>
@@ -2470,7 +4723,7 @@
           <p:cNvPr id="2" name="標題 1">
             <a:extLst>
               <a:ext uri="{FF2B5EF4-FFF2-40B4-BE49-F238E27FC236}">
-                <a16:creationId xmlns:a16="http://schemas.microsoft.com/office/drawing/2014/main" id="{B2E81694-0B93-4D65-9DA3-21597478A96C}"/>
+                <a16:creationId xmlns:a16="http://schemas.microsoft.com/office/drawing/2014/main" id="{FA50A59A-6234-4D3E-85A1-23FFC1D81B98}"/>
               </a:ext>
             </a:extLst>
           </p:cNvPr>
@@ -2507,7 +4760,7 @@
           <p:cNvPr id="3" name="圖片版面配置區 2">
             <a:extLst>
               <a:ext uri="{FF2B5EF4-FFF2-40B4-BE49-F238E27FC236}">
-                <a16:creationId xmlns:a16="http://schemas.microsoft.com/office/drawing/2014/main" id="{23E4D718-8CB0-4334-BB8A-FB8B57D7CDC6}"/>
+                <a16:creationId xmlns:a16="http://schemas.microsoft.com/office/drawing/2014/main" id="{5E524723-5D73-4A9F-B838-BFE53FAEAE35}"/>
               </a:ext>
             </a:extLst>
           </p:cNvPr>
@@ -2574,7 +4827,7 @@
           <p:cNvPr id="4" name="文字版面配置區 3">
             <a:extLst>
               <a:ext uri="{FF2B5EF4-FFF2-40B4-BE49-F238E27FC236}">
-                <a16:creationId xmlns:a16="http://schemas.microsoft.com/office/drawing/2014/main" id="{0DC47463-53E7-4FE3-B60B-1657D11127BD}"/>
+                <a16:creationId xmlns:a16="http://schemas.microsoft.com/office/drawing/2014/main" id="{32F753C8-2A55-40E2-A403-0BEF62635CBE}"/>
               </a:ext>
             </a:extLst>
           </p:cNvPr>
@@ -2645,7 +4898,7 @@
           <p:cNvPr id="5" name="日期版面配置區 4">
             <a:extLst>
               <a:ext uri="{FF2B5EF4-FFF2-40B4-BE49-F238E27FC236}">
-                <a16:creationId xmlns:a16="http://schemas.microsoft.com/office/drawing/2014/main" id="{28875DC5-6AFF-40C0-8C77-F81A0A3E1B0F}"/>
+                <a16:creationId xmlns:a16="http://schemas.microsoft.com/office/drawing/2014/main" id="{626B3777-CA16-44A4-BEC7-2757EA4EAAD5}"/>
               </a:ext>
             </a:extLst>
           </p:cNvPr>
@@ -2661,9 +4914,9 @@
           <a:bodyPr/>
           <a:lstStyle/>
           <a:p>
-            <a:fld id="{C3C90D7E-32D6-4894-AE08-7BBB3E610FC9}" type="datetimeFigureOut">
+            <a:fld id="{E6613347-F464-4C48-B6AD-F8509BBBFE9F}" type="datetimeFigureOut">
               <a:rPr lang="zh-TW" altLang="en-US" smtClean="0"/>
-              <a:t>2024/9/16</a:t>
+              <a:t>2024/10/23</a:t>
             </a:fld>
             <a:endParaRPr lang="zh-TW" altLang="en-US"/>
           </a:p>
@@ -2674,7 +4927,7 @@
           <p:cNvPr id="6" name="頁尾版面配置區 5">
             <a:extLst>
               <a:ext uri="{FF2B5EF4-FFF2-40B4-BE49-F238E27FC236}">
-                <a16:creationId xmlns:a16="http://schemas.microsoft.com/office/drawing/2014/main" id="{24F8A973-6D07-4F0C-97A0-280FEFC238E0}"/>
+                <a16:creationId xmlns:a16="http://schemas.microsoft.com/office/drawing/2014/main" id="{A7F2D370-8201-4308-B332-223A1B95AC13}"/>
               </a:ext>
             </a:extLst>
           </p:cNvPr>
@@ -2699,7 +4952,7 @@
           <p:cNvPr id="7" name="投影片編號版面配置區 6">
             <a:extLst>
               <a:ext uri="{FF2B5EF4-FFF2-40B4-BE49-F238E27FC236}">
-                <a16:creationId xmlns:a16="http://schemas.microsoft.com/office/drawing/2014/main" id="{DB60BB1E-F41B-40F0-929B-5208374980BF}"/>
+                <a16:creationId xmlns:a16="http://schemas.microsoft.com/office/drawing/2014/main" id="{DC476B5D-F036-4D75-B869-19DABAF4FF74}"/>
               </a:ext>
             </a:extLst>
           </p:cNvPr>
@@ -2715,7 +4968,7 @@
           <a:bodyPr/>
           <a:lstStyle/>
           <a:p>
-            <a:fld id="{E31EC408-072F-4346-BD0A-D6AA5788A305}" type="slidenum">
+            <a:fld id="{43B9C800-74B6-4E84-898B-A87958C1E6D3}" type="slidenum">
               <a:rPr lang="zh-TW" altLang="en-US" smtClean="0"/>
               <a:t>‹#›</a:t>
             </a:fld>
@@ -2726,7 +4979,7 @@
     </p:spTree>
     <p:extLst>
       <p:ext uri="{BB962C8B-B14F-4D97-AF65-F5344CB8AC3E}">
-        <p14:creationId xmlns:p14="http://schemas.microsoft.com/office/powerpoint/2010/main" val="3148270851"/>
+        <p14:creationId xmlns:p14="http://schemas.microsoft.com/office/powerpoint/2010/main" val="3787452087"/>
       </p:ext>
     </p:extLst>
   </p:cSld>
@@ -2763,7 +5016,7 @@
           <p:cNvPr id="2" name="標題版面配置區 1">
             <a:extLst>
               <a:ext uri="{FF2B5EF4-FFF2-40B4-BE49-F238E27FC236}">
-                <a16:creationId xmlns:a16="http://schemas.microsoft.com/office/drawing/2014/main" id="{B8575AAC-624C-4B52-ABD4-699B1E35D2CF}"/>
+                <a16:creationId xmlns:a16="http://schemas.microsoft.com/office/drawing/2014/main" id="{B06F6C46-7AF9-4FC9-96BA-D09AC330B89F}"/>
               </a:ext>
             </a:extLst>
           </p:cNvPr>
@@ -2801,7 +5054,7 @@
           <p:cNvPr id="3" name="文字版面配置區 2">
             <a:extLst>
               <a:ext uri="{FF2B5EF4-FFF2-40B4-BE49-F238E27FC236}">
-                <a16:creationId xmlns:a16="http://schemas.microsoft.com/office/drawing/2014/main" id="{76722991-C57D-471F-8271-C419A1CFB074}"/>
+                <a16:creationId xmlns:a16="http://schemas.microsoft.com/office/drawing/2014/main" id="{E9E55BD7-1CA3-4B35-9560-DB007438C048}"/>
               </a:ext>
             </a:extLst>
           </p:cNvPr>
@@ -2868,7 +5121,7 @@
           <p:cNvPr id="4" name="日期版面配置區 3">
             <a:extLst>
               <a:ext uri="{FF2B5EF4-FFF2-40B4-BE49-F238E27FC236}">
-                <a16:creationId xmlns:a16="http://schemas.microsoft.com/office/drawing/2014/main" id="{85C839DD-8CBF-4E23-A0C7-7C039E950BB8}"/>
+                <a16:creationId xmlns:a16="http://schemas.microsoft.com/office/drawing/2014/main" id="{C2D190AA-BD32-44CF-BB1E-36EEBDB970C1}"/>
               </a:ext>
             </a:extLst>
           </p:cNvPr>
@@ -2902,9 +5155,9 @@
             </a:lvl1pPr>
           </a:lstStyle>
           <a:p>
-            <a:fld id="{C3C90D7E-32D6-4894-AE08-7BBB3E610FC9}" type="datetimeFigureOut">
+            <a:fld id="{E6613347-F464-4C48-B6AD-F8509BBBFE9F}" type="datetimeFigureOut">
               <a:rPr lang="zh-TW" altLang="en-US" smtClean="0"/>
-              <a:t>2024/9/16</a:t>
+              <a:t>2024/10/23</a:t>
             </a:fld>
             <a:endParaRPr lang="zh-TW" altLang="en-US"/>
           </a:p>
@@ -2915,7 +5168,7 @@
           <p:cNvPr id="5" name="頁尾版面配置區 4">
             <a:extLst>
               <a:ext uri="{FF2B5EF4-FFF2-40B4-BE49-F238E27FC236}">
-                <a16:creationId xmlns:a16="http://schemas.microsoft.com/office/drawing/2014/main" id="{12802D8A-77D4-418C-8190-43B6ADED2131}"/>
+                <a16:creationId xmlns:a16="http://schemas.microsoft.com/office/drawing/2014/main" id="{DBDD9DFB-1905-4644-8B57-DDF7138E5EA6}"/>
               </a:ext>
             </a:extLst>
           </p:cNvPr>
@@ -2958,7 +5211,7 @@
           <p:cNvPr id="6" name="投影片編號版面配置區 5">
             <a:extLst>
               <a:ext uri="{FF2B5EF4-FFF2-40B4-BE49-F238E27FC236}">
-                <a16:creationId xmlns:a16="http://schemas.microsoft.com/office/drawing/2014/main" id="{7072B55E-2BE2-4AF4-AFF8-2A716F492F1C}"/>
+                <a16:creationId xmlns:a16="http://schemas.microsoft.com/office/drawing/2014/main" id="{D1727E1E-5D36-4976-BD83-6FFA6A3A0B2A}"/>
               </a:ext>
             </a:extLst>
           </p:cNvPr>
@@ -2992,7 +5245,7 @@
             </a:lvl1pPr>
           </a:lstStyle>
           <a:p>
-            <a:fld id="{E31EC408-072F-4346-BD0A-D6AA5788A305}" type="slidenum">
+            <a:fld id="{43B9C800-74B6-4E84-898B-A87958C1E6D3}" type="slidenum">
               <a:rPr lang="zh-TW" altLang="en-US" smtClean="0"/>
               <a:t>‹#›</a:t>
             </a:fld>
@@ -3003,7 +5256,7 @@
     </p:spTree>
     <p:extLst>
       <p:ext uri="{BB962C8B-B14F-4D97-AF65-F5344CB8AC3E}">
-        <p14:creationId xmlns:p14="http://schemas.microsoft.com/office/powerpoint/2010/main" val="2016052060"/>
+        <p14:creationId xmlns:p14="http://schemas.microsoft.com/office/powerpoint/2010/main" val="3466638916"/>
       </p:ext>
     </p:extLst>
   </p:cSld>
@@ -3307,6 +5560,17 @@
 <file path=ppt/slides/slide1.xml><?xml version="1.0" encoding="utf-8"?>
 <p:sld xmlns:a="http://schemas.openxmlformats.org/drawingml/2006/main" xmlns:r="http://schemas.openxmlformats.org/officeDocument/2006/relationships" xmlns:p="http://schemas.openxmlformats.org/presentationml/2006/main">
   <p:cSld>
+    <p:bg>
+      <p:bgPr>
+        <a:solidFill>
+          <a:schemeClr val="tx2">
+            <a:lumMod val="40000"/>
+            <a:lumOff val="60000"/>
+          </a:schemeClr>
+        </a:solidFill>
+        <a:effectLst/>
+      </p:bgPr>
+    </p:bg>
     <p:spTree>
       <p:nvGrpSpPr>
         <p:cNvPr id="1" name=""/>
@@ -3323,35 +5587,10 @@
       </p:grpSpPr>
       <p:sp>
         <p:nvSpPr>
-          <p:cNvPr id="2" name="標題 1">
-            <a:extLst>
-              <a:ext uri="{FF2B5EF4-FFF2-40B4-BE49-F238E27FC236}">
-                <a16:creationId xmlns:a16="http://schemas.microsoft.com/office/drawing/2014/main" id="{32532283-9F93-4E44-8138-32796965361F}"/>
-              </a:ext>
-            </a:extLst>
-          </p:cNvPr>
-          <p:cNvSpPr>
-            <a:spLocks noGrp="1"/>
-          </p:cNvSpPr>
-          <p:nvPr>
-            <p:ph type="ctrTitle"/>
-          </p:nvPr>
-        </p:nvSpPr>
-        <p:spPr/>
-        <p:txBody>
-          <a:bodyPr/>
-          <a:lstStyle/>
-          <a:p>
-            <a:endParaRPr lang="zh-TW" altLang="en-US"/>
-          </a:p>
-        </p:txBody>
-      </p:sp>
-      <p:sp>
-        <p:nvSpPr>
           <p:cNvPr id="3" name="副標題 2">
             <a:extLst>
               <a:ext uri="{FF2B5EF4-FFF2-40B4-BE49-F238E27FC236}">
-                <a16:creationId xmlns:a16="http://schemas.microsoft.com/office/drawing/2014/main" id="{8C946F38-524D-4B98-B9CB-80AEE57E455A}"/>
+                <a16:creationId xmlns:a16="http://schemas.microsoft.com/office/drawing/2014/main" id="{EA1E639C-1201-4C04-9F41-15C4482252DD}"/>
               </a:ext>
             </a:extLst>
           </p:cNvPr>
@@ -3362,25 +5601,1619 @@
             <p:ph type="subTitle" idx="1"/>
           </p:nvPr>
         </p:nvSpPr>
-        <p:spPr/>
-        <p:txBody>
-          <a:bodyPr/>
-          <a:lstStyle/>
-          <a:p>
-            <a:endParaRPr lang="zh-TW" altLang="en-US"/>
+        <p:spPr>
+          <a:xfrm>
+            <a:off x="615330" y="1443884"/>
+            <a:ext cx="9144000" cy="1655762"/>
+          </a:xfrm>
+        </p:spPr>
+        <p:txBody>
+          <a:bodyPr>
+            <a:normAutofit/>
+          </a:bodyPr>
+          <a:lstStyle/>
+          <a:p>
+            <a:pPr algn="l"/>
+            <a:r>
+              <a:rPr lang="zh-TW" altLang="en-US" sz="4800" b="1" dirty="0">
+                <a:latin typeface="微軟正黑體" panose="020B0604030504040204" pitchFamily="34" charset="-120"/>
+                <a:ea typeface="微軟正黑體" panose="020B0604030504040204" pitchFamily="34" charset="-120"/>
+              </a:rPr>
+              <a:t>     冒險故事</a:t>
+            </a:r>
+            <a:endParaRPr lang="en-US" altLang="zh-TW" sz="4800" b="1" dirty="0">
+              <a:latin typeface="微軟正黑體" panose="020B0604030504040204" pitchFamily="34" charset="-120"/>
+              <a:ea typeface="微軟正黑體" panose="020B0604030504040204" pitchFamily="34" charset="-120"/>
+            </a:endParaRPr>
+          </a:p>
+          <a:p>
+            <a:pPr algn="l"/>
+            <a:r>
+              <a:rPr lang="en-US" altLang="zh-TW" sz="4800" b="1" dirty="0">
+                <a:latin typeface="微軟正黑體" panose="020B0604030504040204" pitchFamily="34" charset="-120"/>
+                <a:ea typeface="微軟正黑體" panose="020B0604030504040204" pitchFamily="34" charset="-120"/>
+              </a:rPr>
+              <a:t>(</a:t>
+            </a:r>
+            <a:r>
+              <a:rPr lang="en-US" altLang="zh-TW" sz="4800" b="1" dirty="0" err="1">
+                <a:latin typeface="微軟正黑體" panose="020B0604030504040204" pitchFamily="34" charset="-120"/>
+                <a:ea typeface="微軟正黑體" panose="020B0604030504040204" pitchFamily="34" charset="-120"/>
+              </a:rPr>
+              <a:t>Vtube</a:t>
+            </a:r>
+            <a:r>
+              <a:rPr lang="en-US" altLang="zh-TW" sz="4800" b="1" dirty="0">
+                <a:latin typeface="微軟正黑體" panose="020B0604030504040204" pitchFamily="34" charset="-120"/>
+                <a:ea typeface="微軟正黑體" panose="020B0604030504040204" pitchFamily="34" charset="-120"/>
+              </a:rPr>
+              <a:t> Studio)</a:t>
+            </a:r>
+            <a:endParaRPr lang="zh-TW" altLang="en-US" sz="4800" b="1" dirty="0">
+              <a:latin typeface="微軟正黑體" panose="020B0604030504040204" pitchFamily="34" charset="-120"/>
+              <a:ea typeface="微軟正黑體" panose="020B0604030504040204" pitchFamily="34" charset="-120"/>
+            </a:endParaRPr>
           </a:p>
         </p:txBody>
       </p:sp>
     </p:spTree>
     <p:extLst>
       <p:ext uri="{BB962C8B-B14F-4D97-AF65-F5344CB8AC3E}">
-        <p14:creationId xmlns:p14="http://schemas.microsoft.com/office/powerpoint/2010/main" val="1328321055"/>
+        <p14:creationId xmlns:p14="http://schemas.microsoft.com/office/powerpoint/2010/main" val="3465518745"/>
       </p:ext>
     </p:extLst>
   </p:cSld>
   <p:clrMapOvr>
     <a:masterClrMapping/>
   </p:clrMapOvr>
+</p:sld>
+</file>
+
+<file path=ppt/slides/slide10.xml><?xml version="1.0" encoding="utf-8"?>
+<p:sld xmlns:a="http://schemas.openxmlformats.org/drawingml/2006/main" xmlns:r="http://schemas.openxmlformats.org/officeDocument/2006/relationships" xmlns:p="http://schemas.openxmlformats.org/presentationml/2006/main">
+  <p:cSld>
+    <p:bg>
+      <p:bgPr>
+        <a:solidFill>
+          <a:schemeClr val="tx2">
+            <a:lumMod val="40000"/>
+            <a:lumOff val="60000"/>
+          </a:schemeClr>
+        </a:solidFill>
+        <a:effectLst/>
+      </p:bgPr>
+    </p:bg>
+    <p:spTree>
+      <p:nvGrpSpPr>
+        <p:cNvPr id="1" name=""/>
+        <p:cNvGrpSpPr/>
+        <p:nvPr/>
+      </p:nvGrpSpPr>
+      <p:grpSpPr>
+        <a:xfrm>
+          <a:off x="0" y="0"/>
+          <a:ext cx="0" cy="0"/>
+          <a:chOff x="0" y="0"/>
+          <a:chExt cx="0" cy="0"/>
+        </a:xfrm>
+      </p:grpSpPr>
+      <p:pic>
+        <p:nvPicPr>
+          <p:cNvPr id="6" name="圖片 5">
+            <a:extLst>
+              <a:ext uri="{FF2B5EF4-FFF2-40B4-BE49-F238E27FC236}">
+                <a16:creationId xmlns:a16="http://schemas.microsoft.com/office/drawing/2014/main" id="{062F1DB8-8B99-427E-AB16-72E1E2FFC7B5}"/>
+              </a:ext>
+            </a:extLst>
+          </p:cNvPr>
+          <p:cNvPicPr>
+            <a:picLocks noChangeAspect="1"/>
+          </p:cNvPicPr>
+          <p:nvPr/>
+        </p:nvPicPr>
+        <p:blipFill>
+          <a:blip r:embed="rId3">
+            <a:extLst>
+              <a:ext uri="{28A0092B-C50C-407E-A947-70E740481C1C}">
+                <a14:useLocalDpi xmlns:a14="http://schemas.microsoft.com/office/drawing/2010/main" val="0"/>
+              </a:ext>
+            </a:extLst>
+          </a:blip>
+          <a:stretch>
+            <a:fillRect/>
+          </a:stretch>
+        </p:blipFill>
+        <p:spPr>
+          <a:xfrm>
+            <a:off x="408993" y="662475"/>
+            <a:ext cx="4460032" cy="4460032"/>
+          </a:xfrm>
+          <a:prstGeom prst="rect">
+            <a:avLst/>
+          </a:prstGeom>
+        </p:spPr>
+      </p:pic>
+    </p:spTree>
+    <p:extLst>
+      <p:ext uri="{BB962C8B-B14F-4D97-AF65-F5344CB8AC3E}">
+        <p14:creationId xmlns:p14="http://schemas.microsoft.com/office/powerpoint/2010/main" val="1243092838"/>
+      </p:ext>
+    </p:extLst>
+  </p:cSld>
+  <p:clrMapOvr>
+    <a:masterClrMapping/>
+  </p:clrMapOvr>
+  <mc:AlternateContent xmlns:mc="http://schemas.openxmlformats.org/markup-compatibility/2006" xmlns:p159="http://schemas.microsoft.com/office/powerpoint/2015/09/main">
+    <mc:Choice Requires="p159">
+      <p:transition xmlns:p14="http://schemas.microsoft.com/office/powerpoint/2010/main" spd="slow" p14:dur="2000">
+        <p159:morph option="byObject"/>
+      </p:transition>
+    </mc:Choice>
+    <mc:Fallback xmlns="">
+      <p:transition spd="slow">
+        <p:fade/>
+      </p:transition>
+    </mc:Fallback>
+  </mc:AlternateContent>
+</p:sld>
+</file>
+
+<file path=ppt/slides/slide11.xml><?xml version="1.0" encoding="utf-8"?>
+<p:sld xmlns:a="http://schemas.openxmlformats.org/drawingml/2006/main" xmlns:r="http://schemas.openxmlformats.org/officeDocument/2006/relationships" xmlns:p="http://schemas.openxmlformats.org/presentationml/2006/main">
+  <p:cSld>
+    <p:bg>
+      <p:bgPr>
+        <a:solidFill>
+          <a:schemeClr val="tx2">
+            <a:lumMod val="40000"/>
+            <a:lumOff val="60000"/>
+          </a:schemeClr>
+        </a:solidFill>
+        <a:effectLst/>
+      </p:bgPr>
+    </p:bg>
+    <p:spTree>
+      <p:nvGrpSpPr>
+        <p:cNvPr id="1" name=""/>
+        <p:cNvGrpSpPr/>
+        <p:nvPr/>
+      </p:nvGrpSpPr>
+      <p:grpSpPr>
+        <a:xfrm>
+          <a:off x="0" y="0"/>
+          <a:ext cx="0" cy="0"/>
+          <a:chOff x="0" y="0"/>
+          <a:chExt cx="0" cy="0"/>
+        </a:xfrm>
+      </p:grpSpPr>
+      <p:pic>
+        <p:nvPicPr>
+          <p:cNvPr id="4" name="圖片 3">
+            <a:extLst>
+              <a:ext uri="{FF2B5EF4-FFF2-40B4-BE49-F238E27FC236}">
+                <a16:creationId xmlns:a16="http://schemas.microsoft.com/office/drawing/2014/main" id="{428337C5-8B5A-4650-9955-06F35327E89E}"/>
+              </a:ext>
+            </a:extLst>
+          </p:cNvPr>
+          <p:cNvPicPr>
+            <a:picLocks noChangeAspect="1"/>
+          </p:cNvPicPr>
+          <p:nvPr/>
+        </p:nvPicPr>
+        <p:blipFill>
+          <a:blip r:embed="rId3">
+            <a:extLst>
+              <a:ext uri="{28A0092B-C50C-407E-A947-70E740481C1C}">
+                <a14:useLocalDpi xmlns:a14="http://schemas.microsoft.com/office/drawing/2010/main" val="0"/>
+              </a:ext>
+            </a:extLst>
+          </a:blip>
+          <a:stretch>
+            <a:fillRect/>
+          </a:stretch>
+        </p:blipFill>
+        <p:spPr>
+          <a:xfrm>
+            <a:off x="399661" y="625151"/>
+            <a:ext cx="4637315" cy="4637315"/>
+          </a:xfrm>
+          <a:prstGeom prst="rect">
+            <a:avLst/>
+          </a:prstGeom>
+        </p:spPr>
+      </p:pic>
+    </p:spTree>
+    <p:extLst>
+      <p:ext uri="{BB962C8B-B14F-4D97-AF65-F5344CB8AC3E}">
+        <p14:creationId xmlns:p14="http://schemas.microsoft.com/office/powerpoint/2010/main" val="3787427387"/>
+      </p:ext>
+    </p:extLst>
+  </p:cSld>
+  <p:clrMapOvr>
+    <a:masterClrMapping/>
+  </p:clrMapOvr>
+  <mc:AlternateContent xmlns:mc="http://schemas.openxmlformats.org/markup-compatibility/2006" xmlns:p159="http://schemas.microsoft.com/office/powerpoint/2015/09/main">
+    <mc:Choice Requires="p159">
+      <p:transition xmlns:p14="http://schemas.microsoft.com/office/powerpoint/2010/main" spd="slow" p14:dur="2000">
+        <p159:morph option="byObject"/>
+      </p:transition>
+    </mc:Choice>
+    <mc:Fallback xmlns="">
+      <p:transition spd="slow">
+        <p:fade/>
+      </p:transition>
+    </mc:Fallback>
+  </mc:AlternateContent>
+</p:sld>
+</file>
+
+<file path=ppt/slides/slide12.xml><?xml version="1.0" encoding="utf-8"?>
+<p:sld xmlns:a="http://schemas.openxmlformats.org/drawingml/2006/main" xmlns:r="http://schemas.openxmlformats.org/officeDocument/2006/relationships" xmlns:p="http://schemas.openxmlformats.org/presentationml/2006/main">
+  <p:cSld>
+    <p:bg>
+      <p:bgPr>
+        <a:solidFill>
+          <a:schemeClr val="tx2">
+            <a:lumMod val="40000"/>
+            <a:lumOff val="60000"/>
+          </a:schemeClr>
+        </a:solidFill>
+        <a:effectLst/>
+      </p:bgPr>
+    </p:bg>
+    <p:spTree>
+      <p:nvGrpSpPr>
+        <p:cNvPr id="1" name=""/>
+        <p:cNvGrpSpPr/>
+        <p:nvPr/>
+      </p:nvGrpSpPr>
+      <p:grpSpPr>
+        <a:xfrm>
+          <a:off x="0" y="0"/>
+          <a:ext cx="0" cy="0"/>
+          <a:chOff x="0" y="0"/>
+          <a:chExt cx="0" cy="0"/>
+        </a:xfrm>
+      </p:grpSpPr>
+      <p:pic>
+        <p:nvPicPr>
+          <p:cNvPr id="5" name="圖片 4">
+            <a:extLst>
+              <a:ext uri="{FF2B5EF4-FFF2-40B4-BE49-F238E27FC236}">
+                <a16:creationId xmlns:a16="http://schemas.microsoft.com/office/drawing/2014/main" id="{36F20269-9CE7-42BF-9B8E-AD177E4D6732}"/>
+              </a:ext>
+            </a:extLst>
+          </p:cNvPr>
+          <p:cNvPicPr>
+            <a:picLocks noChangeAspect="1"/>
+          </p:cNvPicPr>
+          <p:nvPr/>
+        </p:nvPicPr>
+        <p:blipFill>
+          <a:blip r:embed="rId3">
+            <a:extLst>
+              <a:ext uri="{28A0092B-C50C-407E-A947-70E740481C1C}">
+                <a14:useLocalDpi xmlns:a14="http://schemas.microsoft.com/office/drawing/2010/main" val="0"/>
+              </a:ext>
+            </a:extLst>
+          </a:blip>
+          <a:stretch>
+            <a:fillRect/>
+          </a:stretch>
+        </p:blipFill>
+        <p:spPr>
+          <a:xfrm>
+            <a:off x="390330" y="606490"/>
+            <a:ext cx="4741507" cy="4741507"/>
+          </a:xfrm>
+          <a:prstGeom prst="rect">
+            <a:avLst/>
+          </a:prstGeom>
+        </p:spPr>
+      </p:pic>
+    </p:spTree>
+    <p:extLst>
+      <p:ext uri="{BB962C8B-B14F-4D97-AF65-F5344CB8AC3E}">
+        <p14:creationId xmlns:p14="http://schemas.microsoft.com/office/powerpoint/2010/main" val="2254447255"/>
+      </p:ext>
+    </p:extLst>
+  </p:cSld>
+  <p:clrMapOvr>
+    <a:masterClrMapping/>
+  </p:clrMapOvr>
+  <mc:AlternateContent xmlns:mc="http://schemas.openxmlformats.org/markup-compatibility/2006" xmlns:p159="http://schemas.microsoft.com/office/powerpoint/2015/09/main">
+    <mc:Choice Requires="p159">
+      <p:transition xmlns:p14="http://schemas.microsoft.com/office/powerpoint/2010/main" spd="slow" p14:dur="2000">
+        <p159:morph option="byObject"/>
+      </p:transition>
+    </mc:Choice>
+    <mc:Fallback xmlns="">
+      <p:transition spd="slow">
+        <p:fade/>
+      </p:transition>
+    </mc:Fallback>
+  </mc:AlternateContent>
+</p:sld>
+</file>
+
+<file path=ppt/slides/slide13.xml><?xml version="1.0" encoding="utf-8"?>
+<p:sld xmlns:a="http://schemas.openxmlformats.org/drawingml/2006/main" xmlns:r="http://schemas.openxmlformats.org/officeDocument/2006/relationships" xmlns:p="http://schemas.openxmlformats.org/presentationml/2006/main">
+  <p:cSld>
+    <p:bg>
+      <p:bgPr>
+        <a:solidFill>
+          <a:schemeClr val="tx2">
+            <a:lumMod val="40000"/>
+            <a:lumOff val="60000"/>
+          </a:schemeClr>
+        </a:solidFill>
+        <a:effectLst/>
+      </p:bgPr>
+    </p:bg>
+    <p:spTree>
+      <p:nvGrpSpPr>
+        <p:cNvPr id="1" name=""/>
+        <p:cNvGrpSpPr/>
+        <p:nvPr/>
+      </p:nvGrpSpPr>
+      <p:grpSpPr>
+        <a:xfrm>
+          <a:off x="0" y="0"/>
+          <a:ext cx="0" cy="0"/>
+          <a:chOff x="0" y="0"/>
+          <a:chExt cx="0" cy="0"/>
+        </a:xfrm>
+      </p:grpSpPr>
+      <p:pic>
+        <p:nvPicPr>
+          <p:cNvPr id="4" name="圖片 3">
+            <a:extLst>
+              <a:ext uri="{FF2B5EF4-FFF2-40B4-BE49-F238E27FC236}">
+                <a16:creationId xmlns:a16="http://schemas.microsoft.com/office/drawing/2014/main" id="{CE157B76-8489-47E5-B407-743C0877FB8E}"/>
+              </a:ext>
+            </a:extLst>
+          </p:cNvPr>
+          <p:cNvPicPr>
+            <a:picLocks noChangeAspect="1"/>
+          </p:cNvPicPr>
+          <p:nvPr/>
+        </p:nvPicPr>
+        <p:blipFill>
+          <a:blip r:embed="rId3">
+            <a:extLst>
+              <a:ext uri="{28A0092B-C50C-407E-A947-70E740481C1C}">
+                <a14:useLocalDpi xmlns:a14="http://schemas.microsoft.com/office/drawing/2010/main" val="0"/>
+              </a:ext>
+            </a:extLst>
+          </a:blip>
+          <a:stretch>
+            <a:fillRect/>
+          </a:stretch>
+        </p:blipFill>
+        <p:spPr>
+          <a:xfrm>
+            <a:off x="427653" y="737119"/>
+            <a:ext cx="4657531" cy="4657531"/>
+          </a:xfrm>
+          <a:prstGeom prst="rect">
+            <a:avLst/>
+          </a:prstGeom>
+        </p:spPr>
+      </p:pic>
+    </p:spTree>
+    <p:extLst>
+      <p:ext uri="{BB962C8B-B14F-4D97-AF65-F5344CB8AC3E}">
+        <p14:creationId xmlns:p14="http://schemas.microsoft.com/office/powerpoint/2010/main" val="982951646"/>
+      </p:ext>
+    </p:extLst>
+  </p:cSld>
+  <p:clrMapOvr>
+    <a:masterClrMapping/>
+  </p:clrMapOvr>
+  <mc:AlternateContent xmlns:mc="http://schemas.openxmlformats.org/markup-compatibility/2006" xmlns:p159="http://schemas.microsoft.com/office/powerpoint/2015/09/main">
+    <mc:Choice Requires="p159">
+      <p:transition xmlns:p14="http://schemas.microsoft.com/office/powerpoint/2010/main" spd="slow" p14:dur="2000">
+        <p159:morph option="byObject"/>
+      </p:transition>
+    </mc:Choice>
+    <mc:Fallback xmlns="">
+      <p:transition spd="slow">
+        <p:fade/>
+      </p:transition>
+    </mc:Fallback>
+  </mc:AlternateContent>
+</p:sld>
+</file>
+
+<file path=ppt/slides/slide14.xml><?xml version="1.0" encoding="utf-8"?>
+<p:sld xmlns:a="http://schemas.openxmlformats.org/drawingml/2006/main" xmlns:r="http://schemas.openxmlformats.org/officeDocument/2006/relationships" xmlns:p="http://schemas.openxmlformats.org/presentationml/2006/main">
+  <p:cSld>
+    <p:bg>
+      <p:bgPr>
+        <a:solidFill>
+          <a:schemeClr val="tx2">
+            <a:lumMod val="40000"/>
+            <a:lumOff val="60000"/>
+          </a:schemeClr>
+        </a:solidFill>
+        <a:effectLst/>
+      </p:bgPr>
+    </p:bg>
+    <p:spTree>
+      <p:nvGrpSpPr>
+        <p:cNvPr id="1" name=""/>
+        <p:cNvGrpSpPr/>
+        <p:nvPr/>
+      </p:nvGrpSpPr>
+      <p:grpSpPr>
+        <a:xfrm>
+          <a:off x="0" y="0"/>
+          <a:ext cx="0" cy="0"/>
+          <a:chOff x="0" y="0"/>
+          <a:chExt cx="0" cy="0"/>
+        </a:xfrm>
+      </p:grpSpPr>
+      <p:pic>
+        <p:nvPicPr>
+          <p:cNvPr id="4" name="圖片 3">
+            <a:extLst>
+              <a:ext uri="{FF2B5EF4-FFF2-40B4-BE49-F238E27FC236}">
+                <a16:creationId xmlns:a16="http://schemas.microsoft.com/office/drawing/2014/main" id="{6124C645-811C-4F30-840D-E6F40614BDEB}"/>
+              </a:ext>
+            </a:extLst>
+          </p:cNvPr>
+          <p:cNvPicPr>
+            <a:picLocks noChangeAspect="1"/>
+          </p:cNvPicPr>
+          <p:nvPr/>
+        </p:nvPicPr>
+        <p:blipFill>
+          <a:blip r:embed="rId3">
+            <a:extLst>
+              <a:ext uri="{28A0092B-C50C-407E-A947-70E740481C1C}">
+                <a14:useLocalDpi xmlns:a14="http://schemas.microsoft.com/office/drawing/2010/main" val="0"/>
+              </a:ext>
+            </a:extLst>
+          </a:blip>
+          <a:stretch>
+            <a:fillRect/>
+          </a:stretch>
+        </p:blipFill>
+        <p:spPr>
+          <a:xfrm>
+            <a:off x="399663" y="671805"/>
+            <a:ext cx="3023118" cy="3023118"/>
+          </a:xfrm>
+          <a:prstGeom prst="rect">
+            <a:avLst/>
+          </a:prstGeom>
+        </p:spPr>
+      </p:pic>
+      <p:pic>
+        <p:nvPicPr>
+          <p:cNvPr id="8" name="圖片 7">
+            <a:extLst>
+              <a:ext uri="{FF2B5EF4-FFF2-40B4-BE49-F238E27FC236}">
+                <a16:creationId xmlns:a16="http://schemas.microsoft.com/office/drawing/2014/main" id="{B1AE912F-B314-4B4B-9C49-6885DDC4FF19}"/>
+              </a:ext>
+            </a:extLst>
+          </p:cNvPr>
+          <p:cNvPicPr>
+            <a:picLocks noChangeAspect="1"/>
+          </p:cNvPicPr>
+          <p:nvPr/>
+        </p:nvPicPr>
+        <p:blipFill>
+          <a:blip r:embed="rId4">
+            <a:extLst>
+              <a:ext uri="{28A0092B-C50C-407E-A947-70E740481C1C}">
+                <a14:useLocalDpi xmlns:a14="http://schemas.microsoft.com/office/drawing/2010/main" val="0"/>
+              </a:ext>
+            </a:extLst>
+          </a:blip>
+          <a:stretch>
+            <a:fillRect/>
+          </a:stretch>
+        </p:blipFill>
+        <p:spPr>
+          <a:xfrm>
+            <a:off x="558282" y="2004526"/>
+            <a:ext cx="4181669" cy="4181669"/>
+          </a:xfrm>
+          <a:prstGeom prst="rect">
+            <a:avLst/>
+          </a:prstGeom>
+        </p:spPr>
+      </p:pic>
+    </p:spTree>
+    <p:extLst>
+      <p:ext uri="{BB962C8B-B14F-4D97-AF65-F5344CB8AC3E}">
+        <p14:creationId xmlns:p14="http://schemas.microsoft.com/office/powerpoint/2010/main" val="1951734784"/>
+      </p:ext>
+    </p:extLst>
+  </p:cSld>
+  <p:clrMapOvr>
+    <a:masterClrMapping/>
+  </p:clrMapOvr>
+  <mc:AlternateContent xmlns:mc="http://schemas.openxmlformats.org/markup-compatibility/2006" xmlns:p159="http://schemas.microsoft.com/office/powerpoint/2015/09/main">
+    <mc:Choice Requires="p159">
+      <p:transition xmlns:p14="http://schemas.microsoft.com/office/powerpoint/2010/main" spd="slow" p14:dur="2000">
+        <p159:morph option="byObject"/>
+      </p:transition>
+    </mc:Choice>
+    <mc:Fallback xmlns="">
+      <p:transition spd="slow">
+        <p:fade/>
+      </p:transition>
+    </mc:Fallback>
+  </mc:AlternateContent>
+</p:sld>
+</file>
+
+<file path=ppt/slides/slide15.xml><?xml version="1.0" encoding="utf-8"?>
+<p:sld xmlns:a="http://schemas.openxmlformats.org/drawingml/2006/main" xmlns:r="http://schemas.openxmlformats.org/officeDocument/2006/relationships" xmlns:p="http://schemas.openxmlformats.org/presentationml/2006/main">
+  <p:cSld>
+    <p:bg>
+      <p:bgPr>
+        <a:solidFill>
+          <a:schemeClr val="tx2">
+            <a:lumMod val="40000"/>
+            <a:lumOff val="60000"/>
+          </a:schemeClr>
+        </a:solidFill>
+        <a:effectLst/>
+      </p:bgPr>
+    </p:bg>
+    <p:spTree>
+      <p:nvGrpSpPr>
+        <p:cNvPr id="1" name=""/>
+        <p:cNvGrpSpPr/>
+        <p:nvPr/>
+      </p:nvGrpSpPr>
+      <p:grpSpPr>
+        <a:xfrm>
+          <a:off x="0" y="0"/>
+          <a:ext cx="0" cy="0"/>
+          <a:chOff x="0" y="0"/>
+          <a:chExt cx="0" cy="0"/>
+        </a:xfrm>
+      </p:grpSpPr>
+      <p:pic>
+        <p:nvPicPr>
+          <p:cNvPr id="4" name="圖片 3">
+            <a:extLst>
+              <a:ext uri="{FF2B5EF4-FFF2-40B4-BE49-F238E27FC236}">
+                <a16:creationId xmlns:a16="http://schemas.microsoft.com/office/drawing/2014/main" id="{B4283961-25C4-4EC1-8FE0-15D1D975D738}"/>
+              </a:ext>
+            </a:extLst>
+          </p:cNvPr>
+          <p:cNvPicPr>
+            <a:picLocks noChangeAspect="1"/>
+          </p:cNvPicPr>
+          <p:nvPr/>
+        </p:nvPicPr>
+        <p:blipFill>
+          <a:blip r:embed="rId3">
+            <a:extLst>
+              <a:ext uri="{28A0092B-C50C-407E-A947-70E740481C1C}">
+                <a14:useLocalDpi xmlns:a14="http://schemas.microsoft.com/office/drawing/2010/main" val="0"/>
+              </a:ext>
+            </a:extLst>
+          </a:blip>
+          <a:stretch>
+            <a:fillRect/>
+          </a:stretch>
+        </p:blipFill>
+        <p:spPr>
+          <a:xfrm>
+            <a:off x="446315" y="662474"/>
+            <a:ext cx="4553338" cy="4553338"/>
+          </a:xfrm>
+          <a:prstGeom prst="rect">
+            <a:avLst/>
+          </a:prstGeom>
+        </p:spPr>
+      </p:pic>
+    </p:spTree>
+    <p:extLst>
+      <p:ext uri="{BB962C8B-B14F-4D97-AF65-F5344CB8AC3E}">
+        <p14:creationId xmlns:p14="http://schemas.microsoft.com/office/powerpoint/2010/main" val="362165370"/>
+      </p:ext>
+    </p:extLst>
+  </p:cSld>
+  <p:clrMapOvr>
+    <a:masterClrMapping/>
+  </p:clrMapOvr>
+  <mc:AlternateContent xmlns:mc="http://schemas.openxmlformats.org/markup-compatibility/2006" xmlns:p159="http://schemas.microsoft.com/office/powerpoint/2015/09/main">
+    <mc:Choice Requires="p159">
+      <p:transition xmlns:p14="http://schemas.microsoft.com/office/powerpoint/2010/main" spd="slow" p14:dur="2000">
+        <p159:morph option="byObject"/>
+      </p:transition>
+    </mc:Choice>
+    <mc:Fallback xmlns="">
+      <p:transition spd="slow">
+        <p:fade/>
+      </p:transition>
+    </mc:Fallback>
+  </mc:AlternateContent>
+</p:sld>
+</file>
+
+<file path=ppt/slides/slide16.xml><?xml version="1.0" encoding="utf-8"?>
+<p:sld xmlns:a="http://schemas.openxmlformats.org/drawingml/2006/main" xmlns:r="http://schemas.openxmlformats.org/officeDocument/2006/relationships" xmlns:p="http://schemas.openxmlformats.org/presentationml/2006/main">
+  <p:cSld>
+    <p:bg>
+      <p:bgPr>
+        <a:solidFill>
+          <a:schemeClr val="tx2">
+            <a:lumMod val="40000"/>
+            <a:lumOff val="60000"/>
+          </a:schemeClr>
+        </a:solidFill>
+        <a:effectLst/>
+      </p:bgPr>
+    </p:bg>
+    <p:spTree>
+      <p:nvGrpSpPr>
+        <p:cNvPr id="1" name=""/>
+        <p:cNvGrpSpPr/>
+        <p:nvPr/>
+      </p:nvGrpSpPr>
+      <p:grpSpPr>
+        <a:xfrm>
+          <a:off x="0" y="0"/>
+          <a:ext cx="0" cy="0"/>
+          <a:chOff x="0" y="0"/>
+          <a:chExt cx="0" cy="0"/>
+        </a:xfrm>
+      </p:grpSpPr>
+      <p:pic>
+        <p:nvPicPr>
+          <p:cNvPr id="6" name="圖片 5">
+            <a:extLst>
+              <a:ext uri="{FF2B5EF4-FFF2-40B4-BE49-F238E27FC236}">
+                <a16:creationId xmlns:a16="http://schemas.microsoft.com/office/drawing/2014/main" id="{38C7128B-7684-4322-A129-05964F45C061}"/>
+              </a:ext>
+            </a:extLst>
+          </p:cNvPr>
+          <p:cNvPicPr>
+            <a:picLocks noChangeAspect="1"/>
+          </p:cNvPicPr>
+          <p:nvPr/>
+        </p:nvPicPr>
+        <p:blipFill>
+          <a:blip r:embed="rId3">
+            <a:extLst>
+              <a:ext uri="{28A0092B-C50C-407E-A947-70E740481C1C}">
+                <a14:useLocalDpi xmlns:a14="http://schemas.microsoft.com/office/drawing/2010/main" val="0"/>
+              </a:ext>
+            </a:extLst>
+          </a:blip>
+          <a:stretch>
+            <a:fillRect/>
+          </a:stretch>
+        </p:blipFill>
+        <p:spPr>
+          <a:xfrm>
+            <a:off x="418322" y="643813"/>
+            <a:ext cx="4544008" cy="4544008"/>
+          </a:xfrm>
+          <a:prstGeom prst="rect">
+            <a:avLst/>
+          </a:prstGeom>
+        </p:spPr>
+      </p:pic>
+    </p:spTree>
+    <p:extLst>
+      <p:ext uri="{BB962C8B-B14F-4D97-AF65-F5344CB8AC3E}">
+        <p14:creationId xmlns:p14="http://schemas.microsoft.com/office/powerpoint/2010/main" val="651837271"/>
+      </p:ext>
+    </p:extLst>
+  </p:cSld>
+  <p:clrMapOvr>
+    <a:masterClrMapping/>
+  </p:clrMapOvr>
+  <mc:AlternateContent xmlns:mc="http://schemas.openxmlformats.org/markup-compatibility/2006" xmlns:p159="http://schemas.microsoft.com/office/powerpoint/2015/09/main">
+    <mc:Choice Requires="p159">
+      <p:transition xmlns:p14="http://schemas.microsoft.com/office/powerpoint/2010/main" spd="slow" p14:dur="2000">
+        <p159:morph option="byObject"/>
+      </p:transition>
+    </mc:Choice>
+    <mc:Fallback xmlns="">
+      <p:transition spd="slow">
+        <p:fade/>
+      </p:transition>
+    </mc:Fallback>
+  </mc:AlternateContent>
+</p:sld>
+</file>
+
+<file path=ppt/slides/slide17.xml><?xml version="1.0" encoding="utf-8"?>
+<p:sld xmlns:a="http://schemas.openxmlformats.org/drawingml/2006/main" xmlns:r="http://schemas.openxmlformats.org/officeDocument/2006/relationships" xmlns:p="http://schemas.openxmlformats.org/presentationml/2006/main">
+  <p:cSld>
+    <p:bg>
+      <p:bgPr>
+        <a:solidFill>
+          <a:schemeClr val="tx2">
+            <a:lumMod val="40000"/>
+            <a:lumOff val="60000"/>
+          </a:schemeClr>
+        </a:solidFill>
+        <a:effectLst/>
+      </p:bgPr>
+    </p:bg>
+    <p:spTree>
+      <p:nvGrpSpPr>
+        <p:cNvPr id="1" name=""/>
+        <p:cNvGrpSpPr/>
+        <p:nvPr/>
+      </p:nvGrpSpPr>
+      <p:grpSpPr>
+        <a:xfrm>
+          <a:off x="0" y="0"/>
+          <a:ext cx="0" cy="0"/>
+          <a:chOff x="0" y="0"/>
+          <a:chExt cx="0" cy="0"/>
+        </a:xfrm>
+      </p:grpSpPr>
+      <p:pic>
+        <p:nvPicPr>
+          <p:cNvPr id="3" name="內容版面配置區 6">
+            <a:extLst>
+              <a:ext uri="{FF2B5EF4-FFF2-40B4-BE49-F238E27FC236}">
+                <a16:creationId xmlns:a16="http://schemas.microsoft.com/office/drawing/2014/main" id="{6A531694-F0DD-48FC-8799-3CF444490CB6}"/>
+              </a:ext>
+            </a:extLst>
+          </p:cNvPr>
+          <p:cNvPicPr>
+            <a:picLocks noGrp="1" noChangeAspect="1"/>
+          </p:cNvPicPr>
+          <p:nvPr>
+            <p:ph idx="1"/>
+          </p:nvPr>
+        </p:nvPicPr>
+        <p:blipFill>
+          <a:blip r:embed="rId3">
+            <a:extLst>
+              <a:ext uri="{28A0092B-C50C-407E-A947-70E740481C1C}">
+                <a14:useLocalDpi xmlns:a14="http://schemas.microsoft.com/office/drawing/2010/main" val="0"/>
+              </a:ext>
+            </a:extLst>
+          </a:blip>
+          <a:stretch>
+            <a:fillRect/>
+          </a:stretch>
+        </p:blipFill>
+        <p:spPr>
+          <a:xfrm>
+            <a:off x="430681" y="656171"/>
+            <a:ext cx="4568971" cy="4568971"/>
+          </a:xfrm>
+        </p:spPr>
+      </p:pic>
+    </p:spTree>
+    <p:extLst>
+      <p:ext uri="{BB962C8B-B14F-4D97-AF65-F5344CB8AC3E}">
+        <p14:creationId xmlns:p14="http://schemas.microsoft.com/office/powerpoint/2010/main" val="518271305"/>
+      </p:ext>
+    </p:extLst>
+  </p:cSld>
+  <p:clrMapOvr>
+    <a:masterClrMapping/>
+  </p:clrMapOvr>
+  <mc:AlternateContent xmlns:mc="http://schemas.openxmlformats.org/markup-compatibility/2006" xmlns:p159="http://schemas.microsoft.com/office/powerpoint/2015/09/main">
+    <mc:Choice Requires="p159">
+      <p:transition xmlns:p14="http://schemas.microsoft.com/office/powerpoint/2010/main" spd="slow" p14:dur="2000">
+        <p159:morph option="byObject"/>
+      </p:transition>
+    </mc:Choice>
+    <mc:Fallback xmlns="">
+      <p:transition spd="slow">
+        <p:fade/>
+      </p:transition>
+    </mc:Fallback>
+  </mc:AlternateContent>
+</p:sld>
+</file>
+
+<file path=ppt/slides/slide2.xml><?xml version="1.0" encoding="utf-8"?>
+<p:sld xmlns:a="http://schemas.openxmlformats.org/drawingml/2006/main" xmlns:r="http://schemas.openxmlformats.org/officeDocument/2006/relationships" xmlns:p="http://schemas.openxmlformats.org/presentationml/2006/main">
+  <p:cSld>
+    <p:bg>
+      <p:bgPr>
+        <a:solidFill>
+          <a:schemeClr val="tx2">
+            <a:lumMod val="40000"/>
+            <a:lumOff val="60000"/>
+          </a:schemeClr>
+        </a:solidFill>
+        <a:effectLst/>
+      </p:bgPr>
+    </p:bg>
+    <p:spTree>
+      <p:nvGrpSpPr>
+        <p:cNvPr id="1" name=""/>
+        <p:cNvGrpSpPr/>
+        <p:nvPr/>
+      </p:nvGrpSpPr>
+      <p:grpSpPr>
+        <a:xfrm>
+          <a:off x="0" y="0"/>
+          <a:ext cx="0" cy="0"/>
+          <a:chOff x="0" y="0"/>
+          <a:chExt cx="0" cy="0"/>
+        </a:xfrm>
+      </p:grpSpPr>
+      <p:pic>
+        <p:nvPicPr>
+          <p:cNvPr id="5" name="內容版面配置區 4">
+            <a:extLst>
+              <a:ext uri="{FF2B5EF4-FFF2-40B4-BE49-F238E27FC236}">
+                <a16:creationId xmlns:a16="http://schemas.microsoft.com/office/drawing/2014/main" id="{B5D4F272-B71F-467F-BC94-0C05B5134B4C}"/>
+              </a:ext>
+            </a:extLst>
+          </p:cNvPr>
+          <p:cNvPicPr>
+            <a:picLocks noGrp="1" noChangeAspect="1"/>
+          </p:cNvPicPr>
+          <p:nvPr>
+            <p:ph idx="1"/>
+          </p:nvPr>
+        </p:nvPicPr>
+        <p:blipFill>
+          <a:blip r:embed="rId3">
+            <a:extLst>
+              <a:ext uri="{28A0092B-C50C-407E-A947-70E740481C1C}">
+                <a14:useLocalDpi xmlns:a14="http://schemas.microsoft.com/office/drawing/2010/main" val="0"/>
+              </a:ext>
+            </a:extLst>
+          </a:blip>
+          <a:stretch>
+            <a:fillRect/>
+          </a:stretch>
+        </p:blipFill>
+        <p:spPr>
+          <a:xfrm>
+            <a:off x="402948" y="733588"/>
+            <a:ext cx="4672905" cy="4672905"/>
+          </a:xfrm>
+        </p:spPr>
+      </p:pic>
+    </p:spTree>
+    <p:extLst>
+      <p:ext uri="{BB962C8B-B14F-4D97-AF65-F5344CB8AC3E}">
+        <p14:creationId xmlns:p14="http://schemas.microsoft.com/office/powerpoint/2010/main" val="2118358381"/>
+      </p:ext>
+    </p:extLst>
+  </p:cSld>
+  <p:clrMapOvr>
+    <a:masterClrMapping/>
+  </p:clrMapOvr>
+</p:sld>
+</file>
+
+<file path=ppt/slides/slide3.xml><?xml version="1.0" encoding="utf-8"?>
+<p:sld xmlns:a="http://schemas.openxmlformats.org/drawingml/2006/main" xmlns:r="http://schemas.openxmlformats.org/officeDocument/2006/relationships" xmlns:p="http://schemas.openxmlformats.org/presentationml/2006/main">
+  <p:cSld>
+    <p:bg>
+      <p:bgPr>
+        <a:solidFill>
+          <a:schemeClr val="tx2">
+            <a:lumMod val="40000"/>
+            <a:lumOff val="60000"/>
+          </a:schemeClr>
+        </a:solidFill>
+        <a:effectLst/>
+      </p:bgPr>
+    </p:bg>
+    <p:spTree>
+      <p:nvGrpSpPr>
+        <p:cNvPr id="1" name=""/>
+        <p:cNvGrpSpPr/>
+        <p:nvPr/>
+      </p:nvGrpSpPr>
+      <p:grpSpPr>
+        <a:xfrm>
+          <a:off x="0" y="0"/>
+          <a:ext cx="0" cy="0"/>
+          <a:chOff x="0" y="0"/>
+          <a:chExt cx="0" cy="0"/>
+        </a:xfrm>
+      </p:grpSpPr>
+      <p:pic>
+        <p:nvPicPr>
+          <p:cNvPr id="6" name="內容版面配置區 5">
+            <a:extLst>
+              <a:ext uri="{FF2B5EF4-FFF2-40B4-BE49-F238E27FC236}">
+                <a16:creationId xmlns:a16="http://schemas.microsoft.com/office/drawing/2014/main" id="{A4CF6FFE-3FCC-4364-B17F-F2C33A6408CC}"/>
+              </a:ext>
+            </a:extLst>
+          </p:cNvPr>
+          <p:cNvPicPr>
+            <a:picLocks noGrp="1" noChangeAspect="1"/>
+          </p:cNvPicPr>
+          <p:nvPr>
+            <p:ph idx="1"/>
+          </p:nvPr>
+        </p:nvPicPr>
+        <p:blipFill>
+          <a:blip r:embed="rId3">
+            <a:extLst>
+              <a:ext uri="{28A0092B-C50C-407E-A947-70E740481C1C}">
+                <a14:useLocalDpi xmlns:a14="http://schemas.microsoft.com/office/drawing/2010/main" val="0"/>
+              </a:ext>
+            </a:extLst>
+          </a:blip>
+          <a:stretch>
+            <a:fillRect/>
+          </a:stretch>
+        </p:blipFill>
+        <p:spPr>
+          <a:xfrm>
+            <a:off x="458673" y="817919"/>
+            <a:ext cx="4659150" cy="4659150"/>
+          </a:xfrm>
+        </p:spPr>
+      </p:pic>
+    </p:spTree>
+    <p:extLst>
+      <p:ext uri="{BB962C8B-B14F-4D97-AF65-F5344CB8AC3E}">
+        <p14:creationId xmlns:p14="http://schemas.microsoft.com/office/powerpoint/2010/main" val="2169137347"/>
+      </p:ext>
+    </p:extLst>
+  </p:cSld>
+  <p:clrMapOvr>
+    <a:masterClrMapping/>
+  </p:clrMapOvr>
+  <mc:AlternateContent xmlns:mc="http://schemas.openxmlformats.org/markup-compatibility/2006" xmlns:p159="http://schemas.microsoft.com/office/powerpoint/2015/09/main">
+    <mc:Choice Requires="p159">
+      <p:transition xmlns:p14="http://schemas.microsoft.com/office/powerpoint/2010/main" spd="slow" p14:dur="2000">
+        <p159:morph option="byObject"/>
+      </p:transition>
+    </mc:Choice>
+    <mc:Fallback xmlns="">
+      <p:transition spd="slow">
+        <p:fade/>
+      </p:transition>
+    </mc:Fallback>
+  </mc:AlternateContent>
+</p:sld>
+</file>
+
+<file path=ppt/slides/slide4.xml><?xml version="1.0" encoding="utf-8"?>
+<p:sld xmlns:a="http://schemas.openxmlformats.org/drawingml/2006/main" xmlns:r="http://schemas.openxmlformats.org/officeDocument/2006/relationships" xmlns:p="http://schemas.openxmlformats.org/presentationml/2006/main">
+  <p:cSld>
+    <p:bg>
+      <p:bgPr>
+        <a:solidFill>
+          <a:schemeClr val="tx2">
+            <a:lumMod val="40000"/>
+            <a:lumOff val="60000"/>
+          </a:schemeClr>
+        </a:solidFill>
+        <a:effectLst/>
+      </p:bgPr>
+    </p:bg>
+    <p:spTree>
+      <p:nvGrpSpPr>
+        <p:cNvPr id="1" name=""/>
+        <p:cNvGrpSpPr/>
+        <p:nvPr/>
+      </p:nvGrpSpPr>
+      <p:grpSpPr>
+        <a:xfrm>
+          <a:off x="0" y="0"/>
+          <a:ext cx="0" cy="0"/>
+          <a:chOff x="0" y="0"/>
+          <a:chExt cx="0" cy="0"/>
+        </a:xfrm>
+      </p:grpSpPr>
+      <p:pic>
+        <p:nvPicPr>
+          <p:cNvPr id="6" name="內容版面配置區 5">
+            <a:extLst>
+              <a:ext uri="{FF2B5EF4-FFF2-40B4-BE49-F238E27FC236}">
+                <a16:creationId xmlns:a16="http://schemas.microsoft.com/office/drawing/2014/main" id="{A4CF6FFE-3FCC-4364-B17F-F2C33A6408CC}"/>
+              </a:ext>
+            </a:extLst>
+          </p:cNvPr>
+          <p:cNvPicPr>
+            <a:picLocks noGrp="1" noChangeAspect="1"/>
+          </p:cNvPicPr>
+          <p:nvPr>
+            <p:ph idx="1"/>
+          </p:nvPr>
+        </p:nvPicPr>
+        <p:blipFill>
+          <a:blip r:embed="rId3">
+            <a:extLst>
+              <a:ext uri="{28A0092B-C50C-407E-A947-70E740481C1C}">
+                <a14:useLocalDpi xmlns:a14="http://schemas.microsoft.com/office/drawing/2010/main" val="0"/>
+              </a:ext>
+            </a:extLst>
+          </a:blip>
+          <a:stretch>
+            <a:fillRect/>
+          </a:stretch>
+        </p:blipFill>
+        <p:spPr>
+          <a:xfrm>
+            <a:off x="458673" y="817919"/>
+            <a:ext cx="3021645" cy="3021645"/>
+          </a:xfrm>
+        </p:spPr>
+      </p:pic>
+      <p:pic>
+        <p:nvPicPr>
+          <p:cNvPr id="3" name="圖片 2">
+            <a:extLst>
+              <a:ext uri="{FF2B5EF4-FFF2-40B4-BE49-F238E27FC236}">
+                <a16:creationId xmlns:a16="http://schemas.microsoft.com/office/drawing/2014/main" id="{C89E7ADA-A671-4304-94E0-0280E7651108}"/>
+              </a:ext>
+            </a:extLst>
+          </p:cNvPr>
+          <p:cNvPicPr>
+            <a:picLocks noChangeAspect="1"/>
+          </p:cNvPicPr>
+          <p:nvPr/>
+        </p:nvPicPr>
+        <p:blipFill>
+          <a:blip r:embed="rId4">
+            <a:extLst>
+              <a:ext uri="{28A0092B-C50C-407E-A947-70E740481C1C}">
+                <a14:useLocalDpi xmlns:a14="http://schemas.microsoft.com/office/drawing/2010/main" val="0"/>
+              </a:ext>
+            </a:extLst>
+          </a:blip>
+          <a:stretch>
+            <a:fillRect/>
+          </a:stretch>
+        </p:blipFill>
+        <p:spPr>
+          <a:xfrm>
+            <a:off x="663945" y="2132798"/>
+            <a:ext cx="4122658" cy="4122658"/>
+          </a:xfrm>
+          <a:prstGeom prst="rect">
+            <a:avLst/>
+          </a:prstGeom>
+        </p:spPr>
+      </p:pic>
+    </p:spTree>
+    <p:extLst>
+      <p:ext uri="{BB962C8B-B14F-4D97-AF65-F5344CB8AC3E}">
+        <p14:creationId xmlns:p14="http://schemas.microsoft.com/office/powerpoint/2010/main" val="2476731120"/>
+      </p:ext>
+    </p:extLst>
+  </p:cSld>
+  <p:clrMapOvr>
+    <a:masterClrMapping/>
+  </p:clrMapOvr>
+  <mc:AlternateContent xmlns:mc="http://schemas.openxmlformats.org/markup-compatibility/2006" xmlns:p159="http://schemas.microsoft.com/office/powerpoint/2015/09/main">
+    <mc:Choice Requires="p159">
+      <p:transition xmlns:p14="http://schemas.microsoft.com/office/powerpoint/2010/main" spd="slow" p14:dur="2000">
+        <p159:morph option="byObject"/>
+      </p:transition>
+    </mc:Choice>
+    <mc:Fallback xmlns="">
+      <p:transition spd="slow">
+        <p:fade/>
+      </p:transition>
+    </mc:Fallback>
+  </mc:AlternateContent>
+</p:sld>
+</file>
+
+<file path=ppt/slides/slide5.xml><?xml version="1.0" encoding="utf-8"?>
+<p:sld xmlns:a="http://schemas.openxmlformats.org/drawingml/2006/main" xmlns:r="http://schemas.openxmlformats.org/officeDocument/2006/relationships" xmlns:p="http://schemas.openxmlformats.org/presentationml/2006/main">
+  <p:cSld>
+    <p:bg>
+      <p:bgPr>
+        <a:solidFill>
+          <a:schemeClr val="tx2">
+            <a:lumMod val="40000"/>
+            <a:lumOff val="60000"/>
+          </a:schemeClr>
+        </a:solidFill>
+        <a:effectLst/>
+      </p:bgPr>
+    </p:bg>
+    <p:spTree>
+      <p:nvGrpSpPr>
+        <p:cNvPr id="1" name=""/>
+        <p:cNvGrpSpPr/>
+        <p:nvPr/>
+      </p:nvGrpSpPr>
+      <p:grpSpPr>
+        <a:xfrm>
+          <a:off x="0" y="0"/>
+          <a:ext cx="0" cy="0"/>
+          <a:chOff x="0" y="0"/>
+          <a:chExt cx="0" cy="0"/>
+        </a:xfrm>
+      </p:grpSpPr>
+      <p:pic>
+        <p:nvPicPr>
+          <p:cNvPr id="6" name="內容版面配置區 6">
+            <a:extLst>
+              <a:ext uri="{FF2B5EF4-FFF2-40B4-BE49-F238E27FC236}">
+                <a16:creationId xmlns:a16="http://schemas.microsoft.com/office/drawing/2014/main" id="{1C55335C-F638-4EEC-AAA7-0F7A4C35516F}"/>
+              </a:ext>
+            </a:extLst>
+          </p:cNvPr>
+          <p:cNvPicPr>
+            <a:picLocks noGrp="1" noChangeAspect="1"/>
+          </p:cNvPicPr>
+          <p:nvPr>
+            <p:ph idx="1"/>
+          </p:nvPr>
+        </p:nvPicPr>
+        <p:blipFill>
+          <a:blip r:embed="rId3">
+            <a:extLst>
+              <a:ext uri="{28A0092B-C50C-407E-A947-70E740481C1C}">
+                <a14:useLocalDpi xmlns:a14="http://schemas.microsoft.com/office/drawing/2010/main" val="0"/>
+              </a:ext>
+            </a:extLst>
+          </a:blip>
+          <a:stretch>
+            <a:fillRect/>
+          </a:stretch>
+        </p:blipFill>
+        <p:spPr>
+          <a:xfrm>
+            <a:off x="505327" y="724613"/>
+            <a:ext cx="4351338" cy="4351338"/>
+          </a:xfrm>
+        </p:spPr>
+      </p:pic>
+    </p:spTree>
+    <p:extLst>
+      <p:ext uri="{BB962C8B-B14F-4D97-AF65-F5344CB8AC3E}">
+        <p14:creationId xmlns:p14="http://schemas.microsoft.com/office/powerpoint/2010/main" val="1366864585"/>
+      </p:ext>
+    </p:extLst>
+  </p:cSld>
+  <p:clrMapOvr>
+    <a:masterClrMapping/>
+  </p:clrMapOvr>
+  <mc:AlternateContent xmlns:mc="http://schemas.openxmlformats.org/markup-compatibility/2006" xmlns:p159="http://schemas.microsoft.com/office/powerpoint/2015/09/main">
+    <mc:Choice Requires="p159">
+      <p:transition xmlns:p14="http://schemas.microsoft.com/office/powerpoint/2010/main" spd="slow" p14:dur="2000">
+        <p159:morph option="byObject"/>
+      </p:transition>
+    </mc:Choice>
+    <mc:Fallback xmlns="">
+      <p:transition spd="slow">
+        <p:fade/>
+      </p:transition>
+    </mc:Fallback>
+  </mc:AlternateContent>
+</p:sld>
+</file>
+
+<file path=ppt/slides/slide6.xml><?xml version="1.0" encoding="utf-8"?>
+<p:sld xmlns:a="http://schemas.openxmlformats.org/drawingml/2006/main" xmlns:r="http://schemas.openxmlformats.org/officeDocument/2006/relationships" xmlns:p="http://schemas.openxmlformats.org/presentationml/2006/main">
+  <p:cSld>
+    <p:bg>
+      <p:bgPr>
+        <a:solidFill>
+          <a:schemeClr val="tx2">
+            <a:lumMod val="40000"/>
+            <a:lumOff val="60000"/>
+          </a:schemeClr>
+        </a:solidFill>
+        <a:effectLst/>
+      </p:bgPr>
+    </p:bg>
+    <p:spTree>
+      <p:nvGrpSpPr>
+        <p:cNvPr id="1" name=""/>
+        <p:cNvGrpSpPr/>
+        <p:nvPr/>
+      </p:nvGrpSpPr>
+      <p:grpSpPr>
+        <a:xfrm>
+          <a:off x="0" y="0"/>
+          <a:ext cx="0" cy="0"/>
+          <a:chOff x="0" y="0"/>
+          <a:chExt cx="0" cy="0"/>
+        </a:xfrm>
+      </p:grpSpPr>
+      <p:pic>
+        <p:nvPicPr>
+          <p:cNvPr id="6" name="內容版面配置區 6">
+            <a:extLst>
+              <a:ext uri="{FF2B5EF4-FFF2-40B4-BE49-F238E27FC236}">
+                <a16:creationId xmlns:a16="http://schemas.microsoft.com/office/drawing/2014/main" id="{7A65DDE3-6DBF-4811-8B35-8BB6497B40B1}"/>
+              </a:ext>
+            </a:extLst>
+          </p:cNvPr>
+          <p:cNvPicPr>
+            <a:picLocks noGrp="1" noChangeAspect="1"/>
+          </p:cNvPicPr>
+          <p:nvPr>
+            <p:ph idx="1"/>
+          </p:nvPr>
+        </p:nvPicPr>
+        <p:blipFill>
+          <a:blip r:embed="rId3">
+            <a:extLst>
+              <a:ext uri="{28A0092B-C50C-407E-A947-70E740481C1C}">
+                <a14:useLocalDpi xmlns:a14="http://schemas.microsoft.com/office/drawing/2010/main" val="0"/>
+              </a:ext>
+            </a:extLst>
+          </a:blip>
+          <a:stretch>
+            <a:fillRect/>
+          </a:stretch>
+        </p:blipFill>
+        <p:spPr>
+          <a:xfrm>
+            <a:off x="486666" y="649968"/>
+            <a:ext cx="3516167" cy="3516167"/>
+          </a:xfrm>
+        </p:spPr>
+      </p:pic>
+      <p:pic>
+        <p:nvPicPr>
+          <p:cNvPr id="9" name="圖片 8">
+            <a:extLst>
+              <a:ext uri="{FF2B5EF4-FFF2-40B4-BE49-F238E27FC236}">
+                <a16:creationId xmlns:a16="http://schemas.microsoft.com/office/drawing/2014/main" id="{94CAC734-9485-490A-958E-51129B8C12D6}"/>
+              </a:ext>
+            </a:extLst>
+          </p:cNvPr>
+          <p:cNvPicPr>
+            <a:picLocks noChangeAspect="1"/>
+          </p:cNvPicPr>
+          <p:nvPr/>
+        </p:nvPicPr>
+        <p:blipFill>
+          <a:blip r:embed="rId4">
+            <a:extLst>
+              <a:ext uri="{28A0092B-C50C-407E-A947-70E740481C1C}">
+                <a14:useLocalDpi xmlns:a14="http://schemas.microsoft.com/office/drawing/2010/main" val="0"/>
+              </a:ext>
+            </a:extLst>
+          </a:blip>
+          <a:stretch>
+            <a:fillRect/>
+          </a:stretch>
+        </p:blipFill>
+        <p:spPr>
+          <a:xfrm>
+            <a:off x="747922" y="2191114"/>
+            <a:ext cx="4215963" cy="4215963"/>
+          </a:xfrm>
+          <a:prstGeom prst="rect">
+            <a:avLst/>
+          </a:prstGeom>
+        </p:spPr>
+      </p:pic>
+    </p:spTree>
+    <p:extLst>
+      <p:ext uri="{BB962C8B-B14F-4D97-AF65-F5344CB8AC3E}">
+        <p14:creationId xmlns:p14="http://schemas.microsoft.com/office/powerpoint/2010/main" val="374625545"/>
+      </p:ext>
+    </p:extLst>
+  </p:cSld>
+  <p:clrMapOvr>
+    <a:masterClrMapping/>
+  </p:clrMapOvr>
+  <mc:AlternateContent xmlns:mc="http://schemas.openxmlformats.org/markup-compatibility/2006" xmlns:p159="http://schemas.microsoft.com/office/powerpoint/2015/09/main">
+    <mc:Choice Requires="p159">
+      <p:transition xmlns:p14="http://schemas.microsoft.com/office/powerpoint/2010/main" spd="slow" p14:dur="2000">
+        <p159:morph option="byObject"/>
+      </p:transition>
+    </mc:Choice>
+    <mc:Fallback xmlns="">
+      <p:transition spd="slow">
+        <p:fade/>
+      </p:transition>
+    </mc:Fallback>
+  </mc:AlternateContent>
+</p:sld>
+</file>
+
+<file path=ppt/slides/slide7.xml><?xml version="1.0" encoding="utf-8"?>
+<p:sld xmlns:a="http://schemas.openxmlformats.org/drawingml/2006/main" xmlns:r="http://schemas.openxmlformats.org/officeDocument/2006/relationships" xmlns:p="http://schemas.openxmlformats.org/presentationml/2006/main">
+  <p:cSld>
+    <p:bg>
+      <p:bgPr>
+        <a:solidFill>
+          <a:schemeClr val="tx2">
+            <a:lumMod val="40000"/>
+            <a:lumOff val="60000"/>
+          </a:schemeClr>
+        </a:solidFill>
+        <a:effectLst/>
+      </p:bgPr>
+    </p:bg>
+    <p:spTree>
+      <p:nvGrpSpPr>
+        <p:cNvPr id="1" name=""/>
+        <p:cNvGrpSpPr/>
+        <p:nvPr/>
+      </p:nvGrpSpPr>
+      <p:grpSpPr>
+        <a:xfrm>
+          <a:off x="0" y="0"/>
+          <a:ext cx="0" cy="0"/>
+          <a:chOff x="0" y="0"/>
+          <a:chExt cx="0" cy="0"/>
+        </a:xfrm>
+      </p:grpSpPr>
+      <p:pic>
+        <p:nvPicPr>
+          <p:cNvPr id="6" name="內容版面配置區 5">
+            <a:extLst>
+              <a:ext uri="{FF2B5EF4-FFF2-40B4-BE49-F238E27FC236}">
+                <a16:creationId xmlns:a16="http://schemas.microsoft.com/office/drawing/2014/main" id="{5D68D14A-858C-490E-8AAB-3775DC416EA0}"/>
+              </a:ext>
+            </a:extLst>
+          </p:cNvPr>
+          <p:cNvPicPr>
+            <a:picLocks noGrp="1" noChangeAspect="1"/>
+          </p:cNvPicPr>
+          <p:nvPr>
+            <p:ph idx="1"/>
+          </p:nvPr>
+        </p:nvPicPr>
+        <p:blipFill>
+          <a:blip r:embed="rId3">
+            <a:extLst>
+              <a:ext uri="{28A0092B-C50C-407E-A947-70E740481C1C}">
+                <a14:useLocalDpi xmlns:a14="http://schemas.microsoft.com/office/drawing/2010/main" val="0"/>
+              </a:ext>
+            </a:extLst>
+          </a:blip>
+          <a:stretch>
+            <a:fillRect/>
+          </a:stretch>
+        </p:blipFill>
+        <p:spPr>
+          <a:xfrm>
+            <a:off x="384029" y="491346"/>
+            <a:ext cx="4677811" cy="4677811"/>
+          </a:xfrm>
+        </p:spPr>
+      </p:pic>
+    </p:spTree>
+    <p:extLst>
+      <p:ext uri="{BB962C8B-B14F-4D97-AF65-F5344CB8AC3E}">
+        <p14:creationId xmlns:p14="http://schemas.microsoft.com/office/powerpoint/2010/main" val="3847270250"/>
+      </p:ext>
+    </p:extLst>
+  </p:cSld>
+  <p:clrMapOvr>
+    <a:masterClrMapping/>
+  </p:clrMapOvr>
+  <mc:AlternateContent xmlns:mc="http://schemas.openxmlformats.org/markup-compatibility/2006" xmlns:p159="http://schemas.microsoft.com/office/powerpoint/2015/09/main">
+    <mc:Choice Requires="p159">
+      <p:transition xmlns:p14="http://schemas.microsoft.com/office/powerpoint/2010/main" spd="slow" p14:dur="2000">
+        <p159:morph option="byObject"/>
+      </p:transition>
+    </mc:Choice>
+    <mc:Fallback xmlns="">
+      <p:transition spd="slow">
+        <p:fade/>
+      </p:transition>
+    </mc:Fallback>
+  </mc:AlternateContent>
+</p:sld>
+</file>
+
+<file path=ppt/slides/slide8.xml><?xml version="1.0" encoding="utf-8"?>
+<p:sld xmlns:a="http://schemas.openxmlformats.org/drawingml/2006/main" xmlns:r="http://schemas.openxmlformats.org/officeDocument/2006/relationships" xmlns:p="http://schemas.openxmlformats.org/presentationml/2006/main">
+  <p:cSld>
+    <p:bg>
+      <p:bgPr>
+        <a:solidFill>
+          <a:schemeClr val="tx2">
+            <a:lumMod val="40000"/>
+            <a:lumOff val="60000"/>
+          </a:schemeClr>
+        </a:solidFill>
+        <a:effectLst/>
+      </p:bgPr>
+    </p:bg>
+    <p:spTree>
+      <p:nvGrpSpPr>
+        <p:cNvPr id="1" name=""/>
+        <p:cNvGrpSpPr/>
+        <p:nvPr/>
+      </p:nvGrpSpPr>
+      <p:grpSpPr>
+        <a:xfrm>
+          <a:off x="0" y="0"/>
+          <a:ext cx="0" cy="0"/>
+          <a:chOff x="0" y="0"/>
+          <a:chExt cx="0" cy="0"/>
+        </a:xfrm>
+      </p:grpSpPr>
+      <p:pic>
+        <p:nvPicPr>
+          <p:cNvPr id="6" name="內容版面配置區 5">
+            <a:extLst>
+              <a:ext uri="{FF2B5EF4-FFF2-40B4-BE49-F238E27FC236}">
+                <a16:creationId xmlns:a16="http://schemas.microsoft.com/office/drawing/2014/main" id="{7A5D6088-355E-4070-BB58-FDC4D82AFA9F}"/>
+              </a:ext>
+            </a:extLst>
+          </p:cNvPr>
+          <p:cNvPicPr>
+            <a:picLocks noChangeAspect="1"/>
+          </p:cNvPicPr>
+          <p:nvPr/>
+        </p:nvPicPr>
+        <p:blipFill>
+          <a:blip r:embed="rId3">
+            <a:extLst>
+              <a:ext uri="{28A0092B-C50C-407E-A947-70E740481C1C}">
+                <a14:useLocalDpi xmlns:a14="http://schemas.microsoft.com/office/drawing/2010/main" val="0"/>
+              </a:ext>
+            </a:extLst>
+          </a:blip>
+          <a:stretch>
+            <a:fillRect/>
+          </a:stretch>
+        </p:blipFill>
+        <p:spPr>
+          <a:xfrm>
+            <a:off x="356036" y="479947"/>
+            <a:ext cx="3457571" cy="3457571"/>
+          </a:xfrm>
+          <a:prstGeom prst="rect">
+            <a:avLst/>
+          </a:prstGeom>
+        </p:spPr>
+      </p:pic>
+      <p:pic>
+        <p:nvPicPr>
+          <p:cNvPr id="7" name="內容版面配置區 6">
+            <a:extLst>
+              <a:ext uri="{FF2B5EF4-FFF2-40B4-BE49-F238E27FC236}">
+                <a16:creationId xmlns:a16="http://schemas.microsoft.com/office/drawing/2014/main" id="{14B780A3-024F-4D3F-8AB9-06B34F56AAB9}"/>
+              </a:ext>
+            </a:extLst>
+          </p:cNvPr>
+          <p:cNvPicPr>
+            <a:picLocks noGrp="1" noChangeAspect="1"/>
+          </p:cNvPicPr>
+          <p:nvPr>
+            <p:ph idx="1"/>
+          </p:nvPr>
+        </p:nvPicPr>
+        <p:blipFill>
+          <a:blip r:embed="rId4">
+            <a:extLst>
+              <a:ext uri="{28A0092B-C50C-407E-A947-70E740481C1C}">
+                <a14:useLocalDpi xmlns:a14="http://schemas.microsoft.com/office/drawing/2010/main" val="0"/>
+              </a:ext>
+            </a:extLst>
+          </a:blip>
+          <a:stretch>
+            <a:fillRect/>
+          </a:stretch>
+        </p:blipFill>
+        <p:spPr>
+          <a:xfrm>
+            <a:off x="551980" y="1854180"/>
+            <a:ext cx="4523873" cy="4523873"/>
+          </a:xfrm>
+        </p:spPr>
+      </p:pic>
+    </p:spTree>
+    <p:extLst>
+      <p:ext uri="{BB962C8B-B14F-4D97-AF65-F5344CB8AC3E}">
+        <p14:creationId xmlns:p14="http://schemas.microsoft.com/office/powerpoint/2010/main" val="2197274820"/>
+      </p:ext>
+    </p:extLst>
+  </p:cSld>
+  <p:clrMapOvr>
+    <a:masterClrMapping/>
+  </p:clrMapOvr>
+  <mc:AlternateContent xmlns:mc="http://schemas.openxmlformats.org/markup-compatibility/2006" xmlns:p159="http://schemas.microsoft.com/office/powerpoint/2015/09/main">
+    <mc:Choice Requires="p159">
+      <p:transition xmlns:p14="http://schemas.microsoft.com/office/powerpoint/2010/main" spd="slow" p14:dur="2000">
+        <p159:morph option="byObject"/>
+      </p:transition>
+    </mc:Choice>
+    <mc:Fallback xmlns="">
+      <p:transition spd="slow">
+        <p:fade/>
+      </p:transition>
+    </mc:Fallback>
+  </mc:AlternateContent>
+</p:sld>
+</file>
+
+<file path=ppt/slides/slide9.xml><?xml version="1.0" encoding="utf-8"?>
+<p:sld xmlns:a="http://schemas.openxmlformats.org/drawingml/2006/main" xmlns:r="http://schemas.openxmlformats.org/officeDocument/2006/relationships" xmlns:p="http://schemas.openxmlformats.org/presentationml/2006/main">
+  <p:cSld>
+    <p:bg>
+      <p:bgPr>
+        <a:solidFill>
+          <a:schemeClr val="tx2">
+            <a:lumMod val="40000"/>
+            <a:lumOff val="60000"/>
+          </a:schemeClr>
+        </a:solidFill>
+        <a:effectLst/>
+      </p:bgPr>
+    </p:bg>
+    <p:spTree>
+      <p:nvGrpSpPr>
+        <p:cNvPr id="1" name=""/>
+        <p:cNvGrpSpPr/>
+        <p:nvPr/>
+      </p:nvGrpSpPr>
+      <p:grpSpPr>
+        <a:xfrm>
+          <a:off x="0" y="0"/>
+          <a:ext cx="0" cy="0"/>
+          <a:chOff x="0" y="0"/>
+          <a:chExt cx="0" cy="0"/>
+        </a:xfrm>
+      </p:grpSpPr>
+      <p:pic>
+        <p:nvPicPr>
+          <p:cNvPr id="3" name="內容版面配置區 6">
+            <a:extLst>
+              <a:ext uri="{FF2B5EF4-FFF2-40B4-BE49-F238E27FC236}">
+                <a16:creationId xmlns:a16="http://schemas.microsoft.com/office/drawing/2014/main" id="{950F9CED-BB8D-4FB4-BF35-3C481F855313}"/>
+              </a:ext>
+            </a:extLst>
+          </p:cNvPr>
+          <p:cNvPicPr>
+            <a:picLocks noChangeAspect="1"/>
+          </p:cNvPicPr>
+          <p:nvPr/>
+        </p:nvPicPr>
+        <p:blipFill>
+          <a:blip r:embed="rId3">
+            <a:extLst>
+              <a:ext uri="{28A0092B-C50C-407E-A947-70E740481C1C}">
+                <a14:useLocalDpi xmlns:a14="http://schemas.microsoft.com/office/drawing/2010/main" val="0"/>
+              </a:ext>
+            </a:extLst>
+          </a:blip>
+          <a:stretch>
+            <a:fillRect/>
+          </a:stretch>
+        </p:blipFill>
+        <p:spPr>
+          <a:xfrm>
+            <a:off x="357902" y="494424"/>
+            <a:ext cx="4609421" cy="4609421"/>
+          </a:xfrm>
+          <a:prstGeom prst="rect">
+            <a:avLst/>
+          </a:prstGeom>
+        </p:spPr>
+      </p:pic>
+    </p:spTree>
+    <p:extLst>
+      <p:ext uri="{BB962C8B-B14F-4D97-AF65-F5344CB8AC3E}">
+        <p14:creationId xmlns:p14="http://schemas.microsoft.com/office/powerpoint/2010/main" val="292007184"/>
+      </p:ext>
+    </p:extLst>
+  </p:cSld>
+  <p:clrMapOvr>
+    <a:masterClrMapping/>
+  </p:clrMapOvr>
+  <mc:AlternateContent xmlns:mc="http://schemas.openxmlformats.org/markup-compatibility/2006" xmlns:p159="http://schemas.microsoft.com/office/powerpoint/2015/09/main">
+    <mc:Choice Requires="p159">
+      <p:transition xmlns:p14="http://schemas.microsoft.com/office/powerpoint/2010/main" spd="slow" p14:dur="2000">
+        <p159:morph option="byObject"/>
+      </p:transition>
+    </mc:Choice>
+    <mc:Fallback xmlns="">
+      <p:transition spd="slow">
+        <p:fade/>
+      </p:transition>
+    </mc:Fallback>
+  </mc:AlternateContent>
 </p:sld>
 </file>
 
@@ -3677,4 +7510,299 @@
     </a:ext>
   </a:extLst>
 </a:theme>
+</file>
+
+<file path=ppt/theme/theme2.xml><?xml version="1.0" encoding="utf-8"?>
+<a:theme xmlns:a="http://schemas.openxmlformats.org/drawingml/2006/main" name="Office 佈景主題">
+  <a:themeElements>
+    <a:clrScheme name="Office">
+      <a:dk1>
+        <a:sysClr val="windowText" lastClr="000000"/>
+      </a:dk1>
+      <a:lt1>
+        <a:sysClr val="window" lastClr="FFFFFF"/>
+      </a:lt1>
+      <a:dk2>
+        <a:srgbClr val="44546A"/>
+      </a:dk2>
+      <a:lt2>
+        <a:srgbClr val="E7E6E6"/>
+      </a:lt2>
+      <a:accent1>
+        <a:srgbClr val="4472C4"/>
+      </a:accent1>
+      <a:accent2>
+        <a:srgbClr val="ED7D31"/>
+      </a:accent2>
+      <a:accent3>
+        <a:srgbClr val="A5A5A5"/>
+      </a:accent3>
+      <a:accent4>
+        <a:srgbClr val="FFC000"/>
+      </a:accent4>
+      <a:accent5>
+        <a:srgbClr val="5B9BD5"/>
+      </a:accent5>
+      <a:accent6>
+        <a:srgbClr val="70AD47"/>
+      </a:accent6>
+      <a:hlink>
+        <a:srgbClr val="0563C1"/>
+      </a:hlink>
+      <a:folHlink>
+        <a:srgbClr val="954F72"/>
+      </a:folHlink>
+    </a:clrScheme>
+    <a:fontScheme name="Office">
+      <a:majorFont>
+        <a:latin typeface="Calibri Light" panose="020F0302020204030204"/>
+        <a:ea typeface=""/>
+        <a:cs typeface=""/>
+        <a:font script="Jpan" typeface="游ゴシック Light"/>
+        <a:font script="Hang" typeface="맑은 고딕"/>
+        <a:font script="Hans" typeface="等线 Light"/>
+        <a:font script="Hant" typeface="新細明體"/>
+        <a:font script="Arab" typeface="Times New Roman"/>
+        <a:font script="Hebr" typeface="Times New Roman"/>
+        <a:font script="Thai" typeface="Angsana New"/>
+        <a:font script="Ethi" typeface="Nyala"/>
+        <a:font script="Beng" typeface="Vrinda"/>
+        <a:font script="Gujr" typeface="Shruti"/>
+        <a:font script="Khmr" typeface="MoolBoran"/>
+        <a:font script="Knda" typeface="Tunga"/>
+        <a:font script="Guru" typeface="Raavi"/>
+        <a:font script="Cans" typeface="Euphemia"/>
+        <a:font script="Cher" typeface="Plantagenet Cherokee"/>
+        <a:font script="Yiii" typeface="Microsoft Yi Baiti"/>
+        <a:font script="Tibt" typeface="Microsoft Himalaya"/>
+        <a:font script="Thaa" typeface="MV Boli"/>
+        <a:font script="Deva" typeface="Mangal"/>
+        <a:font script="Telu" typeface="Gautami"/>
+        <a:font script="Taml" typeface="Latha"/>
+        <a:font script="Syrc" typeface="Estrangelo Edessa"/>
+        <a:font script="Orya" typeface="Kalinga"/>
+        <a:font script="Mlym" typeface="Kartika"/>
+        <a:font script="Laoo" typeface="DokChampa"/>
+        <a:font script="Sinh" typeface="Iskoola Pota"/>
+        <a:font script="Mong" typeface="Mongolian Baiti"/>
+        <a:font script="Viet" typeface="Times New Roman"/>
+        <a:font script="Uigh" typeface="Microsoft Uighur"/>
+        <a:font script="Geor" typeface="Sylfaen"/>
+        <a:font script="Armn" typeface="Arial"/>
+        <a:font script="Bugi" typeface="Leelawadee UI"/>
+        <a:font script="Bopo" typeface="Microsoft JhengHei"/>
+        <a:font script="Java" typeface="Javanese Text"/>
+        <a:font script="Lisu" typeface="Segoe UI"/>
+        <a:font script="Mymr" typeface="Myanmar Text"/>
+        <a:font script="Nkoo" typeface="Ebrima"/>
+        <a:font script="Olck" typeface="Nirmala UI"/>
+        <a:font script="Osma" typeface="Ebrima"/>
+        <a:font script="Phag" typeface="Phagspa"/>
+        <a:font script="Syrn" typeface="Estrangelo Edessa"/>
+        <a:font script="Syrj" typeface="Estrangelo Edessa"/>
+        <a:font script="Syre" typeface="Estrangelo Edessa"/>
+        <a:font script="Sora" typeface="Nirmala UI"/>
+        <a:font script="Tale" typeface="Microsoft Tai Le"/>
+        <a:font script="Talu" typeface="Microsoft New Tai Lue"/>
+        <a:font script="Tfng" typeface="Ebrima"/>
+      </a:majorFont>
+      <a:minorFont>
+        <a:latin typeface="Calibri" panose="020F0502020204030204"/>
+        <a:ea typeface=""/>
+        <a:cs typeface=""/>
+        <a:font script="Jpan" typeface="游ゴシック"/>
+        <a:font script="Hang" typeface="맑은 고딕"/>
+        <a:font script="Hans" typeface="等线"/>
+        <a:font script="Hant" typeface="新細明體"/>
+        <a:font script="Arab" typeface="Arial"/>
+        <a:font script="Hebr" typeface="Arial"/>
+        <a:font script="Thai" typeface="Cordia New"/>
+        <a:font script="Ethi" typeface="Nyala"/>
+        <a:font script="Beng" typeface="Vrinda"/>
+        <a:font script="Gujr" typeface="Shruti"/>
+        <a:font script="Khmr" typeface="DaunPenh"/>
+        <a:font script="Knda" typeface="Tunga"/>
+        <a:font script="Guru" typeface="Raavi"/>
+        <a:font script="Cans" typeface="Euphemia"/>
+        <a:font script="Cher" typeface="Plantagenet Cherokee"/>
+        <a:font script="Yiii" typeface="Microsoft Yi Baiti"/>
+        <a:font script="Tibt" typeface="Microsoft Himalaya"/>
+        <a:font script="Thaa" typeface="MV Boli"/>
+        <a:font script="Deva" typeface="Mangal"/>
+        <a:font script="Telu" typeface="Gautami"/>
+        <a:font script="Taml" typeface="Latha"/>
+        <a:font script="Syrc" typeface="Estrangelo Edessa"/>
+        <a:font script="Orya" typeface="Kalinga"/>
+        <a:font script="Mlym" typeface="Kartika"/>
+        <a:font script="Laoo" typeface="DokChampa"/>
+        <a:font script="Sinh" typeface="Iskoola Pota"/>
+        <a:font script="Mong" typeface="Mongolian Baiti"/>
+        <a:font script="Viet" typeface="Arial"/>
+        <a:font script="Uigh" typeface="Microsoft Uighur"/>
+        <a:font script="Geor" typeface="Sylfaen"/>
+        <a:font script="Armn" typeface="Arial"/>
+        <a:font script="Bugi" typeface="Leelawadee UI"/>
+        <a:font script="Bopo" typeface="Microsoft JhengHei"/>
+        <a:font script="Java" typeface="Javanese Text"/>
+        <a:font script="Lisu" typeface="Segoe UI"/>
+        <a:font script="Mymr" typeface="Myanmar Text"/>
+        <a:font script="Nkoo" typeface="Ebrima"/>
+        <a:font script="Olck" typeface="Nirmala UI"/>
+        <a:font script="Osma" typeface="Ebrima"/>
+        <a:font script="Phag" typeface="Phagspa"/>
+        <a:font script="Syrn" typeface="Estrangelo Edessa"/>
+        <a:font script="Syrj" typeface="Estrangelo Edessa"/>
+        <a:font script="Syre" typeface="Estrangelo Edessa"/>
+        <a:font script="Sora" typeface="Nirmala UI"/>
+        <a:font script="Tale" typeface="Microsoft Tai Le"/>
+        <a:font script="Talu" typeface="Microsoft New Tai Lue"/>
+        <a:font script="Tfng" typeface="Ebrima"/>
+      </a:minorFont>
+    </a:fontScheme>
+    <a:fmtScheme name="Office">
+      <a:fillStyleLst>
+        <a:solidFill>
+          <a:schemeClr val="phClr"/>
+        </a:solidFill>
+        <a:gradFill rotWithShape="1">
+          <a:gsLst>
+            <a:gs pos="0">
+              <a:schemeClr val="phClr">
+                <a:lumMod val="110000"/>
+                <a:satMod val="105000"/>
+                <a:tint val="67000"/>
+              </a:schemeClr>
+            </a:gs>
+            <a:gs pos="50000">
+              <a:schemeClr val="phClr">
+                <a:lumMod val="105000"/>
+                <a:satMod val="103000"/>
+                <a:tint val="73000"/>
+              </a:schemeClr>
+            </a:gs>
+            <a:gs pos="100000">
+              <a:schemeClr val="phClr">
+                <a:lumMod val="105000"/>
+                <a:satMod val="109000"/>
+                <a:tint val="81000"/>
+              </a:schemeClr>
+            </a:gs>
+          </a:gsLst>
+          <a:lin ang="5400000" scaled="0"/>
+        </a:gradFill>
+        <a:gradFill rotWithShape="1">
+          <a:gsLst>
+            <a:gs pos="0">
+              <a:schemeClr val="phClr">
+                <a:satMod val="103000"/>
+                <a:lumMod val="102000"/>
+                <a:tint val="94000"/>
+              </a:schemeClr>
+            </a:gs>
+            <a:gs pos="50000">
+              <a:schemeClr val="phClr">
+                <a:satMod val="110000"/>
+                <a:lumMod val="100000"/>
+                <a:shade val="100000"/>
+              </a:schemeClr>
+            </a:gs>
+            <a:gs pos="100000">
+              <a:schemeClr val="phClr">
+                <a:lumMod val="99000"/>
+                <a:satMod val="120000"/>
+                <a:shade val="78000"/>
+              </a:schemeClr>
+            </a:gs>
+          </a:gsLst>
+          <a:lin ang="5400000" scaled="0"/>
+        </a:gradFill>
+      </a:fillStyleLst>
+      <a:lnStyleLst>
+        <a:ln w="6350" cap="flat" cmpd="sng" algn="ctr">
+          <a:solidFill>
+            <a:schemeClr val="phClr"/>
+          </a:solidFill>
+          <a:prstDash val="solid"/>
+          <a:miter lim="800000"/>
+        </a:ln>
+        <a:ln w="12700" cap="flat" cmpd="sng" algn="ctr">
+          <a:solidFill>
+            <a:schemeClr val="phClr"/>
+          </a:solidFill>
+          <a:prstDash val="solid"/>
+          <a:miter lim="800000"/>
+        </a:ln>
+        <a:ln w="19050" cap="flat" cmpd="sng" algn="ctr">
+          <a:solidFill>
+            <a:schemeClr val="phClr"/>
+          </a:solidFill>
+          <a:prstDash val="solid"/>
+          <a:miter lim="800000"/>
+        </a:ln>
+      </a:lnStyleLst>
+      <a:effectStyleLst>
+        <a:effectStyle>
+          <a:effectLst/>
+        </a:effectStyle>
+        <a:effectStyle>
+          <a:effectLst/>
+        </a:effectStyle>
+        <a:effectStyle>
+          <a:effectLst>
+            <a:outerShdw blurRad="57150" dist="19050" dir="5400000" algn="ctr" rotWithShape="0">
+              <a:srgbClr val="000000">
+                <a:alpha val="63000"/>
+              </a:srgbClr>
+            </a:outerShdw>
+          </a:effectLst>
+        </a:effectStyle>
+      </a:effectStyleLst>
+      <a:bgFillStyleLst>
+        <a:solidFill>
+          <a:schemeClr val="phClr"/>
+        </a:solidFill>
+        <a:solidFill>
+          <a:schemeClr val="phClr">
+            <a:tint val="95000"/>
+            <a:satMod val="170000"/>
+          </a:schemeClr>
+        </a:solidFill>
+        <a:gradFill rotWithShape="1">
+          <a:gsLst>
+            <a:gs pos="0">
+              <a:schemeClr val="phClr">
+                <a:tint val="93000"/>
+                <a:satMod val="150000"/>
+                <a:shade val="98000"/>
+                <a:lumMod val="102000"/>
+              </a:schemeClr>
+            </a:gs>
+            <a:gs pos="50000">
+              <a:schemeClr val="phClr">
+                <a:tint val="98000"/>
+                <a:satMod val="130000"/>
+                <a:shade val="90000"/>
+                <a:lumMod val="103000"/>
+              </a:schemeClr>
+            </a:gs>
+            <a:gs pos="100000">
+              <a:schemeClr val="phClr">
+                <a:shade val="63000"/>
+                <a:satMod val="120000"/>
+              </a:schemeClr>
+            </a:gs>
+          </a:gsLst>
+          <a:lin ang="5400000" scaled="0"/>
+        </a:gradFill>
+      </a:bgFillStyleLst>
+    </a:fmtScheme>
+  </a:themeElements>
+  <a:objectDefaults/>
+  <a:extraClrSchemeLst/>
+  <a:extLst>
+    <a:ext uri="{05A4C25C-085E-4340-85A3-A5531E510DB2}">
+      <thm15:themeFamily xmlns:thm15="http://schemas.microsoft.com/office/thememl/2012/main" name="Office Theme" id="{62F939B6-93AF-4DB8-9C6B-D6C7DFDC589F}" vid="{4A3C46E8-61CC-4603-A589-7422A47A8E4A}"/>
+    </a:ext>
+  </a:extLst>
+</a:theme>
 </file>